--- a/Courses/Software-Sciences/Module-4-Information-Systems/08-Navigation-between-Tables/08-Navigation-between-Tables.pptx
+++ b/Courses/Software-Sciences/Module-4-Information-Systems/08-Navigation-between-Tables/08-Navigation-between-Tables.pptx
@@ -354,7 +354,7 @@
           <a:p>
             <a:fld id="{4E087215-0C8F-4762-A664-737A353EC9A4}" type="datetimeFigureOut">
               <a:rPr lang="bg-BG" smtClean="0"/>
-              <a:t>12.01.25 г.</a:t>
+              <a:t>4.02.25 г.</a:t>
             </a:fld>
             <a:endParaRPr lang="bg-BG"/>
           </a:p>
@@ -550,7 +550,7 @@
           <a:p>
             <a:fld id="{72D84649-876A-46C9-8472-14CB09C070D8}" type="datetimeFigureOut">
               <a:rPr lang="en-US" smtClean="0"/>
-              <a:t>1/12/25</a:t>
+              <a:t>2/4/25</a:t>
             </a:fld>
             <a:endParaRPr lang="en-US"/>
           </a:p>
@@ -9120,8 +9120,8 @@
         </p:blipFill>
         <p:spPr>
           <a:xfrm>
-            <a:off x="642407" y="3086623"/>
-            <a:ext cx="1757160" cy="788082"/>
+            <a:off x="642407" y="3087467"/>
+            <a:ext cx="1757160" cy="786394"/>
           </a:xfrm>
           <a:prstGeom prst="rect">
             <a:avLst/>

--- a/Courses/Software-Sciences/Module-4-Information-Systems/08-Navigation-between-Tables/08-Navigation-between-Tables.pptx
+++ b/Courses/Software-Sciences/Module-4-Information-Systems/08-Navigation-between-Tables/08-Navigation-between-Tables.pptx
@@ -5,10 +5,10 @@
     <p:sldMasterId id="2147483675" r:id="rId1"/>
   </p:sldMasterIdLst>
   <p:notesMasterIdLst>
-    <p:notesMasterId r:id="rId41"/>
+    <p:notesMasterId r:id="rId44"/>
   </p:notesMasterIdLst>
   <p:handoutMasterIdLst>
-    <p:handoutMasterId r:id="rId42"/>
+    <p:handoutMasterId r:id="rId45"/>
   </p:handoutMasterIdLst>
   <p:sldIdLst>
     <p:sldId id="503" r:id="rId2"/>
@@ -33,23 +33,26 @@
     <p:sldId id="790" r:id="rId21"/>
     <p:sldId id="649" r:id="rId22"/>
     <p:sldId id="753" r:id="rId23"/>
-    <p:sldId id="793" r:id="rId24"/>
-    <p:sldId id="758" r:id="rId25"/>
-    <p:sldId id="785" r:id="rId26"/>
-    <p:sldId id="786" r:id="rId27"/>
-    <p:sldId id="788" r:id="rId28"/>
-    <p:sldId id="757" r:id="rId29"/>
-    <p:sldId id="754" r:id="rId30"/>
-    <p:sldId id="768" r:id="rId31"/>
-    <p:sldId id="755" r:id="rId32"/>
-    <p:sldId id="759" r:id="rId33"/>
-    <p:sldId id="767" r:id="rId34"/>
-    <p:sldId id="789" r:id="rId35"/>
-    <p:sldId id="756" r:id="rId36"/>
-    <p:sldId id="760" r:id="rId37"/>
-    <p:sldId id="633" r:id="rId38"/>
-    <p:sldId id="504" r:id="rId39"/>
-    <p:sldId id="505" r:id="rId40"/>
+    <p:sldId id="708" r:id="rId24"/>
+    <p:sldId id="710" r:id="rId25"/>
+    <p:sldId id="793" r:id="rId26"/>
+    <p:sldId id="794" r:id="rId27"/>
+    <p:sldId id="758" r:id="rId28"/>
+    <p:sldId id="785" r:id="rId29"/>
+    <p:sldId id="786" r:id="rId30"/>
+    <p:sldId id="788" r:id="rId31"/>
+    <p:sldId id="757" r:id="rId32"/>
+    <p:sldId id="754" r:id="rId33"/>
+    <p:sldId id="768" r:id="rId34"/>
+    <p:sldId id="755" r:id="rId35"/>
+    <p:sldId id="759" r:id="rId36"/>
+    <p:sldId id="767" r:id="rId37"/>
+    <p:sldId id="789" r:id="rId38"/>
+    <p:sldId id="756" r:id="rId39"/>
+    <p:sldId id="760" r:id="rId40"/>
+    <p:sldId id="633" r:id="rId41"/>
+    <p:sldId id="504" r:id="rId42"/>
+    <p:sldId id="505" r:id="rId43"/>
   </p:sldIdLst>
   <p:sldSz cx="12192000" cy="6858000"/>
   <p:notesSz cx="6858000" cy="9144000"/>
@@ -195,7 +198,10 @@
           <p14:sldIdLst>
             <p14:sldId id="649"/>
             <p14:sldId id="753"/>
+            <p14:sldId id="708"/>
+            <p14:sldId id="710"/>
             <p14:sldId id="793"/>
+            <p14:sldId id="794"/>
             <p14:sldId id="758"/>
             <p14:sldId id="785"/>
             <p14:sldId id="786"/>
@@ -354,7 +360,7 @@
           <a:p>
             <a:fld id="{4E087215-0C8F-4762-A664-737A353EC9A4}" type="datetimeFigureOut">
               <a:rPr lang="bg-BG" smtClean="0"/>
-              <a:t>4.02.25 г.</a:t>
+              <a:t>10.08.25 г.</a:t>
             </a:fld>
             <a:endParaRPr lang="bg-BG"/>
           </a:p>
@@ -550,7 +556,7 @@
           <a:p>
             <a:fld id="{72D84649-876A-46C9-8472-14CB09C070D8}" type="datetimeFigureOut">
               <a:rPr lang="en-US" smtClean="0"/>
-              <a:t>2/4/25</a:t>
+              <a:t>8/10/25</a:t>
             </a:fld>
             <a:endParaRPr lang="en-US"/>
           </a:p>
@@ -982,6 +988,127 @@
   <p:cSld>
     <p:spTree>
       <p:nvGrpSpPr>
+        <p:cNvPr id="1" name=""/>
+        <p:cNvGrpSpPr/>
+        <p:nvPr/>
+      </p:nvGrpSpPr>
+      <p:grpSpPr>
+        <a:xfrm>
+          <a:off x="0" y="0"/>
+          <a:ext cx="0" cy="0"/>
+          <a:chOff x="0" y="0"/>
+          <a:chExt cx="0" cy="0"/>
+        </a:xfrm>
+      </p:grpSpPr>
+      <p:sp>
+        <p:nvSpPr>
+          <p:cNvPr id="2" name="Slide Image Placeholder 1"/>
+          <p:cNvSpPr>
+            <a:spLocks noGrp="1" noRot="1" noChangeAspect="1"/>
+          </p:cNvSpPr>
+          <p:nvPr>
+            <p:ph type="sldImg"/>
+          </p:nvPr>
+        </p:nvSpPr>
+        <p:spPr/>
+      </p:sp>
+      <p:sp>
+        <p:nvSpPr>
+          <p:cNvPr id="3" name="Notes Placeholder 2"/>
+          <p:cNvSpPr>
+            <a:spLocks noGrp="1"/>
+          </p:cNvSpPr>
+          <p:nvPr>
+            <p:ph type="body" idx="1"/>
+          </p:nvPr>
+        </p:nvSpPr>
+        <p:spPr/>
+        <p:txBody>
+          <a:bodyPr/>
+          <a:lstStyle/>
+          <a:p>
+            <a:endParaRPr lang="en-BG" dirty="0"/>
+          </a:p>
+        </p:txBody>
+      </p:sp>
+      <p:sp>
+        <p:nvSpPr>
+          <p:cNvPr id="4" name="Slide Number Placeholder 3"/>
+          <p:cNvSpPr>
+            <a:spLocks noGrp="1"/>
+          </p:cNvSpPr>
+          <p:nvPr>
+            <p:ph type="sldNum" sz="quarter" idx="5"/>
+          </p:nvPr>
+        </p:nvSpPr>
+        <p:spPr/>
+        <p:txBody>
+          <a:bodyPr/>
+          <a:lstStyle/>
+          <a:p>
+            <a:fld id="{2BF067CD-8E6B-4360-9AA8-C5DF2A48A6D1}" type="slidenum">
+              <a:rPr lang="en-US" smtClean="0"/>
+              <a:t>24</a:t>
+            </a:fld>
+            <a:endParaRPr lang="en-US" dirty="0"/>
+          </a:p>
+        </p:txBody>
+      </p:sp>
+      <p:sp>
+        <p:nvSpPr>
+          <p:cNvPr id="5" name="Footer Placeholder 4"/>
+          <p:cNvSpPr>
+            <a:spLocks noGrp="1"/>
+          </p:cNvSpPr>
+          <p:nvPr>
+            <p:ph type="ftr" sz="quarter" idx="4"/>
+          </p:nvPr>
+        </p:nvSpPr>
+        <p:spPr/>
+        <p:txBody>
+          <a:bodyPr/>
+          <a:lstStyle/>
+          <a:p>
+            <a:r>
+              <a:rPr lang="bg-BG" sz="1100"/>
+              <a:t>Работна група </a:t>
+            </a:r>
+            <a:r>
+              <a:rPr lang="bg-BG"/>
+              <a:t>"Образование по програмиране и ИТ"</a:t>
+            </a:r>
+            <a:r>
+              <a:rPr lang="bg-BG" sz="1100"/>
+              <a:t>, с подкрепата на </a:t>
+            </a:r>
+            <a:r>
+              <a:rPr lang="en-US" sz="1100">
+                <a:hlinkClick r:id="rId3"/>
+              </a:rPr>
+              <a:t>SoftUni</a:t>
+            </a:r>
+            <a:endParaRPr lang="en-US" sz="1100" dirty="0"/>
+          </a:p>
+        </p:txBody>
+      </p:sp>
+    </p:spTree>
+    <p:extLst>
+      <p:ext uri="{BB962C8B-B14F-4D97-AF65-F5344CB8AC3E}">
+        <p14:creationId xmlns:p14="http://schemas.microsoft.com/office/powerpoint/2010/main" val="1704420269"/>
+      </p:ext>
+    </p:extLst>
+  </p:cSld>
+  <p:clrMapOvr>
+    <a:masterClrMapping/>
+  </p:clrMapOvr>
+</p:notes>
+</file>
+
+<file path=ppt/notesSlides/notesSlide11.xml><?xml version="1.0" encoding="utf-8"?>
+<p:notes xmlns:a="http://schemas.openxmlformats.org/drawingml/2006/main" xmlns:r="http://schemas.openxmlformats.org/officeDocument/2006/relationships" xmlns:p="http://schemas.openxmlformats.org/presentationml/2006/main">
+  <p:cSld>
+    <p:spTree>
+      <p:nvGrpSpPr>
         <p:cNvPr id="1" name="">
           <a:extLst>
             <a:ext uri="{FF2B5EF4-FFF2-40B4-BE49-F238E27FC236}">
@@ -1066,7 +1193,7 @@
           <a:p>
             <a:fld id="{2BF067CD-8E6B-4360-9AA8-C5DF2A48A6D1}" type="slidenum">
               <a:rPr lang="en-US" smtClean="0"/>
-              <a:t>23</a:t>
+              <a:t>25</a:t>
             </a:fld>
             <a:endParaRPr lang="en-US" dirty="0"/>
           </a:p>
@@ -1128,12 +1255,18 @@
 </p:notes>
 </file>
 
-<file path=ppt/notesSlides/notesSlide11.xml><?xml version="1.0" encoding="utf-8"?>
+<file path=ppt/notesSlides/notesSlide12.xml><?xml version="1.0" encoding="utf-8"?>
 <p:notes xmlns:a="http://schemas.openxmlformats.org/drawingml/2006/main" xmlns:r="http://schemas.openxmlformats.org/officeDocument/2006/relationships" xmlns:p="http://schemas.openxmlformats.org/presentationml/2006/main">
   <p:cSld>
     <p:spTree>
       <p:nvGrpSpPr>
-        <p:cNvPr id="1" name=""/>
+        <p:cNvPr id="1" name="">
+          <a:extLst>
+            <a:ext uri="{FF2B5EF4-FFF2-40B4-BE49-F238E27FC236}">
+              <a16:creationId xmlns:a16="http://schemas.microsoft.com/office/drawing/2014/main" id="{1DEB6C74-2E37-15D4-7884-43CCB47A1A1C}"/>
+            </a:ext>
+          </a:extLst>
+        </p:cNvPr>
         <p:cNvGrpSpPr/>
         <p:nvPr/>
       </p:nvGrpSpPr>
@@ -1147,7 +1280,13 @@
       </p:grpSpPr>
       <p:sp>
         <p:nvSpPr>
-          <p:cNvPr id="2" name="Slide Image Placeholder 1"/>
+          <p:cNvPr id="2" name="Slide Image Placeholder 1">
+            <a:extLst>
+              <a:ext uri="{FF2B5EF4-FFF2-40B4-BE49-F238E27FC236}">
+                <a16:creationId xmlns:a16="http://schemas.microsoft.com/office/drawing/2014/main" id="{4BBA69D7-9B30-4087-A628-04CA86C8925F}"/>
+              </a:ext>
+            </a:extLst>
+          </p:cNvPr>
           <p:cNvSpPr>
             <a:spLocks noGrp="1" noRot="1" noChangeAspect="1"/>
           </p:cNvSpPr>
@@ -1159,7 +1298,13 @@
       </p:sp>
       <p:sp>
         <p:nvSpPr>
-          <p:cNvPr id="3" name="Notes Placeholder 2"/>
+          <p:cNvPr id="3" name="Notes Placeholder 2">
+            <a:extLst>
+              <a:ext uri="{FF2B5EF4-FFF2-40B4-BE49-F238E27FC236}">
+                <a16:creationId xmlns:a16="http://schemas.microsoft.com/office/drawing/2014/main" id="{98B9AC31-F56A-B847-FAFA-132F0F33E8F3}"/>
+              </a:ext>
+            </a:extLst>
+          </p:cNvPr>
           <p:cNvSpPr>
             <a:spLocks noGrp="1"/>
           </p:cNvSpPr>
@@ -1178,7 +1323,13 @@
       </p:sp>
       <p:sp>
         <p:nvSpPr>
-          <p:cNvPr id="4" name="Slide Number Placeholder 3"/>
+          <p:cNvPr id="4" name="Slide Number Placeholder 3">
+            <a:extLst>
+              <a:ext uri="{FF2B5EF4-FFF2-40B4-BE49-F238E27FC236}">
+                <a16:creationId xmlns:a16="http://schemas.microsoft.com/office/drawing/2014/main" id="{075D1B0B-BB16-3A66-6555-AA4CDE2E5D29}"/>
+              </a:ext>
+            </a:extLst>
+          </p:cNvPr>
           <p:cNvSpPr>
             <a:spLocks noGrp="1"/>
           </p:cNvSpPr>
@@ -1193,7 +1344,7 @@
           <a:p>
             <a:fld id="{2BF067CD-8E6B-4360-9AA8-C5DF2A48A6D1}" type="slidenum">
               <a:rPr lang="en-US" smtClean="0"/>
-              <a:t>24</a:t>
+              <a:t>26</a:t>
             </a:fld>
             <a:endParaRPr lang="en-US" dirty="0"/>
           </a:p>
@@ -1201,7 +1352,13 @@
       </p:sp>
       <p:sp>
         <p:nvSpPr>
-          <p:cNvPr id="5" name="Footer Placeholder 4"/>
+          <p:cNvPr id="5" name="Footer Placeholder 4">
+            <a:extLst>
+              <a:ext uri="{FF2B5EF4-FFF2-40B4-BE49-F238E27FC236}">
+                <a16:creationId xmlns:a16="http://schemas.microsoft.com/office/drawing/2014/main" id="{87B2DA4F-458F-47D7-6F5E-27652997A548}"/>
+              </a:ext>
+            </a:extLst>
+          </p:cNvPr>
           <p:cNvSpPr>
             <a:spLocks noGrp="1"/>
           </p:cNvSpPr>
@@ -1239,128 +1396,7 @@
     </p:spTree>
     <p:extLst>
       <p:ext uri="{BB962C8B-B14F-4D97-AF65-F5344CB8AC3E}">
-        <p14:creationId xmlns:p14="http://schemas.microsoft.com/office/powerpoint/2010/main" val="3010897597"/>
-      </p:ext>
-    </p:extLst>
-  </p:cSld>
-  <p:clrMapOvr>
-    <a:masterClrMapping/>
-  </p:clrMapOvr>
-</p:notes>
-</file>
-
-<file path=ppt/notesSlides/notesSlide12.xml><?xml version="1.0" encoding="utf-8"?>
-<p:notes xmlns:a="http://schemas.openxmlformats.org/drawingml/2006/main" xmlns:r="http://schemas.openxmlformats.org/officeDocument/2006/relationships" xmlns:p="http://schemas.openxmlformats.org/presentationml/2006/main">
-  <p:cSld>
-    <p:spTree>
-      <p:nvGrpSpPr>
-        <p:cNvPr id="1" name=""/>
-        <p:cNvGrpSpPr/>
-        <p:nvPr/>
-      </p:nvGrpSpPr>
-      <p:grpSpPr>
-        <a:xfrm>
-          <a:off x="0" y="0"/>
-          <a:ext cx="0" cy="0"/>
-          <a:chOff x="0" y="0"/>
-          <a:chExt cx="0" cy="0"/>
-        </a:xfrm>
-      </p:grpSpPr>
-      <p:sp>
-        <p:nvSpPr>
-          <p:cNvPr id="2" name="Slide Image Placeholder 1"/>
-          <p:cNvSpPr>
-            <a:spLocks noGrp="1" noRot="1" noChangeAspect="1"/>
-          </p:cNvSpPr>
-          <p:nvPr>
-            <p:ph type="sldImg"/>
-          </p:nvPr>
-        </p:nvSpPr>
-        <p:spPr/>
-      </p:sp>
-      <p:sp>
-        <p:nvSpPr>
-          <p:cNvPr id="3" name="Notes Placeholder 2"/>
-          <p:cNvSpPr>
-            <a:spLocks noGrp="1"/>
-          </p:cNvSpPr>
-          <p:nvPr>
-            <p:ph type="body" idx="1"/>
-          </p:nvPr>
-        </p:nvSpPr>
-        <p:spPr/>
-        <p:txBody>
-          <a:bodyPr/>
-          <a:lstStyle/>
-          <a:p>
-            <a:endParaRPr lang="en-GB" dirty="0"/>
-          </a:p>
-        </p:txBody>
-      </p:sp>
-      <p:sp>
-        <p:nvSpPr>
-          <p:cNvPr id="4" name="Slide Number Placeholder 3"/>
-          <p:cNvSpPr>
-            <a:spLocks noGrp="1"/>
-          </p:cNvSpPr>
-          <p:nvPr>
-            <p:ph type="sldNum" sz="quarter" idx="5"/>
-          </p:nvPr>
-        </p:nvSpPr>
-        <p:spPr/>
-        <p:txBody>
-          <a:bodyPr/>
-          <a:lstStyle/>
-          <a:p>
-            <a:fld id="{2BF067CD-8E6B-4360-9AA8-C5DF2A48A6D1}" type="slidenum">
-              <a:rPr lang="en-US" smtClean="0"/>
-              <a:t>28</a:t>
-            </a:fld>
-            <a:endParaRPr lang="en-US" dirty="0"/>
-          </a:p>
-        </p:txBody>
-      </p:sp>
-      <p:sp>
-        <p:nvSpPr>
-          <p:cNvPr id="5" name="Footer Placeholder 4"/>
-          <p:cNvSpPr>
-            <a:spLocks noGrp="1"/>
-          </p:cNvSpPr>
-          <p:nvPr>
-            <p:ph type="ftr" sz="quarter" idx="4"/>
-          </p:nvPr>
-        </p:nvSpPr>
-        <p:spPr/>
-        <p:txBody>
-          <a:bodyPr/>
-          <a:lstStyle/>
-          <a:p>
-            <a:r>
-              <a:rPr lang="bg-BG" sz="1100"/>
-              <a:t>Работна група </a:t>
-            </a:r>
-            <a:r>
-              <a:rPr lang="bg-BG"/>
-              <a:t>"Образование по програмиране и ИТ"</a:t>
-            </a:r>
-            <a:r>
-              <a:rPr lang="bg-BG" sz="1100"/>
-              <a:t>, с подкрепата на </a:t>
-            </a:r>
-            <a:r>
-              <a:rPr lang="en-US" sz="1100">
-                <a:hlinkClick r:id="rId3"/>
-              </a:rPr>
-              <a:t>SoftUni</a:t>
-            </a:r>
-            <a:endParaRPr lang="en-US" sz="1100" dirty="0"/>
-          </a:p>
-        </p:txBody>
-      </p:sp>
-    </p:spTree>
-    <p:extLst>
-      <p:ext uri="{BB962C8B-B14F-4D97-AF65-F5344CB8AC3E}">
-        <p14:creationId xmlns:p14="http://schemas.microsoft.com/office/powerpoint/2010/main" val="1526805865"/>
+        <p14:creationId xmlns:p14="http://schemas.microsoft.com/office/powerpoint/2010/main" val="929084505"/>
       </p:ext>
     </p:extLst>
   </p:cSld>
@@ -1435,7 +1471,7 @@
           <a:p>
             <a:fld id="{2BF067CD-8E6B-4360-9AA8-C5DF2A48A6D1}" type="slidenum">
               <a:rPr lang="en-US" smtClean="0"/>
-              <a:t>36</a:t>
+              <a:t>27</a:t>
             </a:fld>
             <a:endParaRPr lang="en-US" dirty="0"/>
           </a:p>
@@ -1481,7 +1517,7 @@
     </p:spTree>
     <p:extLst>
       <p:ext uri="{BB962C8B-B14F-4D97-AF65-F5344CB8AC3E}">
-        <p14:creationId xmlns:p14="http://schemas.microsoft.com/office/powerpoint/2010/main" val="296680282"/>
+        <p14:creationId xmlns:p14="http://schemas.microsoft.com/office/powerpoint/2010/main" val="3010897597"/>
       </p:ext>
     </p:extLst>
   </p:cSld>
@@ -1535,135 +1571,28 @@
           <a:bodyPr/>
           <a:lstStyle/>
           <a:p>
-            <a:endParaRPr lang="en-US" dirty="0"/>
+            <a:endParaRPr lang="en-GB" dirty="0"/>
           </a:p>
         </p:txBody>
       </p:sp>
       <p:sp>
         <p:nvSpPr>
-          <p:cNvPr id="7" name="Slide Number Placeholder 5">
-            <a:extLst>
-              <a:ext uri="{FF2B5EF4-FFF2-40B4-BE49-F238E27FC236}">
-                <a16:creationId xmlns:a16="http://schemas.microsoft.com/office/drawing/2014/main" id="{E65F1CA9-65DC-416B-8882-B3A5E415CE67}"/>
-              </a:ext>
-            </a:extLst>
-          </p:cNvPr>
-          <p:cNvSpPr txBox="1">
-            <a:spLocks/>
+          <p:cNvPr id="4" name="Slide Number Placeholder 3"/>
+          <p:cNvSpPr>
+            <a:spLocks noGrp="1"/>
           </p:cNvSpPr>
-          <p:nvPr/>
+          <p:nvPr>
+            <p:ph type="sldNum" sz="quarter" idx="5"/>
+          </p:nvPr>
         </p:nvSpPr>
-        <p:spPr>
-          <a:xfrm>
-            <a:off x="6488999" y="8847000"/>
-            <a:ext cx="367414" cy="297000"/>
-          </a:xfrm>
-          <a:prstGeom prst="rect">
-            <a:avLst/>
-          </a:prstGeom>
-        </p:spPr>
+        <p:spPr/>
         <p:txBody>
-          <a:bodyPr vert="horz" lIns="91440" tIns="45720" rIns="91440" bIns="45720" rtlCol="0" anchor="b"/>
-          <a:lstStyle>
-            <a:defPPr>
-              <a:defRPr lang="en-US"/>
-            </a:defPPr>
-            <a:lvl1pPr marL="0" algn="r" defTabSz="914400" rtl="0" eaLnBrk="1" latinLnBrk="0" hangingPunct="1">
-              <a:defRPr sz="1200" kern="1200">
-                <a:solidFill>
-                  <a:schemeClr val="tx1"/>
-                </a:solidFill>
-                <a:latin typeface="+mn-lt"/>
-                <a:ea typeface="+mn-ea"/>
-                <a:cs typeface="+mn-cs"/>
-              </a:defRPr>
-            </a:lvl1pPr>
-            <a:lvl2pPr marL="457200" algn="l" defTabSz="914400" rtl="0" eaLnBrk="1" latinLnBrk="0" hangingPunct="1">
-              <a:defRPr sz="1800" kern="1200">
-                <a:solidFill>
-                  <a:schemeClr val="tx1"/>
-                </a:solidFill>
-                <a:latin typeface="+mn-lt"/>
-                <a:ea typeface="+mn-ea"/>
-                <a:cs typeface="+mn-cs"/>
-              </a:defRPr>
-            </a:lvl2pPr>
-            <a:lvl3pPr marL="914400" algn="l" defTabSz="914400" rtl="0" eaLnBrk="1" latinLnBrk="0" hangingPunct="1">
-              <a:defRPr sz="1800" kern="1200">
-                <a:solidFill>
-                  <a:schemeClr val="tx1"/>
-                </a:solidFill>
-                <a:latin typeface="+mn-lt"/>
-                <a:ea typeface="+mn-ea"/>
-                <a:cs typeface="+mn-cs"/>
-              </a:defRPr>
-            </a:lvl3pPr>
-            <a:lvl4pPr marL="1371600" algn="l" defTabSz="914400" rtl="0" eaLnBrk="1" latinLnBrk="0" hangingPunct="1">
-              <a:defRPr sz="1800" kern="1200">
-                <a:solidFill>
-                  <a:schemeClr val="tx1"/>
-                </a:solidFill>
-                <a:latin typeface="+mn-lt"/>
-                <a:ea typeface="+mn-ea"/>
-                <a:cs typeface="+mn-cs"/>
-              </a:defRPr>
-            </a:lvl4pPr>
-            <a:lvl5pPr marL="1828800" algn="l" defTabSz="914400" rtl="0" eaLnBrk="1" latinLnBrk="0" hangingPunct="1">
-              <a:defRPr sz="1800" kern="1200">
-                <a:solidFill>
-                  <a:schemeClr val="tx1"/>
-                </a:solidFill>
-                <a:latin typeface="+mn-lt"/>
-                <a:ea typeface="+mn-ea"/>
-                <a:cs typeface="+mn-cs"/>
-              </a:defRPr>
-            </a:lvl5pPr>
-            <a:lvl6pPr marL="2286000" algn="l" defTabSz="914400" rtl="0" eaLnBrk="1" latinLnBrk="0" hangingPunct="1">
-              <a:defRPr sz="1800" kern="1200">
-                <a:solidFill>
-                  <a:schemeClr val="tx1"/>
-                </a:solidFill>
-                <a:latin typeface="+mn-lt"/>
-                <a:ea typeface="+mn-ea"/>
-                <a:cs typeface="+mn-cs"/>
-              </a:defRPr>
-            </a:lvl6pPr>
-            <a:lvl7pPr marL="2743200" algn="l" defTabSz="914400" rtl="0" eaLnBrk="1" latinLnBrk="0" hangingPunct="1">
-              <a:defRPr sz="1800" kern="1200">
-                <a:solidFill>
-                  <a:schemeClr val="tx1"/>
-                </a:solidFill>
-                <a:latin typeface="+mn-lt"/>
-                <a:ea typeface="+mn-ea"/>
-                <a:cs typeface="+mn-cs"/>
-              </a:defRPr>
-            </a:lvl7pPr>
-            <a:lvl8pPr marL="3200400" algn="l" defTabSz="914400" rtl="0" eaLnBrk="1" latinLnBrk="0" hangingPunct="1">
-              <a:defRPr sz="1800" kern="1200">
-                <a:solidFill>
-                  <a:schemeClr val="tx1"/>
-                </a:solidFill>
-                <a:latin typeface="+mn-lt"/>
-                <a:ea typeface="+mn-ea"/>
-                <a:cs typeface="+mn-cs"/>
-              </a:defRPr>
-            </a:lvl8pPr>
-            <a:lvl9pPr marL="3657600" algn="l" defTabSz="914400" rtl="0" eaLnBrk="1" latinLnBrk="0" hangingPunct="1">
-              <a:defRPr sz="1800" kern="1200">
-                <a:solidFill>
-                  <a:schemeClr val="tx1"/>
-                </a:solidFill>
-                <a:latin typeface="+mn-lt"/>
-                <a:ea typeface="+mn-ea"/>
-                <a:cs typeface="+mn-cs"/>
-              </a:defRPr>
-            </a:lvl9pPr>
-          </a:lstStyle>
-          <a:p>
-            <a:fld id="{3EBA5BD7-F043-4D1B-AA17-CD412FC534DE}" type="slidenum">
+          <a:bodyPr/>
+          <a:lstStyle/>
+          <a:p>
+            <a:fld id="{2BF067CD-8E6B-4360-9AA8-C5DF2A48A6D1}" type="slidenum">
               <a:rPr lang="en-US" smtClean="0"/>
-              <a:pPr/>
-              <a:t>37</a:t>
+              <a:t>31</a:t>
             </a:fld>
             <a:endParaRPr lang="en-US" dirty="0"/>
           </a:p>
@@ -1671,13 +1600,7 @@
       </p:sp>
       <p:sp>
         <p:nvSpPr>
-          <p:cNvPr id="5" name="Footer Placeholder 7">
-            <a:extLst>
-              <a:ext uri="{FF2B5EF4-FFF2-40B4-BE49-F238E27FC236}">
-                <a16:creationId xmlns:a16="http://schemas.microsoft.com/office/drawing/2014/main" id="{43FAF785-0C8D-730E-8E59-68198DC82CE0}"/>
-              </a:ext>
-            </a:extLst>
-          </p:cNvPr>
+          <p:cNvPr id="5" name="Footer Placeholder 4"/>
           <p:cNvSpPr>
             <a:spLocks noGrp="1"/>
           </p:cNvSpPr>
@@ -1685,37 +1608,25 @@
             <p:ph type="ftr" sz="quarter" idx="4"/>
           </p:nvPr>
         </p:nvSpPr>
-        <p:spPr>
-          <a:xfrm>
-            <a:off x="-1" y="8892000"/>
-            <a:ext cx="6488999" cy="252000"/>
-          </a:xfrm>
-          <a:prstGeom prst="rect">
-            <a:avLst/>
-          </a:prstGeom>
-        </p:spPr>
+        <p:spPr/>
         <p:txBody>
-          <a:bodyPr vert="horz" lIns="91440" tIns="45720" rIns="91440" bIns="45720" rtlCol="0" anchor="b"/>
-          <a:lstStyle>
-            <a:lvl1pPr algn="l">
-              <a:defRPr sz="1100"/>
-            </a:lvl1pPr>
-          </a:lstStyle>
-          <a:p>
-            <a:r>
-              <a:rPr lang="bg-BG" sz="1100" dirty="0"/>
+          <a:bodyPr/>
+          <a:lstStyle/>
+          <a:p>
+            <a:r>
+              <a:rPr lang="bg-BG" sz="1100"/>
               <a:t>Работна група </a:t>
             </a:r>
             <a:r>
-              <a:rPr lang="bg-BG" dirty="0"/>
+              <a:rPr lang="bg-BG"/>
               <a:t>"Образование по програмиране и ИТ"</a:t>
             </a:r>
             <a:r>
-              <a:rPr lang="bg-BG" sz="1100" dirty="0"/>
+              <a:rPr lang="bg-BG" sz="1100"/>
               <a:t>, с подкрепата на </a:t>
             </a:r>
             <a:r>
-              <a:rPr lang="en-US" sz="1100" dirty="0">
+              <a:rPr lang="en-US" sz="1100">
                 <a:hlinkClick r:id="rId3"/>
               </a:rPr>
               <a:t>SoftUni</a:t>
@@ -1727,7 +1638,7 @@
     </p:spTree>
     <p:extLst>
       <p:ext uri="{BB962C8B-B14F-4D97-AF65-F5344CB8AC3E}">
-        <p14:creationId xmlns:p14="http://schemas.microsoft.com/office/powerpoint/2010/main" val="2689344733"/>
+        <p14:creationId xmlns:p14="http://schemas.microsoft.com/office/powerpoint/2010/main" val="1526805865"/>
       </p:ext>
     </p:extLst>
   </p:cSld>
@@ -1781,135 +1692,28 @@
           <a:bodyPr/>
           <a:lstStyle/>
           <a:p>
-            <a:endParaRPr lang="en-US" dirty="0"/>
+            <a:endParaRPr lang="en-BG" dirty="0"/>
           </a:p>
         </p:txBody>
       </p:sp>
       <p:sp>
         <p:nvSpPr>
-          <p:cNvPr id="7" name="Slide Number Placeholder 5">
-            <a:extLst>
-              <a:ext uri="{FF2B5EF4-FFF2-40B4-BE49-F238E27FC236}">
-                <a16:creationId xmlns:a16="http://schemas.microsoft.com/office/drawing/2014/main" id="{5049B984-F964-47FF-8179-0A3007CE21CD}"/>
-              </a:ext>
-            </a:extLst>
-          </p:cNvPr>
-          <p:cNvSpPr txBox="1">
-            <a:spLocks/>
+          <p:cNvPr id="4" name="Slide Number Placeholder 3"/>
+          <p:cNvSpPr>
+            <a:spLocks noGrp="1"/>
           </p:cNvSpPr>
-          <p:nvPr/>
+          <p:nvPr>
+            <p:ph type="sldNum" sz="quarter" idx="5"/>
+          </p:nvPr>
         </p:nvSpPr>
-        <p:spPr>
-          <a:xfrm>
-            <a:off x="6488999" y="8847000"/>
-            <a:ext cx="367414" cy="297000"/>
-          </a:xfrm>
-          <a:prstGeom prst="rect">
-            <a:avLst/>
-          </a:prstGeom>
-        </p:spPr>
+        <p:spPr/>
         <p:txBody>
-          <a:bodyPr vert="horz" lIns="91440" tIns="45720" rIns="91440" bIns="45720" rtlCol="0" anchor="b"/>
-          <a:lstStyle>
-            <a:defPPr>
-              <a:defRPr lang="en-US"/>
-            </a:defPPr>
-            <a:lvl1pPr marL="0" algn="r" defTabSz="914400" rtl="0" eaLnBrk="1" latinLnBrk="0" hangingPunct="1">
-              <a:defRPr sz="1200" kern="1200">
-                <a:solidFill>
-                  <a:schemeClr val="tx1"/>
-                </a:solidFill>
-                <a:latin typeface="+mn-lt"/>
-                <a:ea typeface="+mn-ea"/>
-                <a:cs typeface="+mn-cs"/>
-              </a:defRPr>
-            </a:lvl1pPr>
-            <a:lvl2pPr marL="457200" algn="l" defTabSz="914400" rtl="0" eaLnBrk="1" latinLnBrk="0" hangingPunct="1">
-              <a:defRPr sz="1800" kern="1200">
-                <a:solidFill>
-                  <a:schemeClr val="tx1"/>
-                </a:solidFill>
-                <a:latin typeface="+mn-lt"/>
-                <a:ea typeface="+mn-ea"/>
-                <a:cs typeface="+mn-cs"/>
-              </a:defRPr>
-            </a:lvl2pPr>
-            <a:lvl3pPr marL="914400" algn="l" defTabSz="914400" rtl="0" eaLnBrk="1" latinLnBrk="0" hangingPunct="1">
-              <a:defRPr sz="1800" kern="1200">
-                <a:solidFill>
-                  <a:schemeClr val="tx1"/>
-                </a:solidFill>
-                <a:latin typeface="+mn-lt"/>
-                <a:ea typeface="+mn-ea"/>
-                <a:cs typeface="+mn-cs"/>
-              </a:defRPr>
-            </a:lvl3pPr>
-            <a:lvl4pPr marL="1371600" algn="l" defTabSz="914400" rtl="0" eaLnBrk="1" latinLnBrk="0" hangingPunct="1">
-              <a:defRPr sz="1800" kern="1200">
-                <a:solidFill>
-                  <a:schemeClr val="tx1"/>
-                </a:solidFill>
-                <a:latin typeface="+mn-lt"/>
-                <a:ea typeface="+mn-ea"/>
-                <a:cs typeface="+mn-cs"/>
-              </a:defRPr>
-            </a:lvl4pPr>
-            <a:lvl5pPr marL="1828800" algn="l" defTabSz="914400" rtl="0" eaLnBrk="1" latinLnBrk="0" hangingPunct="1">
-              <a:defRPr sz="1800" kern="1200">
-                <a:solidFill>
-                  <a:schemeClr val="tx1"/>
-                </a:solidFill>
-                <a:latin typeface="+mn-lt"/>
-                <a:ea typeface="+mn-ea"/>
-                <a:cs typeface="+mn-cs"/>
-              </a:defRPr>
-            </a:lvl5pPr>
-            <a:lvl6pPr marL="2286000" algn="l" defTabSz="914400" rtl="0" eaLnBrk="1" latinLnBrk="0" hangingPunct="1">
-              <a:defRPr sz="1800" kern="1200">
-                <a:solidFill>
-                  <a:schemeClr val="tx1"/>
-                </a:solidFill>
-                <a:latin typeface="+mn-lt"/>
-                <a:ea typeface="+mn-ea"/>
-                <a:cs typeface="+mn-cs"/>
-              </a:defRPr>
-            </a:lvl6pPr>
-            <a:lvl7pPr marL="2743200" algn="l" defTabSz="914400" rtl="0" eaLnBrk="1" latinLnBrk="0" hangingPunct="1">
-              <a:defRPr sz="1800" kern="1200">
-                <a:solidFill>
-                  <a:schemeClr val="tx1"/>
-                </a:solidFill>
-                <a:latin typeface="+mn-lt"/>
-                <a:ea typeface="+mn-ea"/>
-                <a:cs typeface="+mn-cs"/>
-              </a:defRPr>
-            </a:lvl7pPr>
-            <a:lvl8pPr marL="3200400" algn="l" defTabSz="914400" rtl="0" eaLnBrk="1" latinLnBrk="0" hangingPunct="1">
-              <a:defRPr sz="1800" kern="1200">
-                <a:solidFill>
-                  <a:schemeClr val="tx1"/>
-                </a:solidFill>
-                <a:latin typeface="+mn-lt"/>
-                <a:ea typeface="+mn-ea"/>
-                <a:cs typeface="+mn-cs"/>
-              </a:defRPr>
-            </a:lvl8pPr>
-            <a:lvl9pPr marL="3657600" algn="l" defTabSz="914400" rtl="0" eaLnBrk="1" latinLnBrk="0" hangingPunct="1">
-              <a:defRPr sz="1800" kern="1200">
-                <a:solidFill>
-                  <a:schemeClr val="tx1"/>
-                </a:solidFill>
-                <a:latin typeface="+mn-lt"/>
-                <a:ea typeface="+mn-ea"/>
-                <a:cs typeface="+mn-cs"/>
-              </a:defRPr>
-            </a:lvl9pPr>
-          </a:lstStyle>
-          <a:p>
-            <a:fld id="{3EBA5BD7-F043-4D1B-AA17-CD412FC534DE}" type="slidenum">
+          <a:bodyPr/>
+          <a:lstStyle/>
+          <a:p>
+            <a:fld id="{2BF067CD-8E6B-4360-9AA8-C5DF2A48A6D1}" type="slidenum">
               <a:rPr lang="en-US" smtClean="0"/>
-              <a:pPr/>
-              <a:t>38</a:t>
+              <a:t>39</a:t>
             </a:fld>
             <a:endParaRPr lang="en-US" dirty="0"/>
           </a:p>
@@ -1917,13 +1721,7 @@
       </p:sp>
       <p:sp>
         <p:nvSpPr>
-          <p:cNvPr id="4" name="Footer Placeholder 3">
-            <a:extLst>
-              <a:ext uri="{FF2B5EF4-FFF2-40B4-BE49-F238E27FC236}">
-                <a16:creationId xmlns:a16="http://schemas.microsoft.com/office/drawing/2014/main" id="{8E059BE0-D868-413B-AAA1-1CC88D1F52C5}"/>
-              </a:ext>
-            </a:extLst>
-          </p:cNvPr>
+          <p:cNvPr id="5" name="Footer Placeholder 4"/>
           <p:cNvSpPr>
             <a:spLocks noGrp="1"/>
           </p:cNvSpPr>
@@ -1937,27 +1735,31 @@
           <a:lstStyle/>
           <a:p>
             <a:r>
-              <a:rPr lang="en-US"/>
-              <a:t>© SoftUni – </a:t>
-            </a:r>
-            <a:r>
-              <a:rPr lang="en-US" u="sng">
+              <a:rPr lang="bg-BG" sz="1100"/>
+              <a:t>Работна група </a:t>
+            </a:r>
+            <a:r>
+              <a:rPr lang="bg-BG"/>
+              <a:t>"Образование по програмиране и ИТ"</a:t>
+            </a:r>
+            <a:r>
+              <a:rPr lang="bg-BG" sz="1100"/>
+              <a:t>, с подкрепата на </a:t>
+            </a:r>
+            <a:r>
+              <a:rPr lang="en-US" sz="1100">
                 <a:hlinkClick r:id="rId3"/>
               </a:rPr>
-              <a:t>https://softuni.org</a:t>
-            </a:r>
-            <a:r>
-              <a:rPr lang="en-US"/>
-              <a:t>. Copyrighted document. Unauthorized copy or reproduction is not permitted.</a:t>
-            </a:r>
-            <a:endParaRPr lang="en-US" dirty="0"/>
+              <a:t>SoftUni</a:t>
+            </a:r>
+            <a:endParaRPr lang="en-US" sz="1100" dirty="0"/>
           </a:p>
         </p:txBody>
       </p:sp>
     </p:spTree>
     <p:extLst>
       <p:ext uri="{BB962C8B-B14F-4D97-AF65-F5344CB8AC3E}">
-        <p14:creationId xmlns:p14="http://schemas.microsoft.com/office/powerpoint/2010/main" val="3466590374"/>
+        <p14:creationId xmlns:p14="http://schemas.microsoft.com/office/powerpoint/2010/main" val="296680282"/>
       </p:ext>
     </p:extLst>
   </p:cSld>
@@ -2011,6 +1813,482 @@
           <a:bodyPr/>
           <a:lstStyle/>
           <a:p>
+            <a:endParaRPr lang="en-US" dirty="0"/>
+          </a:p>
+        </p:txBody>
+      </p:sp>
+      <p:sp>
+        <p:nvSpPr>
+          <p:cNvPr id="7" name="Slide Number Placeholder 5">
+            <a:extLst>
+              <a:ext uri="{FF2B5EF4-FFF2-40B4-BE49-F238E27FC236}">
+                <a16:creationId xmlns:a16="http://schemas.microsoft.com/office/drawing/2014/main" id="{E65F1CA9-65DC-416B-8882-B3A5E415CE67}"/>
+              </a:ext>
+            </a:extLst>
+          </p:cNvPr>
+          <p:cNvSpPr txBox="1">
+            <a:spLocks/>
+          </p:cNvSpPr>
+          <p:nvPr/>
+        </p:nvSpPr>
+        <p:spPr>
+          <a:xfrm>
+            <a:off x="6488999" y="8847000"/>
+            <a:ext cx="367414" cy="297000"/>
+          </a:xfrm>
+          <a:prstGeom prst="rect">
+            <a:avLst/>
+          </a:prstGeom>
+        </p:spPr>
+        <p:txBody>
+          <a:bodyPr vert="horz" lIns="91440" tIns="45720" rIns="91440" bIns="45720" rtlCol="0" anchor="b"/>
+          <a:lstStyle>
+            <a:defPPr>
+              <a:defRPr lang="en-US"/>
+            </a:defPPr>
+            <a:lvl1pPr marL="0" algn="r" defTabSz="914400" rtl="0" eaLnBrk="1" latinLnBrk="0" hangingPunct="1">
+              <a:defRPr sz="1200" kern="1200">
+                <a:solidFill>
+                  <a:schemeClr val="tx1"/>
+                </a:solidFill>
+                <a:latin typeface="+mn-lt"/>
+                <a:ea typeface="+mn-ea"/>
+                <a:cs typeface="+mn-cs"/>
+              </a:defRPr>
+            </a:lvl1pPr>
+            <a:lvl2pPr marL="457200" algn="l" defTabSz="914400" rtl="0" eaLnBrk="1" latinLnBrk="0" hangingPunct="1">
+              <a:defRPr sz="1800" kern="1200">
+                <a:solidFill>
+                  <a:schemeClr val="tx1"/>
+                </a:solidFill>
+                <a:latin typeface="+mn-lt"/>
+                <a:ea typeface="+mn-ea"/>
+                <a:cs typeface="+mn-cs"/>
+              </a:defRPr>
+            </a:lvl2pPr>
+            <a:lvl3pPr marL="914400" algn="l" defTabSz="914400" rtl="0" eaLnBrk="1" latinLnBrk="0" hangingPunct="1">
+              <a:defRPr sz="1800" kern="1200">
+                <a:solidFill>
+                  <a:schemeClr val="tx1"/>
+                </a:solidFill>
+                <a:latin typeface="+mn-lt"/>
+                <a:ea typeface="+mn-ea"/>
+                <a:cs typeface="+mn-cs"/>
+              </a:defRPr>
+            </a:lvl3pPr>
+            <a:lvl4pPr marL="1371600" algn="l" defTabSz="914400" rtl="0" eaLnBrk="1" latinLnBrk="0" hangingPunct="1">
+              <a:defRPr sz="1800" kern="1200">
+                <a:solidFill>
+                  <a:schemeClr val="tx1"/>
+                </a:solidFill>
+                <a:latin typeface="+mn-lt"/>
+                <a:ea typeface="+mn-ea"/>
+                <a:cs typeface="+mn-cs"/>
+              </a:defRPr>
+            </a:lvl4pPr>
+            <a:lvl5pPr marL="1828800" algn="l" defTabSz="914400" rtl="0" eaLnBrk="1" latinLnBrk="0" hangingPunct="1">
+              <a:defRPr sz="1800" kern="1200">
+                <a:solidFill>
+                  <a:schemeClr val="tx1"/>
+                </a:solidFill>
+                <a:latin typeface="+mn-lt"/>
+                <a:ea typeface="+mn-ea"/>
+                <a:cs typeface="+mn-cs"/>
+              </a:defRPr>
+            </a:lvl5pPr>
+            <a:lvl6pPr marL="2286000" algn="l" defTabSz="914400" rtl="0" eaLnBrk="1" latinLnBrk="0" hangingPunct="1">
+              <a:defRPr sz="1800" kern="1200">
+                <a:solidFill>
+                  <a:schemeClr val="tx1"/>
+                </a:solidFill>
+                <a:latin typeface="+mn-lt"/>
+                <a:ea typeface="+mn-ea"/>
+                <a:cs typeface="+mn-cs"/>
+              </a:defRPr>
+            </a:lvl6pPr>
+            <a:lvl7pPr marL="2743200" algn="l" defTabSz="914400" rtl="0" eaLnBrk="1" latinLnBrk="0" hangingPunct="1">
+              <a:defRPr sz="1800" kern="1200">
+                <a:solidFill>
+                  <a:schemeClr val="tx1"/>
+                </a:solidFill>
+                <a:latin typeface="+mn-lt"/>
+                <a:ea typeface="+mn-ea"/>
+                <a:cs typeface="+mn-cs"/>
+              </a:defRPr>
+            </a:lvl7pPr>
+            <a:lvl8pPr marL="3200400" algn="l" defTabSz="914400" rtl="0" eaLnBrk="1" latinLnBrk="0" hangingPunct="1">
+              <a:defRPr sz="1800" kern="1200">
+                <a:solidFill>
+                  <a:schemeClr val="tx1"/>
+                </a:solidFill>
+                <a:latin typeface="+mn-lt"/>
+                <a:ea typeface="+mn-ea"/>
+                <a:cs typeface="+mn-cs"/>
+              </a:defRPr>
+            </a:lvl8pPr>
+            <a:lvl9pPr marL="3657600" algn="l" defTabSz="914400" rtl="0" eaLnBrk="1" latinLnBrk="0" hangingPunct="1">
+              <a:defRPr sz="1800" kern="1200">
+                <a:solidFill>
+                  <a:schemeClr val="tx1"/>
+                </a:solidFill>
+                <a:latin typeface="+mn-lt"/>
+                <a:ea typeface="+mn-ea"/>
+                <a:cs typeface="+mn-cs"/>
+              </a:defRPr>
+            </a:lvl9pPr>
+          </a:lstStyle>
+          <a:p>
+            <a:fld id="{3EBA5BD7-F043-4D1B-AA17-CD412FC534DE}" type="slidenum">
+              <a:rPr lang="en-US" smtClean="0"/>
+              <a:pPr/>
+              <a:t>40</a:t>
+            </a:fld>
+            <a:endParaRPr lang="en-US" dirty="0"/>
+          </a:p>
+        </p:txBody>
+      </p:sp>
+      <p:sp>
+        <p:nvSpPr>
+          <p:cNvPr id="5" name="Footer Placeholder 7">
+            <a:extLst>
+              <a:ext uri="{FF2B5EF4-FFF2-40B4-BE49-F238E27FC236}">
+                <a16:creationId xmlns:a16="http://schemas.microsoft.com/office/drawing/2014/main" id="{43FAF785-0C8D-730E-8E59-68198DC82CE0}"/>
+              </a:ext>
+            </a:extLst>
+          </p:cNvPr>
+          <p:cNvSpPr>
+            <a:spLocks noGrp="1"/>
+          </p:cNvSpPr>
+          <p:nvPr>
+            <p:ph type="ftr" sz="quarter" idx="4"/>
+          </p:nvPr>
+        </p:nvSpPr>
+        <p:spPr>
+          <a:xfrm>
+            <a:off x="-1" y="8892000"/>
+            <a:ext cx="6488999" cy="252000"/>
+          </a:xfrm>
+          <a:prstGeom prst="rect">
+            <a:avLst/>
+          </a:prstGeom>
+        </p:spPr>
+        <p:txBody>
+          <a:bodyPr vert="horz" lIns="91440" tIns="45720" rIns="91440" bIns="45720" rtlCol="0" anchor="b"/>
+          <a:lstStyle>
+            <a:lvl1pPr algn="l">
+              <a:defRPr sz="1100"/>
+            </a:lvl1pPr>
+          </a:lstStyle>
+          <a:p>
+            <a:r>
+              <a:rPr lang="bg-BG" sz="1100" dirty="0"/>
+              <a:t>Работна група </a:t>
+            </a:r>
+            <a:r>
+              <a:rPr lang="bg-BG" dirty="0"/>
+              <a:t>"Образование по програмиране и ИТ"</a:t>
+            </a:r>
+            <a:r>
+              <a:rPr lang="bg-BG" sz="1100" dirty="0"/>
+              <a:t>, с подкрепата на </a:t>
+            </a:r>
+            <a:r>
+              <a:rPr lang="en-US" sz="1100" dirty="0">
+                <a:hlinkClick r:id="rId3"/>
+              </a:rPr>
+              <a:t>SoftUni</a:t>
+            </a:r>
+            <a:endParaRPr lang="en-US" sz="1100" dirty="0"/>
+          </a:p>
+        </p:txBody>
+      </p:sp>
+    </p:spTree>
+    <p:extLst>
+      <p:ext uri="{BB962C8B-B14F-4D97-AF65-F5344CB8AC3E}">
+        <p14:creationId xmlns:p14="http://schemas.microsoft.com/office/powerpoint/2010/main" val="2689344733"/>
+      </p:ext>
+    </p:extLst>
+  </p:cSld>
+  <p:clrMapOvr>
+    <a:masterClrMapping/>
+  </p:clrMapOvr>
+</p:notes>
+</file>
+
+<file path=ppt/notesSlides/notesSlide17.xml><?xml version="1.0" encoding="utf-8"?>
+<p:notes xmlns:a="http://schemas.openxmlformats.org/drawingml/2006/main" xmlns:r="http://schemas.openxmlformats.org/officeDocument/2006/relationships" xmlns:p="http://schemas.openxmlformats.org/presentationml/2006/main">
+  <p:cSld>
+    <p:spTree>
+      <p:nvGrpSpPr>
+        <p:cNvPr id="1" name=""/>
+        <p:cNvGrpSpPr/>
+        <p:nvPr/>
+      </p:nvGrpSpPr>
+      <p:grpSpPr>
+        <a:xfrm>
+          <a:off x="0" y="0"/>
+          <a:ext cx="0" cy="0"/>
+          <a:chOff x="0" y="0"/>
+          <a:chExt cx="0" cy="0"/>
+        </a:xfrm>
+      </p:grpSpPr>
+      <p:sp>
+        <p:nvSpPr>
+          <p:cNvPr id="2" name="Slide Image Placeholder 1"/>
+          <p:cNvSpPr>
+            <a:spLocks noGrp="1" noRot="1" noChangeAspect="1"/>
+          </p:cNvSpPr>
+          <p:nvPr>
+            <p:ph type="sldImg"/>
+          </p:nvPr>
+        </p:nvSpPr>
+        <p:spPr/>
+      </p:sp>
+      <p:sp>
+        <p:nvSpPr>
+          <p:cNvPr id="3" name="Notes Placeholder 2"/>
+          <p:cNvSpPr>
+            <a:spLocks noGrp="1"/>
+          </p:cNvSpPr>
+          <p:nvPr>
+            <p:ph type="body" idx="1"/>
+          </p:nvPr>
+        </p:nvSpPr>
+        <p:spPr/>
+        <p:txBody>
+          <a:bodyPr/>
+          <a:lstStyle/>
+          <a:p>
+            <a:endParaRPr lang="en-US" dirty="0"/>
+          </a:p>
+        </p:txBody>
+      </p:sp>
+      <p:sp>
+        <p:nvSpPr>
+          <p:cNvPr id="7" name="Slide Number Placeholder 5">
+            <a:extLst>
+              <a:ext uri="{FF2B5EF4-FFF2-40B4-BE49-F238E27FC236}">
+                <a16:creationId xmlns:a16="http://schemas.microsoft.com/office/drawing/2014/main" id="{5049B984-F964-47FF-8179-0A3007CE21CD}"/>
+              </a:ext>
+            </a:extLst>
+          </p:cNvPr>
+          <p:cNvSpPr txBox="1">
+            <a:spLocks/>
+          </p:cNvSpPr>
+          <p:nvPr/>
+        </p:nvSpPr>
+        <p:spPr>
+          <a:xfrm>
+            <a:off x="6488999" y="8847000"/>
+            <a:ext cx="367414" cy="297000"/>
+          </a:xfrm>
+          <a:prstGeom prst="rect">
+            <a:avLst/>
+          </a:prstGeom>
+        </p:spPr>
+        <p:txBody>
+          <a:bodyPr vert="horz" lIns="91440" tIns="45720" rIns="91440" bIns="45720" rtlCol="0" anchor="b"/>
+          <a:lstStyle>
+            <a:defPPr>
+              <a:defRPr lang="en-US"/>
+            </a:defPPr>
+            <a:lvl1pPr marL="0" algn="r" defTabSz="914400" rtl="0" eaLnBrk="1" latinLnBrk="0" hangingPunct="1">
+              <a:defRPr sz="1200" kern="1200">
+                <a:solidFill>
+                  <a:schemeClr val="tx1"/>
+                </a:solidFill>
+                <a:latin typeface="+mn-lt"/>
+                <a:ea typeface="+mn-ea"/>
+                <a:cs typeface="+mn-cs"/>
+              </a:defRPr>
+            </a:lvl1pPr>
+            <a:lvl2pPr marL="457200" algn="l" defTabSz="914400" rtl="0" eaLnBrk="1" latinLnBrk="0" hangingPunct="1">
+              <a:defRPr sz="1800" kern="1200">
+                <a:solidFill>
+                  <a:schemeClr val="tx1"/>
+                </a:solidFill>
+                <a:latin typeface="+mn-lt"/>
+                <a:ea typeface="+mn-ea"/>
+                <a:cs typeface="+mn-cs"/>
+              </a:defRPr>
+            </a:lvl2pPr>
+            <a:lvl3pPr marL="914400" algn="l" defTabSz="914400" rtl="0" eaLnBrk="1" latinLnBrk="0" hangingPunct="1">
+              <a:defRPr sz="1800" kern="1200">
+                <a:solidFill>
+                  <a:schemeClr val="tx1"/>
+                </a:solidFill>
+                <a:latin typeface="+mn-lt"/>
+                <a:ea typeface="+mn-ea"/>
+                <a:cs typeface="+mn-cs"/>
+              </a:defRPr>
+            </a:lvl3pPr>
+            <a:lvl4pPr marL="1371600" algn="l" defTabSz="914400" rtl="0" eaLnBrk="1" latinLnBrk="0" hangingPunct="1">
+              <a:defRPr sz="1800" kern="1200">
+                <a:solidFill>
+                  <a:schemeClr val="tx1"/>
+                </a:solidFill>
+                <a:latin typeface="+mn-lt"/>
+                <a:ea typeface="+mn-ea"/>
+                <a:cs typeface="+mn-cs"/>
+              </a:defRPr>
+            </a:lvl4pPr>
+            <a:lvl5pPr marL="1828800" algn="l" defTabSz="914400" rtl="0" eaLnBrk="1" latinLnBrk="0" hangingPunct="1">
+              <a:defRPr sz="1800" kern="1200">
+                <a:solidFill>
+                  <a:schemeClr val="tx1"/>
+                </a:solidFill>
+                <a:latin typeface="+mn-lt"/>
+                <a:ea typeface="+mn-ea"/>
+                <a:cs typeface="+mn-cs"/>
+              </a:defRPr>
+            </a:lvl5pPr>
+            <a:lvl6pPr marL="2286000" algn="l" defTabSz="914400" rtl="0" eaLnBrk="1" latinLnBrk="0" hangingPunct="1">
+              <a:defRPr sz="1800" kern="1200">
+                <a:solidFill>
+                  <a:schemeClr val="tx1"/>
+                </a:solidFill>
+                <a:latin typeface="+mn-lt"/>
+                <a:ea typeface="+mn-ea"/>
+                <a:cs typeface="+mn-cs"/>
+              </a:defRPr>
+            </a:lvl6pPr>
+            <a:lvl7pPr marL="2743200" algn="l" defTabSz="914400" rtl="0" eaLnBrk="1" latinLnBrk="0" hangingPunct="1">
+              <a:defRPr sz="1800" kern="1200">
+                <a:solidFill>
+                  <a:schemeClr val="tx1"/>
+                </a:solidFill>
+                <a:latin typeface="+mn-lt"/>
+                <a:ea typeface="+mn-ea"/>
+                <a:cs typeface="+mn-cs"/>
+              </a:defRPr>
+            </a:lvl7pPr>
+            <a:lvl8pPr marL="3200400" algn="l" defTabSz="914400" rtl="0" eaLnBrk="1" latinLnBrk="0" hangingPunct="1">
+              <a:defRPr sz="1800" kern="1200">
+                <a:solidFill>
+                  <a:schemeClr val="tx1"/>
+                </a:solidFill>
+                <a:latin typeface="+mn-lt"/>
+                <a:ea typeface="+mn-ea"/>
+                <a:cs typeface="+mn-cs"/>
+              </a:defRPr>
+            </a:lvl8pPr>
+            <a:lvl9pPr marL="3657600" algn="l" defTabSz="914400" rtl="0" eaLnBrk="1" latinLnBrk="0" hangingPunct="1">
+              <a:defRPr sz="1800" kern="1200">
+                <a:solidFill>
+                  <a:schemeClr val="tx1"/>
+                </a:solidFill>
+                <a:latin typeface="+mn-lt"/>
+                <a:ea typeface="+mn-ea"/>
+                <a:cs typeface="+mn-cs"/>
+              </a:defRPr>
+            </a:lvl9pPr>
+          </a:lstStyle>
+          <a:p>
+            <a:fld id="{3EBA5BD7-F043-4D1B-AA17-CD412FC534DE}" type="slidenum">
+              <a:rPr lang="en-US" smtClean="0"/>
+              <a:pPr/>
+              <a:t>41</a:t>
+            </a:fld>
+            <a:endParaRPr lang="en-US" dirty="0"/>
+          </a:p>
+        </p:txBody>
+      </p:sp>
+      <p:sp>
+        <p:nvSpPr>
+          <p:cNvPr id="4" name="Footer Placeholder 3">
+            <a:extLst>
+              <a:ext uri="{FF2B5EF4-FFF2-40B4-BE49-F238E27FC236}">
+                <a16:creationId xmlns:a16="http://schemas.microsoft.com/office/drawing/2014/main" id="{8E059BE0-D868-413B-AAA1-1CC88D1F52C5}"/>
+              </a:ext>
+            </a:extLst>
+          </p:cNvPr>
+          <p:cNvSpPr>
+            <a:spLocks noGrp="1"/>
+          </p:cNvSpPr>
+          <p:nvPr>
+            <p:ph type="ftr" sz="quarter" idx="4"/>
+          </p:nvPr>
+        </p:nvSpPr>
+        <p:spPr/>
+        <p:txBody>
+          <a:bodyPr/>
+          <a:lstStyle/>
+          <a:p>
+            <a:r>
+              <a:rPr lang="en-US"/>
+              <a:t>© SoftUni – </a:t>
+            </a:r>
+            <a:r>
+              <a:rPr lang="en-US" u="sng">
+                <a:hlinkClick r:id="rId3"/>
+              </a:rPr>
+              <a:t>https://softuni.org</a:t>
+            </a:r>
+            <a:r>
+              <a:rPr lang="en-US"/>
+              <a:t>. Copyrighted document. Unauthorized copy or reproduction is not permitted.</a:t>
+            </a:r>
+            <a:endParaRPr lang="en-US" dirty="0"/>
+          </a:p>
+        </p:txBody>
+      </p:sp>
+    </p:spTree>
+    <p:extLst>
+      <p:ext uri="{BB962C8B-B14F-4D97-AF65-F5344CB8AC3E}">
+        <p14:creationId xmlns:p14="http://schemas.microsoft.com/office/powerpoint/2010/main" val="3466590374"/>
+      </p:ext>
+    </p:extLst>
+  </p:cSld>
+  <p:clrMapOvr>
+    <a:masterClrMapping/>
+  </p:clrMapOvr>
+</p:notes>
+</file>
+
+<file path=ppt/notesSlides/notesSlide18.xml><?xml version="1.0" encoding="utf-8"?>
+<p:notes xmlns:a="http://schemas.openxmlformats.org/drawingml/2006/main" xmlns:r="http://schemas.openxmlformats.org/officeDocument/2006/relationships" xmlns:p="http://schemas.openxmlformats.org/presentationml/2006/main">
+  <p:cSld>
+    <p:spTree>
+      <p:nvGrpSpPr>
+        <p:cNvPr id="1" name=""/>
+        <p:cNvGrpSpPr/>
+        <p:nvPr/>
+      </p:nvGrpSpPr>
+      <p:grpSpPr>
+        <a:xfrm>
+          <a:off x="0" y="0"/>
+          <a:ext cx="0" cy="0"/>
+          <a:chOff x="0" y="0"/>
+          <a:chExt cx="0" cy="0"/>
+        </a:xfrm>
+      </p:grpSpPr>
+      <p:sp>
+        <p:nvSpPr>
+          <p:cNvPr id="2" name="Slide Image Placeholder 1"/>
+          <p:cNvSpPr>
+            <a:spLocks noGrp="1" noRot="1" noChangeAspect="1"/>
+          </p:cNvSpPr>
+          <p:nvPr>
+            <p:ph type="sldImg"/>
+          </p:nvPr>
+        </p:nvSpPr>
+        <p:spPr/>
+      </p:sp>
+      <p:sp>
+        <p:nvSpPr>
+          <p:cNvPr id="3" name="Notes Placeholder 2"/>
+          <p:cNvSpPr>
+            <a:spLocks noGrp="1"/>
+          </p:cNvSpPr>
+          <p:nvPr>
+            <p:ph type="body" idx="1"/>
+          </p:nvPr>
+        </p:nvSpPr>
+        <p:spPr/>
+        <p:txBody>
+          <a:bodyPr/>
+          <a:lstStyle/>
+          <a:p>
             <a:endParaRPr lang="en-US"/>
           </a:p>
         </p:txBody>
@@ -2139,7 +2417,7 @@
             <a:fld id="{3EBA5BD7-F043-4D1B-AA17-CD412FC534DE}" type="slidenum">
               <a:rPr lang="en-US" smtClean="0"/>
               <a:pPr/>
-              <a:t>39</a:t>
+              <a:t>42</a:t>
             </a:fld>
             <a:endParaRPr lang="en-US" dirty="0"/>
           </a:p>
@@ -16100,13 +16378,7 @@
   <p:cSld>
     <p:spTree>
       <p:nvGrpSpPr>
-        <p:cNvPr id="1" name="">
-          <a:extLst>
-            <a:ext uri="{FF2B5EF4-FFF2-40B4-BE49-F238E27FC236}">
-              <a16:creationId xmlns:a16="http://schemas.microsoft.com/office/drawing/2014/main" id="{BEB3B8C5-40BC-10C0-BE09-BC043D3D7E72}"/>
-            </a:ext>
-          </a:extLst>
-        </p:cNvPr>
+        <p:cNvPr id="1" name=""/>
         <p:cNvGrpSpPr/>
         <p:nvPr/>
       </p:nvGrpSpPr>
@@ -16123,7 +16395,7 @@
           <p:cNvPr id="2" name="Slide Number Placeholder 1">
             <a:extLst>
               <a:ext uri="{FF2B5EF4-FFF2-40B4-BE49-F238E27FC236}">
-                <a16:creationId xmlns:a16="http://schemas.microsoft.com/office/drawing/2014/main" id="{97D4AD4F-4BF3-FAA1-75CB-99D88A69A633}"/>
+                <a16:creationId xmlns:a16="http://schemas.microsoft.com/office/drawing/2014/main" id="{5DF32E4F-E2EF-31D2-89A4-597E31CBABA5}"/>
               </a:ext>
             </a:extLst>
           </p:cNvPr>
@@ -16153,7 +16425,7 @@
           <p:cNvPr id="3" name="Text Placeholder 2">
             <a:extLst>
               <a:ext uri="{FF2B5EF4-FFF2-40B4-BE49-F238E27FC236}">
-                <a16:creationId xmlns:a16="http://schemas.microsoft.com/office/drawing/2014/main" id="{211F2765-D141-788F-5858-D862AE188AF9}"/>
+                <a16:creationId xmlns:a16="http://schemas.microsoft.com/office/drawing/2014/main" id="{98A95534-CDA4-8D4D-CB49-BAEE33A7F574}"/>
               </a:ext>
             </a:extLst>
           </p:cNvPr>
@@ -16166,337 +16438,187 @@
         </p:nvSpPr>
         <p:spPr>
           <a:xfrm>
-            <a:off x="190402" y="1196124"/>
-            <a:ext cx="6715598" cy="5561125"/>
+            <a:off x="190402" y="1196125"/>
+            <a:ext cx="7525598" cy="5528766"/>
           </a:xfrm>
         </p:spPr>
         <p:txBody>
-          <a:bodyPr>
-            <a:normAutofit lnSpcReduction="10000"/>
-          </a:bodyPr>
+          <a:bodyPr/>
           <a:lstStyle/>
           <a:p>
-            <a:pPr>
-              <a:lnSpc>
-                <a:spcPct val="110000"/>
-              </a:lnSpc>
+            <a:r>
+              <a:rPr lang="bg-BG" sz="3000" dirty="0"/>
+              <a:t>Свързваме се със сървъра</a:t>
+            </a:r>
+          </a:p>
+          <a:p>
+            <a:pPr lvl="1">
+              <a:tabLst>
+                <a:tab pos="4483100" algn="l"/>
+              </a:tabLst>
             </a:pPr>
             <a:r>
-              <a:rPr lang="bg-BG" sz="2800" dirty="0"/>
-              <a:t>Свързваме се с дадената </a:t>
-            </a:r>
-            <a:r>
-              <a:rPr lang="bg-BG" sz="2800" b="1" dirty="0"/>
-              <a:t>БД</a:t>
-            </a:r>
-          </a:p>
-          <a:p>
-            <a:pPr lvl="1">
-              <a:lnSpc>
-                <a:spcPct val="110000"/>
-              </a:lnSpc>
-            </a:pPr>
-            <a:r>
-              <a:rPr lang="bg-BG" sz="2600" dirty="0"/>
-              <a:t>Генерираме класове по базата данни с </a:t>
-            </a:r>
-            <a:r>
-              <a:rPr lang="en-US" sz="2600" b="1" dirty="0"/>
-              <a:t>EF Core</a:t>
-            </a:r>
-            <a:r>
-              <a:rPr lang="bg-BG" sz="2600" b="1" dirty="0"/>
-              <a:t> </a:t>
-            </a:r>
-            <a:r>
-              <a:rPr lang="bg-BG" sz="2600" dirty="0"/>
-              <a:t>(</a:t>
-            </a:r>
-            <a:r>
-              <a:rPr lang="en-US" sz="2600" dirty="0"/>
-              <a:t>scaffold</a:t>
-            </a:r>
-            <a:r>
-              <a:rPr lang="bg-BG" sz="2600" dirty="0"/>
-              <a:t> </a:t>
-            </a:r>
-            <a:r>
-              <a:rPr lang="en-US" sz="2600" dirty="0"/>
-              <a:t>database)</a:t>
-            </a:r>
-          </a:p>
-          <a:p>
-            <a:pPr lvl="1">
-              <a:lnSpc>
-                <a:spcPct val="110000"/>
-              </a:lnSpc>
-            </a:pPr>
-            <a:r>
-              <a:rPr lang="bg-BG" sz="2600" dirty="0"/>
-              <a:t>Получаваме класовете </a:t>
-            </a:r>
-            <a:r>
-              <a:rPr lang="en-US" sz="2600" b="1" noProof="1">
-                <a:latin typeface="Consolas" panose="020B0609020204030204" pitchFamily="49" charset="0"/>
-              </a:rPr>
-              <a:t>Country.cs</a:t>
-            </a:r>
-            <a:r>
-              <a:rPr lang="en-US" sz="2600" dirty="0"/>
-              <a:t>, </a:t>
-            </a:r>
-            <a:r>
-              <a:rPr lang="en-US" sz="2600" b="1" noProof="1">
-                <a:latin typeface="Consolas" panose="020B0609020204030204" pitchFamily="49" charset="0"/>
-              </a:rPr>
-              <a:t>Town.cs</a:t>
-            </a:r>
-            <a:r>
-              <a:rPr lang="en-US" sz="2600" dirty="0"/>
-              <a:t> </a:t>
-            </a:r>
-            <a:r>
-              <a:rPr lang="bg-BG" sz="2600" dirty="0"/>
-              <a:t>и</a:t>
-            </a:r>
-            <a:r>
-              <a:rPr lang="en-US" sz="2600" dirty="0"/>
-              <a:t> </a:t>
-            </a:r>
-            <a:r>
-              <a:rPr lang="en-US" sz="2600" b="1" noProof="1">
-                <a:latin typeface="Consolas" panose="020B0609020204030204" pitchFamily="49" charset="0"/>
-              </a:rPr>
-              <a:t>CountriesDbContext.cs</a:t>
-            </a:r>
-            <a:r>
-              <a:rPr lang="bg-BG" sz="2600" dirty="0"/>
-              <a:t> </a:t>
-            </a:r>
-            <a:endParaRPr lang="en-US" sz="2600" dirty="0"/>
-          </a:p>
-          <a:p>
-            <a:pPr>
-              <a:lnSpc>
-                <a:spcPct val="110000"/>
-              </a:lnSpc>
-            </a:pPr>
-            <a:r>
-              <a:rPr lang="bg-BG" sz="2800" dirty="0"/>
-              <a:t>Добавяме </a:t>
+              <a:rPr lang="en-US" sz="2800" b="1" dirty="0">
+                <a:solidFill>
+                  <a:schemeClr val="bg1"/>
+                </a:solidFill>
+              </a:rPr>
+              <a:t>Tools</a:t>
+            </a:r>
+            <a:r>
+              <a:rPr lang="en-US" sz="2800" dirty="0"/>
+              <a:t> → </a:t>
             </a:r>
             <a:r>
               <a:rPr lang="en-US" sz="2800" b="1" dirty="0"/>
-              <a:t>Data Source</a:t>
-            </a:r>
-            <a:r>
-              <a:rPr lang="en-US" sz="2800" dirty="0"/>
-              <a:t> </a:t>
-            </a:r>
-            <a:r>
-              <a:rPr lang="bg-BG" sz="2800" dirty="0"/>
-              <a:t>към</a:t>
-            </a:r>
-            <a:r>
-              <a:rPr lang="en-US" sz="2800" dirty="0"/>
-              <a:t> </a:t>
-            </a:r>
-            <a:r>
-              <a:rPr lang="bg-BG" sz="2800" dirty="0"/>
-              <a:t>двете </a:t>
-            </a:r>
-            <a:r>
-              <a:rPr lang="en-US" sz="2800" b="1" noProof="1"/>
-              <a:t>DataGridView</a:t>
-            </a:r>
-            <a:r>
-              <a:rPr lang="bg-BG" sz="2800" dirty="0"/>
-              <a:t> контроли</a:t>
-            </a:r>
-            <a:endParaRPr lang="en-US" sz="2800" b="1" dirty="0"/>
-          </a:p>
-          <a:p>
-            <a:pPr lvl="1">
-              <a:lnSpc>
-                <a:spcPct val="110000"/>
-              </a:lnSpc>
-            </a:pPr>
-            <a:r>
-              <a:rPr lang="en-US" sz="2600" b="1" dirty="0">
+              <a:t>[</a:t>
+            </a:r>
+            <a:r>
+              <a:rPr lang="en-US" sz="2800" b="1" dirty="0">
                 <a:solidFill>
                   <a:schemeClr val="bg1"/>
                 </a:solidFill>
-                <a:latin typeface="Consolas" panose="020B0609020204030204" pitchFamily="49" charset="0"/>
-                <a:cs typeface="Consolas" panose="020B0609020204030204" pitchFamily="49" charset="0"/>
-              </a:rPr>
-              <a:t>dataGridViewCountries</a:t>
-            </a:r>
-            <a:r>
-              <a:rPr lang="en-US" sz="2600" b="1" dirty="0">
+              </a:rPr>
+              <a:t>Connect to Database</a:t>
+            </a:r>
+            <a:r>
+              <a:rPr lang="en-US" sz="2800" b="1" dirty="0"/>
+              <a:t>]</a:t>
+            </a:r>
+            <a:endParaRPr lang="bg-BG" sz="2800" b="1" dirty="0"/>
+          </a:p>
+          <a:p>
+            <a:r>
+              <a:rPr lang="bg-BG" sz="3000" dirty="0"/>
+              <a:t>Свързваме се с </a:t>
+            </a:r>
+            <a:r>
+              <a:rPr lang="bg-BG" sz="3000" b="1" dirty="0"/>
+              <a:t>локалната</a:t>
+            </a:r>
+            <a:r>
+              <a:rPr lang="bg-BG" sz="3000" dirty="0"/>
+              <a:t> ни </a:t>
+            </a:r>
+            <a:r>
+              <a:rPr lang="bg-BG" sz="3000" b="1" dirty="0"/>
+              <a:t>инстанция</a:t>
+            </a:r>
+            <a:r>
+              <a:rPr lang="bg-BG" sz="3000" dirty="0"/>
+              <a:t> на </a:t>
+            </a:r>
+            <a:r>
+              <a:rPr lang="en-US" sz="3000" b="1" dirty="0">
                 <a:solidFill>
                   <a:schemeClr val="bg1"/>
                 </a:solidFill>
-                <a:latin typeface="Calibri" panose="020F0502020204030204" pitchFamily="34" charset="0"/>
-                <a:cs typeface="Calibri" panose="020F0502020204030204" pitchFamily="34" charset="0"/>
-              </a:rPr>
-              <a:t> </a:t>
-            </a:r>
-            <a:r>
-              <a:rPr lang="en-US" sz="2400" dirty="0">
-                <a:latin typeface="Consolas" panose="020B0609020204030204" pitchFamily="49" charset="0"/>
-                <a:cs typeface="Consolas" panose="020B0609020204030204" pitchFamily="49" charset="0"/>
-                <a:sym typeface="Wingdings" panose="05000000000000000000" pitchFamily="2" charset="2"/>
-              </a:rPr>
-              <a:t></a:t>
-            </a:r>
-            <a:r>
-              <a:rPr lang="en-US" sz="2600" b="1" dirty="0">
+              </a:rPr>
+              <a:t>SQL </a:t>
+            </a:r>
+            <a:r>
+              <a:rPr lang="bg-BG" sz="3000" b="1" dirty="0">
                 <a:solidFill>
                   <a:schemeClr val="bg1"/>
                 </a:solidFill>
-                <a:latin typeface="Calibri" panose="020F0502020204030204" pitchFamily="34" charset="0"/>
-                <a:cs typeface="Calibri" panose="020F0502020204030204" pitchFamily="34" charset="0"/>
-              </a:rPr>
-              <a:t> </a:t>
-            </a:r>
-            <a:r>
-              <a:rPr lang="en-US" sz="2600" b="1" dirty="0">
-                <a:solidFill>
-                  <a:schemeClr val="bg1"/>
-                </a:solidFill>
-                <a:latin typeface="Consolas" panose="020B0609020204030204" pitchFamily="49" charset="0"/>
-                <a:cs typeface="Consolas" panose="020B0609020204030204" pitchFamily="49" charset="0"/>
-              </a:rPr>
-              <a:t>Country</a:t>
-            </a:r>
-            <a:r>
-              <a:rPr lang="en-US" sz="2800" dirty="0">
-                <a:latin typeface="Consolas" panose="020B0609020204030204" pitchFamily="49" charset="0"/>
-                <a:cs typeface="Consolas" panose="020B0609020204030204" pitchFamily="49" charset="0"/>
-                <a:sym typeface="Wingdings" panose="05000000000000000000" pitchFamily="2" charset="2"/>
-              </a:rPr>
-              <a:t> </a:t>
-            </a:r>
-            <a:r>
-              <a:rPr lang="en-US" sz="3200" b="1" dirty="0">
-                <a:solidFill>
-                  <a:schemeClr val="bg1"/>
-                </a:solidFill>
-                <a:latin typeface="Calibri" panose="020F0502020204030204" pitchFamily="34" charset="0"/>
-                <a:cs typeface="Calibri" panose="020F0502020204030204" pitchFamily="34" charset="0"/>
-              </a:rPr>
-              <a:t> </a:t>
-            </a:r>
-            <a:r>
-              <a:rPr lang="en-GB" sz="2800" b="1" noProof="1">
-                <a:solidFill>
-                  <a:schemeClr val="bg1"/>
-                </a:solidFill>
-                <a:latin typeface="Consolas" panose="020B0609020204030204" pitchFamily="49" charset="0"/>
-                <a:cs typeface="Consolas" panose="020B0609020204030204" pitchFamily="49" charset="0"/>
-              </a:rPr>
-              <a:t>countryBindingSource</a:t>
-            </a:r>
-            <a:endParaRPr lang="en-GB" sz="2600" b="1" noProof="1">
+              </a:rPr>
+              <a:t>сървъра</a:t>
+            </a:r>
+            <a:endParaRPr lang="en-US" sz="3000" b="1" dirty="0">
               <a:solidFill>
                 <a:schemeClr val="bg1"/>
               </a:solidFill>
-              <a:latin typeface="Consolas" panose="020B0609020204030204" pitchFamily="49" charset="0"/>
-              <a:cs typeface="Consolas" panose="020B0609020204030204" pitchFamily="49" charset="0"/>
             </a:endParaRPr>
           </a:p>
           <a:p>
-            <a:pPr lvl="1">
-              <a:lnSpc>
-                <a:spcPct val="110000"/>
-              </a:lnSpc>
-            </a:pPr>
-            <a:r>
-              <a:rPr lang="en-GB" sz="2600" b="1" dirty="0">
+            <a:r>
+              <a:rPr lang="bg-BG" sz="3000" dirty="0"/>
+              <a:t>Създаваме </a:t>
+            </a:r>
+            <a:r>
+              <a:rPr lang="bg-BG" sz="3000" b="1" dirty="0">
                 <a:solidFill>
                   <a:schemeClr val="bg1"/>
                 </a:solidFill>
+              </a:rPr>
+              <a:t>база данни</a:t>
+            </a:r>
+          </a:p>
+          <a:p>
+            <a:pPr lvl="1"/>
+            <a:r>
+              <a:rPr lang="bg-BG" sz="2800" dirty="0"/>
+              <a:t>В полето </a:t>
+            </a:r>
+            <a:r>
+              <a:rPr lang="en-US" sz="2800" b="1" dirty="0"/>
+              <a:t>Select or enter a database name</a:t>
+            </a:r>
+            <a:r>
+              <a:rPr lang="bg-BG" sz="2800" dirty="0"/>
+              <a:t> задаваме </a:t>
+            </a:r>
+            <a:r>
+              <a:rPr lang="bg-BG" sz="2800" b="1" dirty="0">
+                <a:solidFill>
+                  <a:schemeClr val="bg1"/>
+                </a:solidFill>
+              </a:rPr>
+              <a:t>подходящо име</a:t>
+            </a:r>
+            <a:r>
+              <a:rPr lang="en-US" sz="2800" dirty="0"/>
+              <a:t>,</a:t>
+            </a:r>
+            <a:r>
+              <a:rPr lang="bg-BG" sz="2800" dirty="0"/>
+              <a:t> например</a:t>
+            </a:r>
+            <a:r>
+              <a:rPr lang="en-US" sz="2800" dirty="0"/>
+              <a:t> </a:t>
+            </a:r>
+            <a:r>
+              <a:rPr lang="bg-BG" sz="2800" dirty="0"/>
+              <a:t>"</a:t>
+            </a:r>
+            <a:r>
+              <a:rPr lang="en-US" sz="2800" b="1" dirty="0">
+                <a:solidFill>
+                  <a:schemeClr val="bg1"/>
+                </a:solidFill>
                 <a:latin typeface="Consolas" panose="020B0609020204030204" pitchFamily="49" charset="0"/>
                 <a:cs typeface="Consolas" panose="020B0609020204030204" pitchFamily="49" charset="0"/>
               </a:rPr>
-              <a:t>dataGridViewTowns</a:t>
-            </a:r>
-            <a:r>
-              <a:rPr lang="en-GB" sz="2600" b="1" dirty="0">
+              <a:t>CountriesDb</a:t>
+            </a:r>
+            <a:r>
+              <a:rPr lang="bg-BG" sz="2800" dirty="0"/>
+              <a:t>”</a:t>
+            </a:r>
+            <a:endParaRPr lang="en-US" sz="2800" dirty="0"/>
+          </a:p>
+          <a:p>
+            <a:r>
+              <a:rPr lang="bg-BG" sz="3000" dirty="0"/>
+              <a:t>Кликаме върху </a:t>
+            </a:r>
+            <a:r>
+              <a:rPr lang="en-US" sz="3000" b="1" dirty="0"/>
+              <a:t>[</a:t>
+            </a:r>
+            <a:r>
+              <a:rPr lang="en-US" sz="3000" b="1" dirty="0">
                 <a:solidFill>
                   <a:schemeClr val="bg1"/>
                 </a:solidFill>
-                <a:latin typeface="Calibri" panose="020F0502020204030204" pitchFamily="34" charset="0"/>
-                <a:cs typeface="Calibri" panose="020F0502020204030204" pitchFamily="34" charset="0"/>
-              </a:rPr>
-              <a:t> </a:t>
-            </a:r>
-            <a:r>
-              <a:rPr lang="en-US" sz="2400" dirty="0">
-                <a:sym typeface="Wingdings" panose="05000000000000000000" pitchFamily="2" charset="2"/>
-              </a:rPr>
-              <a:t></a:t>
-            </a:r>
-            <a:r>
-              <a:rPr lang="en-GB" sz="2600" b="1" dirty="0">
-                <a:solidFill>
-                  <a:schemeClr val="bg1"/>
-                </a:solidFill>
-                <a:latin typeface="Calibri" panose="020F0502020204030204" pitchFamily="34" charset="0"/>
-                <a:cs typeface="Calibri" panose="020F0502020204030204" pitchFamily="34" charset="0"/>
-              </a:rPr>
-              <a:t> </a:t>
-            </a:r>
-            <a:r>
-              <a:rPr lang="en-GB" sz="2600" b="1" dirty="0">
-                <a:solidFill>
-                  <a:schemeClr val="bg1"/>
-                </a:solidFill>
-                <a:latin typeface="Consolas" panose="020B0609020204030204" pitchFamily="49" charset="0"/>
-                <a:cs typeface="Consolas" panose="020B0609020204030204" pitchFamily="49" charset="0"/>
-              </a:rPr>
-              <a:t>Town</a:t>
-            </a:r>
-            <a:r>
-              <a:rPr lang="en-US" sz="2800" dirty="0">
-                <a:sym typeface="Wingdings" panose="05000000000000000000" pitchFamily="2" charset="2"/>
-              </a:rPr>
-              <a:t> </a:t>
-            </a:r>
-            <a:r>
-              <a:rPr lang="en-GB" sz="2800" b="1" dirty="0">
-                <a:solidFill>
-                  <a:schemeClr val="bg1"/>
-                </a:solidFill>
-                <a:latin typeface="Consolas" panose="020B0609020204030204" pitchFamily="49" charset="0"/>
-                <a:cs typeface="Consolas" panose="020B0609020204030204" pitchFamily="49" charset="0"/>
-              </a:rPr>
-              <a:t> </a:t>
-            </a:r>
-            <a:r>
-              <a:rPr lang="en-US" sz="2800" b="1" dirty="0">
-                <a:solidFill>
-                  <a:schemeClr val="bg1"/>
-                </a:solidFill>
-                <a:latin typeface="Consolas" panose="020B0609020204030204" pitchFamily="49" charset="0"/>
-                <a:cs typeface="Consolas" panose="020B0609020204030204" pitchFamily="49" charset="0"/>
-              </a:rPr>
-              <a:t>town</a:t>
-            </a:r>
-            <a:r>
-              <a:rPr lang="en-GB" sz="2800" b="1" noProof="1">
-                <a:solidFill>
-                  <a:schemeClr val="bg1"/>
-                </a:solidFill>
-                <a:latin typeface="Consolas" panose="020B0609020204030204" pitchFamily="49" charset="0"/>
-                <a:cs typeface="Consolas" panose="020B0609020204030204" pitchFamily="49" charset="0"/>
-              </a:rPr>
-              <a:t>BindingSource</a:t>
-            </a:r>
-            <a:endParaRPr lang="en-GB" sz="2800" noProof="1">
-              <a:latin typeface="Calibri" panose="020F0502020204030204" pitchFamily="34" charset="0"/>
-              <a:cs typeface="Calibri" panose="020F0502020204030204" pitchFamily="34" charset="0"/>
-            </a:endParaRPr>
+              </a:rPr>
+              <a:t>OK</a:t>
+            </a:r>
+            <a:r>
+              <a:rPr lang="en-US" sz="3000" b="1" dirty="0"/>
+              <a:t>]</a:t>
+            </a:r>
           </a:p>
         </p:txBody>
       </p:sp>
@@ -16505,7 +16627,7 @@
           <p:cNvPr id="4" name="Title 3">
             <a:extLst>
               <a:ext uri="{FF2B5EF4-FFF2-40B4-BE49-F238E27FC236}">
-                <a16:creationId xmlns:a16="http://schemas.microsoft.com/office/drawing/2014/main" id="{6649AF08-6AA0-9526-2999-E3CFC1846E75}"/>
+                <a16:creationId xmlns:a16="http://schemas.microsoft.com/office/drawing/2014/main" id="{AD3828FB-E08D-CB64-BD97-65FE8CABF479}"/>
               </a:ext>
             </a:extLst>
           </p:cNvPr>
@@ -16518,24 +16640,14 @@
         </p:nvSpPr>
         <p:spPr/>
         <p:txBody>
-          <a:bodyPr/>
+          <a:bodyPr>
+            <a:normAutofit fontScale="90000"/>
+          </a:bodyPr>
           <a:lstStyle/>
           <a:p>
             <a:r>
               <a:rPr lang="bg-BG" dirty="0"/>
-              <a:t>Свързване с</a:t>
-            </a:r>
-            <a:r>
-              <a:rPr lang="en-US" dirty="0"/>
-              <a:t> </a:t>
-            </a:r>
-            <a:r>
-              <a:rPr lang="bg-BG" dirty="0"/>
-              <a:t>база данни </a:t>
-            </a:r>
-            <a:r>
-              <a:rPr lang="en-US" dirty="0"/>
-              <a:t>EF Core</a:t>
+              <a:t>Свързване на сървър и конфигурация на връзка</a:t>
             </a:r>
             <a:endParaRPr lang="en-BG" dirty="0"/>
           </a:p>
@@ -16543,10 +16655,10 @@
       </p:sp>
       <p:pic>
         <p:nvPicPr>
-          <p:cNvPr id="7" name="Picture 6">
+          <p:cNvPr id="6" name="Picture 5">
             <a:extLst>
               <a:ext uri="{FF2B5EF4-FFF2-40B4-BE49-F238E27FC236}">
-                <a16:creationId xmlns:a16="http://schemas.microsoft.com/office/drawing/2014/main" id="{5634784E-3CB7-2E07-1228-7CBCD82D3A67}"/>
+                <a16:creationId xmlns:a16="http://schemas.microsoft.com/office/drawing/2014/main" id="{BDF3CB0C-6EB1-10A0-4C8D-E62A70413729}"/>
               </a:ext>
             </a:extLst>
           </p:cNvPr>
@@ -16556,64 +16668,20 @@
           <p:nvPr/>
         </p:nvPicPr>
         <p:blipFill>
-          <a:blip r:embed="rId3">
+          <a:blip r:embed="rId2">
             <a:extLst>
               <a:ext uri="{28A0092B-C50C-407E-A947-70E740481C1C}">
                 <a14:useLocalDpi xmlns:a14="http://schemas.microsoft.com/office/drawing/2010/main" val="0"/>
               </a:ext>
             </a:extLst>
           </a:blip>
-          <a:stretch>
-            <a:fillRect/>
-          </a:stretch>
+          <a:srcRect/>
+          <a:stretch/>
         </p:blipFill>
         <p:spPr>
           <a:xfrm>
-            <a:off x="7581000" y="1180484"/>
-            <a:ext cx="3555000" cy="2745732"/>
-          </a:xfrm>
-          <a:prstGeom prst="rect">
-            <a:avLst/>
-          </a:prstGeom>
-          <a:ln>
-            <a:solidFill>
-              <a:schemeClr val="bg2">
-                <a:lumMod val="75000"/>
-              </a:schemeClr>
-            </a:solidFill>
-          </a:ln>
-        </p:spPr>
-      </p:pic>
-      <p:pic>
-        <p:nvPicPr>
-          <p:cNvPr id="9" name="Picture 8">
-            <a:extLst>
-              <a:ext uri="{FF2B5EF4-FFF2-40B4-BE49-F238E27FC236}">
-                <a16:creationId xmlns:a16="http://schemas.microsoft.com/office/drawing/2014/main" id="{87D43F2C-2866-2C2F-5EEC-887269E189CD}"/>
-              </a:ext>
-            </a:extLst>
-          </p:cNvPr>
-          <p:cNvPicPr>
-            <a:picLocks noChangeAspect="1"/>
-          </p:cNvPicPr>
-          <p:nvPr/>
-        </p:nvPicPr>
-        <p:blipFill>
-          <a:blip r:embed="rId4">
-            <a:extLst>
-              <a:ext uri="{28A0092B-C50C-407E-A947-70E740481C1C}">
-                <a14:useLocalDpi xmlns:a14="http://schemas.microsoft.com/office/drawing/2010/main" val="0"/>
-              </a:ext>
-            </a:extLst>
-          </a:blip>
-          <a:stretch>
-            <a:fillRect/>
-          </a:stretch>
-        </p:blipFill>
-        <p:spPr>
-          <a:xfrm>
-            <a:off x="7581000" y="4011517"/>
-            <a:ext cx="3555000" cy="2745732"/>
+            <a:off x="7608004" y="1215053"/>
+            <a:ext cx="3848022" cy="5291947"/>
           </a:xfrm>
           <a:prstGeom prst="rect">
             <a:avLst/>
@@ -16630,7 +16698,7 @@
     </p:spTree>
     <p:extLst>
       <p:ext uri="{BB962C8B-B14F-4D97-AF65-F5344CB8AC3E}">
-        <p14:creationId xmlns:p14="http://schemas.microsoft.com/office/powerpoint/2010/main" val="4246788545"/>
+        <p14:creationId xmlns:p14="http://schemas.microsoft.com/office/powerpoint/2010/main" val="123098562"/>
       </p:ext>
     </p:extLst>
   </p:cSld>
@@ -16875,101 +16943,11 @@
                                           </p:stCondLst>
                                         </p:cTn>
                                         <p:tgtEl>
-                                          <p:spTgt spid="7"/>
-                                        </p:tgtEl>
-                                        <p:attrNameLst>
-                                          <p:attrName>style.visibility</p:attrName>
-                                        </p:attrNameLst>
-                                      </p:cBhvr>
-                                      <p:to>
-                                        <p:strVal val="visible"/>
-                                      </p:to>
-                                    </p:set>
-                                  </p:childTnLst>
-                                </p:cTn>
-                              </p:par>
-                            </p:childTnLst>
-                          </p:cTn>
-                        </p:par>
-                      </p:childTnLst>
-                    </p:cTn>
-                  </p:par>
-                  <p:par>
-                    <p:cTn id="23" fill="hold">
-                      <p:stCondLst>
-                        <p:cond delay="indefinite"/>
-                      </p:stCondLst>
-                      <p:childTnLst>
-                        <p:par>
-                          <p:cTn id="24" fill="hold">
-                            <p:stCondLst>
-                              <p:cond delay="0"/>
-                            </p:stCondLst>
-                            <p:childTnLst>
-                              <p:par>
-                                <p:cTn id="25" presetID="1" presetClass="entr" presetSubtype="0" fill="hold" nodeType="clickEffect">
-                                  <p:stCondLst>
-                                    <p:cond delay="0"/>
-                                  </p:stCondLst>
-                                  <p:childTnLst>
-                                    <p:set>
-                                      <p:cBhvr>
-                                        <p:cTn id="26" dur="1" fill="hold">
-                                          <p:stCondLst>
-                                            <p:cond delay="0"/>
-                                          </p:stCondLst>
-                                        </p:cTn>
-                                        <p:tgtEl>
                                           <p:spTgt spid="3">
                                             <p:txEl>
                                               <p:pRg st="5" end="5"/>
                                             </p:txEl>
                                           </p:spTgt>
-                                        </p:tgtEl>
-                                        <p:attrNameLst>
-                                          <p:attrName>style.visibility</p:attrName>
-                                        </p:attrNameLst>
-                                      </p:cBhvr>
-                                      <p:to>
-                                        <p:strVal val="visible"/>
-                                      </p:to>
-                                    </p:set>
-                                  </p:childTnLst>
-                                </p:cTn>
-                              </p:par>
-                            </p:childTnLst>
-                          </p:cTn>
-                        </p:par>
-                      </p:childTnLst>
-                    </p:cTn>
-                  </p:par>
-                  <p:par>
-                    <p:cTn id="27" fill="hold">
-                      <p:stCondLst>
-                        <p:cond delay="indefinite"/>
-                      </p:stCondLst>
-                      <p:childTnLst>
-                        <p:par>
-                          <p:cTn id="28" fill="hold">
-                            <p:stCondLst>
-                              <p:cond delay="0"/>
-                            </p:stCondLst>
-                            <p:childTnLst>
-                              <p:par>
-                                <p:cTn id="29" presetID="1" presetClass="entr" presetSubtype="0" fill="hold" nodeType="clickEffect">
-                                  <p:stCondLst>
-                                    <p:cond delay="0"/>
-                                  </p:stCondLst>
-                                  <p:childTnLst>
-                                    <p:set>
-                                      <p:cBhvr>
-                                        <p:cTn id="30" dur="1" fill="hold">
-                                          <p:stCondLst>
-                                            <p:cond delay="0"/>
-                                          </p:stCondLst>
-                                        </p:cTn>
-                                        <p:tgtEl>
-                                          <p:spTgt spid="9"/>
                                         </p:tgtEl>
                                         <p:attrNameLst>
                                           <p:attrName>style.visibility</p:attrName>
@@ -17035,6 +17013,1992 @@
           <p:cNvPr id="2" name="Slide Number Placeholder 1">
             <a:extLst>
               <a:ext uri="{FF2B5EF4-FFF2-40B4-BE49-F238E27FC236}">
+                <a16:creationId xmlns:a16="http://schemas.microsoft.com/office/drawing/2014/main" id="{5DF32E4F-E2EF-31D2-89A4-597E31CBABA5}"/>
+              </a:ext>
+            </a:extLst>
+          </p:cNvPr>
+          <p:cNvSpPr>
+            <a:spLocks noGrp="1"/>
+          </p:cNvSpPr>
+          <p:nvPr>
+            <p:ph type="sldNum" sz="quarter" idx="5"/>
+          </p:nvPr>
+        </p:nvSpPr>
+        <p:spPr/>
+        <p:txBody>
+          <a:bodyPr/>
+          <a:lstStyle/>
+          <a:p>
+            <a:fld id="{2BF067CD-8E6B-4360-9AA8-C5DF2A48A6D1}" type="slidenum">
+              <a:rPr lang="en-US" noProof="0" smtClean="0"/>
+              <a:pPr/>
+              <a:t>24</a:t>
+            </a:fld>
+            <a:endParaRPr lang="en-US" noProof="0" dirty="0"/>
+          </a:p>
+        </p:txBody>
+      </p:sp>
+      <p:sp>
+        <p:nvSpPr>
+          <p:cNvPr id="3" name="Text Placeholder 2">
+            <a:extLst>
+              <a:ext uri="{FF2B5EF4-FFF2-40B4-BE49-F238E27FC236}">
+                <a16:creationId xmlns:a16="http://schemas.microsoft.com/office/drawing/2014/main" id="{98A95534-CDA4-8D4D-CB49-BAEE33A7F574}"/>
+              </a:ext>
+            </a:extLst>
+          </p:cNvPr>
+          <p:cNvSpPr>
+            <a:spLocks noGrp="1"/>
+          </p:cNvSpPr>
+          <p:nvPr>
+            <p:ph type="body" sz="quarter" idx="10"/>
+          </p:nvPr>
+        </p:nvSpPr>
+        <p:spPr>
+          <a:xfrm>
+            <a:off x="190402" y="1196125"/>
+            <a:ext cx="8830598" cy="5528766"/>
+          </a:xfrm>
+        </p:spPr>
+        <p:txBody>
+          <a:bodyPr>
+            <a:normAutofit/>
+          </a:bodyPr>
+          <a:lstStyle/>
+          <a:p>
+            <a:r>
+              <a:rPr lang="bg-BG" sz="3000" dirty="0"/>
+              <a:t>Избираме да създадем </a:t>
+            </a:r>
+            <a:r>
+              <a:rPr lang="bg-BG" sz="3000" b="1" dirty="0">
+                <a:solidFill>
+                  <a:schemeClr val="bg1"/>
+                </a:solidFill>
+              </a:rPr>
+              <a:t>нова</a:t>
+            </a:r>
+            <a:r>
+              <a:rPr lang="bg-BG" sz="3000" dirty="0"/>
+              <a:t> база данни</a:t>
+            </a:r>
+          </a:p>
+          <a:p>
+            <a:r>
+              <a:rPr lang="bg-BG" sz="3000" dirty="0"/>
+              <a:t>В </a:t>
+            </a:r>
+            <a:r>
+              <a:rPr lang="en-US" sz="3000" b="1" dirty="0">
+                <a:solidFill>
+                  <a:schemeClr val="bg1"/>
+                </a:solidFill>
+              </a:rPr>
+              <a:t>Server Explorer</a:t>
+            </a:r>
+            <a:r>
+              <a:rPr lang="bg-BG" sz="3000" b="1" dirty="0">
+                <a:solidFill>
+                  <a:schemeClr val="bg1"/>
+                </a:solidFill>
+              </a:rPr>
+              <a:t> </a:t>
+            </a:r>
+            <a:r>
+              <a:rPr lang="en-US" sz="3000" dirty="0"/>
+              <a:t>→ </a:t>
+            </a:r>
+            <a:r>
+              <a:rPr lang="en-US" sz="3000" b="1" dirty="0">
+                <a:solidFill>
+                  <a:schemeClr val="bg1"/>
+                </a:solidFill>
+              </a:rPr>
+              <a:t>CountriesDb</a:t>
+            </a:r>
+            <a:r>
+              <a:rPr lang="en-US" sz="3000" dirty="0"/>
+              <a:t> →</a:t>
+            </a:r>
+            <a:r>
+              <a:rPr lang="en-US" sz="3000" b="1" dirty="0">
+                <a:solidFill>
+                  <a:schemeClr val="bg1"/>
+                </a:solidFill>
+              </a:rPr>
+              <a:t> </a:t>
+            </a:r>
+            <a:r>
+              <a:rPr lang="en-US" sz="3000" b="1" dirty="0"/>
+              <a:t>[</a:t>
+            </a:r>
+            <a:r>
+              <a:rPr lang="en-US" sz="3000" b="1" dirty="0">
+                <a:solidFill>
+                  <a:schemeClr val="bg1"/>
+                </a:solidFill>
+              </a:rPr>
+              <a:t>New Query</a:t>
+            </a:r>
+            <a:r>
+              <a:rPr lang="en-US" sz="3000" b="1" dirty="0"/>
+              <a:t>]</a:t>
+            </a:r>
+          </a:p>
+          <a:p>
+            <a:r>
+              <a:rPr lang="bg-BG" sz="3000" dirty="0"/>
+              <a:t>Изпълняваме дадения </a:t>
+            </a:r>
+            <a:r>
+              <a:rPr lang="en-US" sz="3000" b="1" dirty="0">
+                <a:solidFill>
+                  <a:schemeClr val="bg1"/>
+                </a:solidFill>
+              </a:rPr>
+              <a:t>SQL </a:t>
+            </a:r>
+            <a:r>
+              <a:rPr lang="bg-BG" sz="3000" b="1" dirty="0">
+                <a:solidFill>
+                  <a:schemeClr val="bg1"/>
+                </a:solidFill>
+              </a:rPr>
+              <a:t>скрипт</a:t>
+            </a:r>
+          </a:p>
+        </p:txBody>
+      </p:sp>
+      <p:sp>
+        <p:nvSpPr>
+          <p:cNvPr id="4" name="Title 3">
+            <a:extLst>
+              <a:ext uri="{FF2B5EF4-FFF2-40B4-BE49-F238E27FC236}">
+                <a16:creationId xmlns:a16="http://schemas.microsoft.com/office/drawing/2014/main" id="{AD3828FB-E08D-CB64-BD97-65FE8CABF479}"/>
+              </a:ext>
+            </a:extLst>
+          </p:cNvPr>
+          <p:cNvSpPr>
+            <a:spLocks noGrp="1"/>
+          </p:cNvSpPr>
+          <p:nvPr>
+            <p:ph type="title"/>
+          </p:nvPr>
+        </p:nvSpPr>
+        <p:spPr/>
+        <p:txBody>
+          <a:bodyPr/>
+          <a:lstStyle/>
+          <a:p>
+            <a:r>
+              <a:rPr lang="bg-BG" dirty="0"/>
+              <a:t>Създаване и попълване на база данни</a:t>
+            </a:r>
+            <a:endParaRPr lang="en-BG" dirty="0"/>
+          </a:p>
+        </p:txBody>
+      </p:sp>
+      <p:sp>
+        <p:nvSpPr>
+          <p:cNvPr id="5" name="Text Placeholder 5">
+            <a:extLst>
+              <a:ext uri="{FF2B5EF4-FFF2-40B4-BE49-F238E27FC236}">
+                <a16:creationId xmlns:a16="http://schemas.microsoft.com/office/drawing/2014/main" id="{7F0D9CAD-D9BA-889C-C5EE-7E8DFDDC94FF}"/>
+              </a:ext>
+            </a:extLst>
+          </p:cNvPr>
+          <p:cNvSpPr txBox="1">
+            <a:spLocks/>
+          </p:cNvSpPr>
+          <p:nvPr/>
+        </p:nvSpPr>
+        <p:spPr>
+          <a:xfrm>
+            <a:off x="651000" y="2976721"/>
+            <a:ext cx="7624273" cy="3693319"/>
+          </a:xfrm>
+          <a:prstGeom prst="rect">
+            <a:avLst/>
+          </a:prstGeom>
+          <a:solidFill>
+            <a:schemeClr val="accent5">
+              <a:lumMod val="40000"/>
+              <a:lumOff val="60000"/>
+              <a:alpha val="15000"/>
+            </a:schemeClr>
+          </a:solidFill>
+          <a:ln w="12700">
+            <a:solidFill>
+              <a:schemeClr val="accent5">
+                <a:lumMod val="60000"/>
+                <a:lumOff val="40000"/>
+              </a:schemeClr>
+            </a:solidFill>
+          </a:ln>
+        </p:spPr>
+        <p:txBody>
+          <a:bodyPr wrap="square">
+            <a:spAutoFit/>
+          </a:bodyPr>
+          <a:lstStyle/>
+          <a:p>
+            <a:r>
+              <a:rPr lang="en-GB" b="1" dirty="0">
+                <a:latin typeface="Consolas" panose="020B0609020204030204" pitchFamily="49" charset="0"/>
+                <a:cs typeface="Consolas" panose="020B0609020204030204" pitchFamily="49" charset="0"/>
+              </a:rPr>
+              <a:t>CREATE DATABASE CountriesDb;</a:t>
+            </a:r>
+          </a:p>
+          <a:p>
+            <a:r>
+              <a:rPr lang="en-GB" b="1" dirty="0">
+                <a:latin typeface="Consolas" panose="020B0609020204030204" pitchFamily="49" charset="0"/>
+                <a:cs typeface="Consolas" panose="020B0609020204030204" pitchFamily="49" charset="0"/>
+              </a:rPr>
+              <a:t>USE CountriesDb;</a:t>
+            </a:r>
+          </a:p>
+          <a:p>
+            <a:r>
+              <a:rPr lang="en-GB" b="1" dirty="0">
+                <a:latin typeface="Consolas" panose="020B0609020204030204" pitchFamily="49" charset="0"/>
+                <a:cs typeface="Consolas" panose="020B0609020204030204" pitchFamily="49" charset="0"/>
+              </a:rPr>
+              <a:t>CREATE TABLE Countries (</a:t>
+            </a:r>
+          </a:p>
+          <a:p>
+            <a:r>
+              <a:rPr lang="en-GB" b="1" dirty="0">
+                <a:latin typeface="Consolas" panose="020B0609020204030204" pitchFamily="49" charset="0"/>
+                <a:cs typeface="Consolas" panose="020B0609020204030204" pitchFamily="49" charset="0"/>
+              </a:rPr>
+              <a:t>    CountryId INT PRIMARY KEY IDENTITY(1,1),</a:t>
+            </a:r>
+          </a:p>
+          <a:p>
+            <a:r>
+              <a:rPr lang="en-GB" b="1" dirty="0">
+                <a:latin typeface="Consolas" panose="020B0609020204030204" pitchFamily="49" charset="0"/>
+                <a:cs typeface="Consolas" panose="020B0609020204030204" pitchFamily="49" charset="0"/>
+              </a:rPr>
+              <a:t>    CountryName NVARCHAR(100) NOT NULL</a:t>
+            </a:r>
+          </a:p>
+          <a:p>
+            <a:r>
+              <a:rPr lang="en-GB" b="1" dirty="0">
+                <a:latin typeface="Consolas" panose="020B0609020204030204" pitchFamily="49" charset="0"/>
+                <a:cs typeface="Consolas" panose="020B0609020204030204" pitchFamily="49" charset="0"/>
+              </a:rPr>
+              <a:t>);</a:t>
+            </a:r>
+          </a:p>
+          <a:p>
+            <a:r>
+              <a:rPr lang="en-GB" b="1" dirty="0">
+                <a:latin typeface="Consolas" panose="020B0609020204030204" pitchFamily="49" charset="0"/>
+                <a:cs typeface="Consolas" panose="020B0609020204030204" pitchFamily="49" charset="0"/>
+              </a:rPr>
+              <a:t>CREATE TABLE Towns (</a:t>
+            </a:r>
+          </a:p>
+          <a:p>
+            <a:r>
+              <a:rPr lang="en-GB" b="1" dirty="0">
+                <a:latin typeface="Consolas" panose="020B0609020204030204" pitchFamily="49" charset="0"/>
+                <a:cs typeface="Consolas" panose="020B0609020204030204" pitchFamily="49" charset="0"/>
+              </a:rPr>
+              <a:t>    TownId INT PRIMARY KEY IDENTITY(1,1),</a:t>
+            </a:r>
+          </a:p>
+          <a:p>
+            <a:r>
+              <a:rPr lang="en-GB" b="1" dirty="0">
+                <a:latin typeface="Consolas" panose="020B0609020204030204" pitchFamily="49" charset="0"/>
+                <a:cs typeface="Consolas" panose="020B0609020204030204" pitchFamily="49" charset="0"/>
+              </a:rPr>
+              <a:t>    TownName NVARCHAR(100) NOT NULL,</a:t>
+            </a:r>
+          </a:p>
+          <a:p>
+            <a:r>
+              <a:rPr lang="en-GB" b="1" dirty="0">
+                <a:latin typeface="Consolas" panose="020B0609020204030204" pitchFamily="49" charset="0"/>
+                <a:cs typeface="Consolas" panose="020B0609020204030204" pitchFamily="49" charset="0"/>
+              </a:rPr>
+              <a:t>    CountryId INT,</a:t>
+            </a:r>
+          </a:p>
+          <a:p>
+            <a:r>
+              <a:rPr lang="en-GB" b="1" dirty="0">
+                <a:latin typeface="Consolas" panose="020B0609020204030204" pitchFamily="49" charset="0"/>
+                <a:cs typeface="Consolas" panose="020B0609020204030204" pitchFamily="49" charset="0"/>
+              </a:rPr>
+              <a:t>    FOREIGN KEY (CountryId) REFERENCES Countries(CountryId)</a:t>
+            </a:r>
+          </a:p>
+          <a:p>
+            <a:r>
+              <a:rPr lang="en-GB" b="1" dirty="0">
+                <a:latin typeface="Consolas" panose="020B0609020204030204" pitchFamily="49" charset="0"/>
+                <a:cs typeface="Consolas" panose="020B0609020204030204" pitchFamily="49" charset="0"/>
+              </a:rPr>
+              <a:t>);</a:t>
+            </a:r>
+          </a:p>
+          <a:p>
+            <a:r>
+              <a:rPr lang="en-GB" b="1" dirty="0">
+                <a:latin typeface="Consolas" panose="020B0609020204030204" pitchFamily="49" charset="0"/>
+                <a:cs typeface="Consolas" panose="020B0609020204030204" pitchFamily="49" charset="0"/>
+              </a:rPr>
+              <a:t>...</a:t>
+            </a:r>
+            <a:endParaRPr lang="bg-BG" dirty="0"/>
+          </a:p>
+        </p:txBody>
+      </p:sp>
+      <p:pic>
+        <p:nvPicPr>
+          <p:cNvPr id="7" name="Picture 6">
+            <a:extLst>
+              <a:ext uri="{FF2B5EF4-FFF2-40B4-BE49-F238E27FC236}">
+                <a16:creationId xmlns:a16="http://schemas.microsoft.com/office/drawing/2014/main" id="{E89A5DED-27A8-DA6D-2A2C-0CFA9782999F}"/>
+              </a:ext>
+            </a:extLst>
+          </p:cNvPr>
+          <p:cNvPicPr>
+            <a:picLocks noChangeAspect="1"/>
+          </p:cNvPicPr>
+          <p:nvPr/>
+        </p:nvPicPr>
+        <p:blipFill>
+          <a:blip r:embed="rId3">
+            <a:extLst>
+              <a:ext uri="{28A0092B-C50C-407E-A947-70E740481C1C}">
+                <a14:useLocalDpi xmlns:a14="http://schemas.microsoft.com/office/drawing/2010/main" val="0"/>
+              </a:ext>
+            </a:extLst>
+          </a:blip>
+          <a:srcRect/>
+          <a:stretch/>
+        </p:blipFill>
+        <p:spPr>
+          <a:xfrm>
+            <a:off x="8452847" y="2061857"/>
+            <a:ext cx="3548751" cy="3797301"/>
+          </a:xfrm>
+          <a:prstGeom prst="rect">
+            <a:avLst/>
+          </a:prstGeom>
+          <a:ln>
+            <a:solidFill>
+              <a:schemeClr val="bg2">
+                <a:lumMod val="75000"/>
+              </a:schemeClr>
+            </a:solidFill>
+          </a:ln>
+        </p:spPr>
+      </p:pic>
+    </p:spTree>
+    <p:extLst>
+      <p:ext uri="{BB962C8B-B14F-4D97-AF65-F5344CB8AC3E}">
+        <p14:creationId xmlns:p14="http://schemas.microsoft.com/office/powerpoint/2010/main" val="3020896405"/>
+      </p:ext>
+    </p:extLst>
+  </p:cSld>
+  <p:clrMapOvr>
+    <a:masterClrMapping/>
+  </p:clrMapOvr>
+  <mc:AlternateContent xmlns:mc="http://schemas.openxmlformats.org/markup-compatibility/2006" xmlns:p14="http://schemas.microsoft.com/office/powerpoint/2010/main">
+    <mc:Choice Requires="p14">
+      <p:transition spd="slow" p14:dur="2000" advClick="0" advTm="5000"/>
+    </mc:Choice>
+    <mc:Fallback xmlns="">
+      <p:transition spd="slow" advClick="0" advTm="5000"/>
+    </mc:Fallback>
+  </mc:AlternateContent>
+  <p:timing>
+    <p:tnLst>
+      <p:par>
+        <p:cTn id="1" dur="indefinite" restart="never" nodeType="tmRoot">
+          <p:childTnLst>
+            <p:seq concurrent="1" nextAc="seek">
+              <p:cTn id="2" dur="indefinite" nodeType="mainSeq">
+                <p:childTnLst>
+                  <p:par>
+                    <p:cTn id="3" fill="hold">
+                      <p:stCondLst>
+                        <p:cond delay="indefinite"/>
+                      </p:stCondLst>
+                      <p:childTnLst>
+                        <p:par>
+                          <p:cTn id="4" fill="hold">
+                            <p:stCondLst>
+                              <p:cond delay="0"/>
+                            </p:stCondLst>
+                            <p:childTnLst>
+                              <p:par>
+                                <p:cTn id="5" presetID="1" presetClass="entr" presetSubtype="0" fill="hold" nodeType="clickEffect">
+                                  <p:stCondLst>
+                                    <p:cond delay="0"/>
+                                  </p:stCondLst>
+                                  <p:childTnLst>
+                                    <p:set>
+                                      <p:cBhvr>
+                                        <p:cTn id="6" dur="1" fill="hold">
+                                          <p:stCondLst>
+                                            <p:cond delay="0"/>
+                                          </p:stCondLst>
+                                        </p:cTn>
+                                        <p:tgtEl>
+                                          <p:spTgt spid="3">
+                                            <p:txEl>
+                                              <p:pRg st="1" end="1"/>
+                                            </p:txEl>
+                                          </p:spTgt>
+                                        </p:tgtEl>
+                                        <p:attrNameLst>
+                                          <p:attrName>style.visibility</p:attrName>
+                                        </p:attrNameLst>
+                                      </p:cBhvr>
+                                      <p:to>
+                                        <p:strVal val="visible"/>
+                                      </p:to>
+                                    </p:set>
+                                  </p:childTnLst>
+                                </p:cTn>
+                              </p:par>
+                            </p:childTnLst>
+                          </p:cTn>
+                        </p:par>
+                      </p:childTnLst>
+                    </p:cTn>
+                  </p:par>
+                  <p:par>
+                    <p:cTn id="7" fill="hold">
+                      <p:stCondLst>
+                        <p:cond delay="indefinite"/>
+                      </p:stCondLst>
+                      <p:childTnLst>
+                        <p:par>
+                          <p:cTn id="8" fill="hold">
+                            <p:stCondLst>
+                              <p:cond delay="0"/>
+                            </p:stCondLst>
+                            <p:childTnLst>
+                              <p:par>
+                                <p:cTn id="9" presetID="1" presetClass="entr" presetSubtype="0" fill="hold" nodeType="clickEffect">
+                                  <p:stCondLst>
+                                    <p:cond delay="0"/>
+                                  </p:stCondLst>
+                                  <p:childTnLst>
+                                    <p:set>
+                                      <p:cBhvr>
+                                        <p:cTn id="10" dur="1" fill="hold">
+                                          <p:stCondLst>
+                                            <p:cond delay="0"/>
+                                          </p:stCondLst>
+                                        </p:cTn>
+                                        <p:tgtEl>
+                                          <p:spTgt spid="3">
+                                            <p:txEl>
+                                              <p:pRg st="2" end="2"/>
+                                            </p:txEl>
+                                          </p:spTgt>
+                                        </p:tgtEl>
+                                        <p:attrNameLst>
+                                          <p:attrName>style.visibility</p:attrName>
+                                        </p:attrNameLst>
+                                      </p:cBhvr>
+                                      <p:to>
+                                        <p:strVal val="visible"/>
+                                      </p:to>
+                                    </p:set>
+                                  </p:childTnLst>
+                                </p:cTn>
+                              </p:par>
+                            </p:childTnLst>
+                          </p:cTn>
+                        </p:par>
+                      </p:childTnLst>
+                    </p:cTn>
+                  </p:par>
+                  <p:par>
+                    <p:cTn id="11" fill="hold">
+                      <p:stCondLst>
+                        <p:cond delay="indefinite"/>
+                      </p:stCondLst>
+                      <p:childTnLst>
+                        <p:par>
+                          <p:cTn id="12" fill="hold">
+                            <p:stCondLst>
+                              <p:cond delay="0"/>
+                            </p:stCondLst>
+                            <p:childTnLst>
+                              <p:par>
+                                <p:cTn id="13" presetID="1" presetClass="entr" presetSubtype="0" fill="hold" grpId="0" nodeType="clickEffect">
+                                  <p:stCondLst>
+                                    <p:cond delay="0"/>
+                                  </p:stCondLst>
+                                  <p:childTnLst>
+                                    <p:set>
+                                      <p:cBhvr>
+                                        <p:cTn id="14" dur="1" fill="hold">
+                                          <p:stCondLst>
+                                            <p:cond delay="0"/>
+                                          </p:stCondLst>
+                                        </p:cTn>
+                                        <p:tgtEl>
+                                          <p:spTgt spid="5"/>
+                                        </p:tgtEl>
+                                        <p:attrNameLst>
+                                          <p:attrName>style.visibility</p:attrName>
+                                        </p:attrNameLst>
+                                      </p:cBhvr>
+                                      <p:to>
+                                        <p:strVal val="visible"/>
+                                      </p:to>
+                                    </p:set>
+                                  </p:childTnLst>
+                                </p:cTn>
+                              </p:par>
+                            </p:childTnLst>
+                          </p:cTn>
+                        </p:par>
+                      </p:childTnLst>
+                    </p:cTn>
+                  </p:par>
+                </p:childTnLst>
+              </p:cTn>
+              <p:prevCondLst>
+                <p:cond evt="onPrev" delay="0">
+                  <p:tgtEl>
+                    <p:sldTgt/>
+                  </p:tgtEl>
+                </p:cond>
+              </p:prevCondLst>
+              <p:nextCondLst>
+                <p:cond evt="onNext" delay="0">
+                  <p:tgtEl>
+                    <p:sldTgt/>
+                  </p:tgtEl>
+                </p:cond>
+              </p:nextCondLst>
+            </p:seq>
+          </p:childTnLst>
+        </p:cTn>
+      </p:par>
+    </p:tnLst>
+    <p:bldLst>
+      <p:bldP spid="5" grpId="0" animBg="1"/>
+    </p:bldLst>
+  </p:timing>
+</p:sld>
+</file>
+
+<file path=ppt/slides/slide25.xml><?xml version="1.0" encoding="utf-8"?>
+<p:sld xmlns:a="http://schemas.openxmlformats.org/drawingml/2006/main" xmlns:r="http://schemas.openxmlformats.org/officeDocument/2006/relationships" xmlns:p="http://schemas.openxmlformats.org/presentationml/2006/main">
+  <p:cSld>
+    <p:spTree>
+      <p:nvGrpSpPr>
+        <p:cNvPr id="1" name="">
+          <a:extLst>
+            <a:ext uri="{FF2B5EF4-FFF2-40B4-BE49-F238E27FC236}">
+              <a16:creationId xmlns:a16="http://schemas.microsoft.com/office/drawing/2014/main" id="{BEB3B8C5-40BC-10C0-BE09-BC043D3D7E72}"/>
+            </a:ext>
+          </a:extLst>
+        </p:cNvPr>
+        <p:cNvGrpSpPr/>
+        <p:nvPr/>
+      </p:nvGrpSpPr>
+      <p:grpSpPr>
+        <a:xfrm>
+          <a:off x="0" y="0"/>
+          <a:ext cx="0" cy="0"/>
+          <a:chOff x="0" y="0"/>
+          <a:chExt cx="0" cy="0"/>
+        </a:xfrm>
+      </p:grpSpPr>
+      <p:sp>
+        <p:nvSpPr>
+          <p:cNvPr id="2" name="Slide Number Placeholder 1">
+            <a:extLst>
+              <a:ext uri="{FF2B5EF4-FFF2-40B4-BE49-F238E27FC236}">
+                <a16:creationId xmlns:a16="http://schemas.microsoft.com/office/drawing/2014/main" id="{97D4AD4F-4BF3-FAA1-75CB-99D88A69A633}"/>
+              </a:ext>
+            </a:extLst>
+          </p:cNvPr>
+          <p:cNvSpPr>
+            <a:spLocks noGrp="1"/>
+          </p:cNvSpPr>
+          <p:nvPr>
+            <p:ph type="sldNum" sz="quarter" idx="5"/>
+          </p:nvPr>
+        </p:nvSpPr>
+        <p:spPr/>
+        <p:txBody>
+          <a:bodyPr/>
+          <a:lstStyle/>
+          <a:p>
+            <a:fld id="{2BF067CD-8E6B-4360-9AA8-C5DF2A48A6D1}" type="slidenum">
+              <a:rPr lang="en-US" noProof="0" smtClean="0"/>
+              <a:pPr/>
+              <a:t>25</a:t>
+            </a:fld>
+            <a:endParaRPr lang="en-US" noProof="0" dirty="0"/>
+          </a:p>
+        </p:txBody>
+      </p:sp>
+      <p:sp>
+        <p:nvSpPr>
+          <p:cNvPr id="4" name="Title 3">
+            <a:extLst>
+              <a:ext uri="{FF2B5EF4-FFF2-40B4-BE49-F238E27FC236}">
+                <a16:creationId xmlns:a16="http://schemas.microsoft.com/office/drawing/2014/main" id="{6649AF08-6AA0-9526-2999-E3CFC1846E75}"/>
+              </a:ext>
+            </a:extLst>
+          </p:cNvPr>
+          <p:cNvSpPr>
+            <a:spLocks noGrp="1"/>
+          </p:cNvSpPr>
+          <p:nvPr>
+            <p:ph type="title"/>
+          </p:nvPr>
+        </p:nvSpPr>
+        <p:spPr/>
+        <p:txBody>
+          <a:bodyPr/>
+          <a:lstStyle/>
+          <a:p>
+            <a:r>
+              <a:rPr lang="bg-BG" dirty="0"/>
+              <a:t>Свързване с</a:t>
+            </a:r>
+            <a:r>
+              <a:rPr lang="en-US" dirty="0"/>
+              <a:t> </a:t>
+            </a:r>
+            <a:r>
+              <a:rPr lang="bg-BG" dirty="0"/>
+              <a:t>база данни </a:t>
+            </a:r>
+            <a:r>
+              <a:rPr lang="en-US" dirty="0"/>
+              <a:t>EF Core</a:t>
+            </a:r>
+            <a:r>
+              <a:rPr lang="bg-BG" dirty="0"/>
+              <a:t> </a:t>
+            </a:r>
+            <a:r>
+              <a:rPr lang="en-US" dirty="0"/>
+              <a:t>(1)</a:t>
+            </a:r>
+            <a:endParaRPr lang="en-BG" dirty="0"/>
+          </a:p>
+        </p:txBody>
+      </p:sp>
+      <p:sp>
+        <p:nvSpPr>
+          <p:cNvPr id="8" name="Text Placeholder 2">
+            <a:extLst>
+              <a:ext uri="{FF2B5EF4-FFF2-40B4-BE49-F238E27FC236}">
+                <a16:creationId xmlns:a16="http://schemas.microsoft.com/office/drawing/2014/main" id="{E8D3A8EB-3890-E669-7679-C564DD7FB86F}"/>
+              </a:ext>
+            </a:extLst>
+          </p:cNvPr>
+          <p:cNvSpPr>
+            <a:spLocks noGrp="1"/>
+          </p:cNvSpPr>
+          <p:nvPr>
+            <p:ph type="body" sz="quarter" idx="10"/>
+          </p:nvPr>
+        </p:nvSpPr>
+        <p:spPr>
+          <a:xfrm>
+            <a:off x="190402" y="1196125"/>
+            <a:ext cx="11818096" cy="5528766"/>
+          </a:xfrm>
+        </p:spPr>
+        <p:txBody>
+          <a:bodyPr>
+            <a:normAutofit/>
+          </a:bodyPr>
+          <a:lstStyle/>
+          <a:p>
+            <a:r>
+              <a:rPr lang="bg-BG" sz="3200" dirty="0"/>
+              <a:t>Инсталираме нужните </a:t>
+            </a:r>
+            <a:r>
+              <a:rPr lang="en-US" sz="3200" b="1" dirty="0">
+                <a:solidFill>
+                  <a:schemeClr val="bg1"/>
+                </a:solidFill>
+              </a:rPr>
+              <a:t>EF Core </a:t>
+            </a:r>
+            <a:r>
+              <a:rPr lang="bg-BG" sz="3200" b="1" dirty="0">
+                <a:solidFill>
+                  <a:schemeClr val="bg1"/>
+                </a:solidFill>
+              </a:rPr>
+              <a:t>пакети</a:t>
+            </a:r>
+            <a:r>
+              <a:rPr lang="en-US" sz="3200" dirty="0"/>
+              <a:t>:</a:t>
+            </a:r>
+            <a:endParaRPr lang="bg-BG" sz="3200" dirty="0"/>
+          </a:p>
+          <a:p>
+            <a:endParaRPr lang="en-US" sz="3200" b="1" dirty="0">
+              <a:solidFill>
+                <a:schemeClr val="bg1"/>
+              </a:solidFill>
+            </a:endParaRPr>
+          </a:p>
+          <a:p>
+            <a:pPr marL="0" indent="0">
+              <a:buNone/>
+            </a:pPr>
+            <a:endParaRPr lang="en-US" sz="3200" b="1" dirty="0">
+              <a:solidFill>
+                <a:schemeClr val="bg1"/>
+              </a:solidFill>
+            </a:endParaRPr>
+          </a:p>
+          <a:p>
+            <a:pPr>
+              <a:spcBef>
+                <a:spcPts val="1200"/>
+              </a:spcBef>
+            </a:pPr>
+            <a:r>
+              <a:rPr lang="bg-BG" sz="3200" dirty="0"/>
+              <a:t>Създаваме </a:t>
+            </a:r>
+            <a:r>
+              <a:rPr lang="en-US" sz="3200" b="1" dirty="0">
+                <a:solidFill>
+                  <a:schemeClr val="bg1"/>
+                </a:solidFill>
+              </a:rPr>
+              <a:t>EF Core </a:t>
+            </a:r>
+            <a:r>
+              <a:rPr lang="bg-BG" sz="3200" b="1" dirty="0">
+                <a:solidFill>
+                  <a:schemeClr val="bg1"/>
+                </a:solidFill>
+              </a:rPr>
+              <a:t>модели </a:t>
+            </a:r>
+            <a:r>
+              <a:rPr lang="bg-BG" sz="3200" dirty="0"/>
+              <a:t>по базата данни</a:t>
+            </a:r>
+            <a:r>
+              <a:rPr lang="en-US" sz="3200" dirty="0"/>
+              <a:t> (</a:t>
+            </a:r>
+            <a:r>
+              <a:rPr lang="en-US" sz="3200" b="1" dirty="0"/>
+              <a:t>scaffold</a:t>
+            </a:r>
+            <a:r>
+              <a:rPr lang="bg-BG" sz="3200" dirty="0"/>
+              <a:t>):</a:t>
+            </a:r>
+            <a:endParaRPr lang="en-BG" sz="3200" dirty="0"/>
+          </a:p>
+          <a:p>
+            <a:endParaRPr lang="en-BG" sz="3200" b="1" dirty="0">
+              <a:solidFill>
+                <a:schemeClr val="bg1"/>
+              </a:solidFill>
+            </a:endParaRPr>
+          </a:p>
+        </p:txBody>
+      </p:sp>
+      <p:sp>
+        <p:nvSpPr>
+          <p:cNvPr id="10" name="Text Placeholder 4">
+            <a:extLst>
+              <a:ext uri="{FF2B5EF4-FFF2-40B4-BE49-F238E27FC236}">
+                <a16:creationId xmlns:a16="http://schemas.microsoft.com/office/drawing/2014/main" id="{9E9C1FE1-E94D-3A01-A97B-B21461A89660}"/>
+              </a:ext>
+            </a:extLst>
+          </p:cNvPr>
+          <p:cNvSpPr txBox="1">
+            <a:spLocks/>
+          </p:cNvSpPr>
+          <p:nvPr/>
+        </p:nvSpPr>
+        <p:spPr>
+          <a:xfrm>
+            <a:off x="516000" y="1977619"/>
+            <a:ext cx="11177567" cy="461545"/>
+          </a:xfrm>
+          <a:prstGeom prst="rect">
+            <a:avLst/>
+          </a:prstGeom>
+          <a:solidFill>
+            <a:schemeClr val="accent5">
+              <a:lumMod val="40000"/>
+              <a:lumOff val="60000"/>
+              <a:alpha val="15000"/>
+            </a:schemeClr>
+          </a:solidFill>
+          <a:ln w="12700">
+            <a:solidFill>
+              <a:schemeClr val="accent5">
+                <a:lumMod val="60000"/>
+                <a:lumOff val="40000"/>
+              </a:schemeClr>
+            </a:solidFill>
+          </a:ln>
+        </p:spPr>
+        <p:txBody>
+          <a:bodyPr wrap="square">
+            <a:spAutoFit/>
+          </a:bodyPr>
+          <a:lstStyle/>
+          <a:p>
+            <a:pPr>
+              <a:lnSpc>
+                <a:spcPct val="100000"/>
+              </a:lnSpc>
+            </a:pPr>
+            <a:r>
+              <a:rPr lang="en-US" sz="2399" b="1" noProof="1">
+                <a:latin typeface="Consolas" panose="020B0609020204030204" pitchFamily="49" charset="0"/>
+              </a:rPr>
+              <a:t>Install-Package Microsoft.EntityFrameworkCore.Tools</a:t>
+            </a:r>
+          </a:p>
+        </p:txBody>
+      </p:sp>
+      <p:sp>
+        <p:nvSpPr>
+          <p:cNvPr id="11" name="Text Placeholder 4">
+            <a:extLst>
+              <a:ext uri="{FF2B5EF4-FFF2-40B4-BE49-F238E27FC236}">
+                <a16:creationId xmlns:a16="http://schemas.microsoft.com/office/drawing/2014/main" id="{EE50FFEE-47E5-4420-90D1-6A348B762938}"/>
+              </a:ext>
+            </a:extLst>
+          </p:cNvPr>
+          <p:cNvSpPr txBox="1">
+            <a:spLocks/>
+          </p:cNvSpPr>
+          <p:nvPr/>
+        </p:nvSpPr>
+        <p:spPr>
+          <a:xfrm>
+            <a:off x="516000" y="2607455"/>
+            <a:ext cx="11177567" cy="461545"/>
+          </a:xfrm>
+          <a:prstGeom prst="rect">
+            <a:avLst/>
+          </a:prstGeom>
+          <a:solidFill>
+            <a:schemeClr val="accent5">
+              <a:lumMod val="40000"/>
+              <a:lumOff val="60000"/>
+              <a:alpha val="15000"/>
+            </a:schemeClr>
+          </a:solidFill>
+          <a:ln w="12700">
+            <a:solidFill>
+              <a:schemeClr val="accent5">
+                <a:lumMod val="60000"/>
+                <a:lumOff val="40000"/>
+              </a:schemeClr>
+            </a:solidFill>
+          </a:ln>
+        </p:spPr>
+        <p:txBody>
+          <a:bodyPr wrap="square">
+            <a:spAutoFit/>
+          </a:bodyPr>
+          <a:lstStyle/>
+          <a:p>
+            <a:pPr>
+              <a:lnSpc>
+                <a:spcPct val="100000"/>
+              </a:lnSpc>
+            </a:pPr>
+            <a:r>
+              <a:rPr lang="en-US" sz="2399" b="1" noProof="1">
+                <a:latin typeface="Consolas" panose="020B0609020204030204" pitchFamily="49" charset="0"/>
+              </a:rPr>
+              <a:t>Install-Package Microsoft.EntityFrameworkCore.SqlServer</a:t>
+            </a:r>
+          </a:p>
+        </p:txBody>
+      </p:sp>
+      <p:sp>
+        <p:nvSpPr>
+          <p:cNvPr id="12" name="Text Placeholder 4">
+            <a:extLst>
+              <a:ext uri="{FF2B5EF4-FFF2-40B4-BE49-F238E27FC236}">
+                <a16:creationId xmlns:a16="http://schemas.microsoft.com/office/drawing/2014/main" id="{549EFF86-643C-DFB5-BB47-246F91C84400}"/>
+              </a:ext>
+            </a:extLst>
+          </p:cNvPr>
+          <p:cNvSpPr txBox="1">
+            <a:spLocks/>
+          </p:cNvSpPr>
+          <p:nvPr/>
+        </p:nvSpPr>
+        <p:spPr>
+          <a:xfrm>
+            <a:off x="516831" y="3974340"/>
+            <a:ext cx="11177567" cy="1569660"/>
+          </a:xfrm>
+          <a:prstGeom prst="rect">
+            <a:avLst/>
+          </a:prstGeom>
+          <a:solidFill>
+            <a:schemeClr val="accent5">
+              <a:lumMod val="40000"/>
+              <a:lumOff val="60000"/>
+              <a:alpha val="15000"/>
+            </a:schemeClr>
+          </a:solidFill>
+          <a:ln w="12700">
+            <a:solidFill>
+              <a:schemeClr val="accent5">
+                <a:lumMod val="60000"/>
+                <a:lumOff val="40000"/>
+              </a:schemeClr>
+            </a:solidFill>
+          </a:ln>
+        </p:spPr>
+        <p:txBody>
+          <a:bodyPr wrap="square">
+            <a:spAutoFit/>
+          </a:bodyPr>
+          <a:lstStyle/>
+          <a:p>
+            <a:pPr>
+              <a:lnSpc>
+                <a:spcPct val="100000"/>
+              </a:lnSpc>
+            </a:pPr>
+            <a:r>
+              <a:rPr lang="en-US" sz="2400" b="1" noProof="1">
+                <a:latin typeface="Consolas" panose="020B0609020204030204" pitchFamily="49" charset="0"/>
+              </a:rPr>
+              <a:t>Scaffold-DbContext -Connection "Server=(localdb)\MSSQLLocalDB;Database=CountriesDb;Integrated Security=True;" -Provider Microsoft.EntityFrameworkCore.SqlServer -OutputDir Data/Models</a:t>
+            </a:r>
+          </a:p>
+        </p:txBody>
+      </p:sp>
+    </p:spTree>
+    <p:extLst>
+      <p:ext uri="{BB962C8B-B14F-4D97-AF65-F5344CB8AC3E}">
+        <p14:creationId xmlns:p14="http://schemas.microsoft.com/office/powerpoint/2010/main" val="4246788545"/>
+      </p:ext>
+    </p:extLst>
+  </p:cSld>
+  <p:clrMapOvr>
+    <a:masterClrMapping/>
+  </p:clrMapOvr>
+  <mc:AlternateContent xmlns:mc="http://schemas.openxmlformats.org/markup-compatibility/2006" xmlns:p14="http://schemas.microsoft.com/office/powerpoint/2010/main">
+    <mc:Choice Requires="p14">
+      <p:transition spd="slow" p14:dur="2000" advClick="0" advTm="5000"/>
+    </mc:Choice>
+    <mc:Fallback xmlns="">
+      <p:transition spd="slow" advClick="0" advTm="5000"/>
+    </mc:Fallback>
+  </mc:AlternateContent>
+  <p:timing>
+    <p:tnLst>
+      <p:par>
+        <p:cTn id="1" dur="indefinite" restart="never" nodeType="tmRoot">
+          <p:childTnLst>
+            <p:seq concurrent="1" nextAc="seek">
+              <p:cTn id="2" dur="indefinite" nodeType="mainSeq">
+                <p:childTnLst>
+                  <p:par>
+                    <p:cTn id="3" fill="hold">
+                      <p:stCondLst>
+                        <p:cond delay="indefinite"/>
+                      </p:stCondLst>
+                      <p:childTnLst>
+                        <p:par>
+                          <p:cTn id="4" fill="hold">
+                            <p:stCondLst>
+                              <p:cond delay="0"/>
+                            </p:stCondLst>
+                            <p:childTnLst>
+                              <p:par>
+                                <p:cTn id="5" presetID="1" presetClass="entr" presetSubtype="0" fill="hold" nodeType="clickEffect">
+                                  <p:stCondLst>
+                                    <p:cond delay="0"/>
+                                  </p:stCondLst>
+                                  <p:childTnLst>
+                                    <p:set>
+                                      <p:cBhvr>
+                                        <p:cTn id="6" dur="1" fill="hold">
+                                          <p:stCondLst>
+                                            <p:cond delay="0"/>
+                                          </p:stCondLst>
+                                        </p:cTn>
+                                        <p:tgtEl>
+                                          <p:spTgt spid="8">
+                                            <p:txEl>
+                                              <p:pRg st="3" end="3"/>
+                                            </p:txEl>
+                                          </p:spTgt>
+                                        </p:tgtEl>
+                                        <p:attrNameLst>
+                                          <p:attrName>style.visibility</p:attrName>
+                                        </p:attrNameLst>
+                                      </p:cBhvr>
+                                      <p:to>
+                                        <p:strVal val="visible"/>
+                                      </p:to>
+                                    </p:set>
+                                  </p:childTnLst>
+                                </p:cTn>
+                              </p:par>
+                            </p:childTnLst>
+                          </p:cTn>
+                        </p:par>
+                      </p:childTnLst>
+                    </p:cTn>
+                  </p:par>
+                  <p:par>
+                    <p:cTn id="7" fill="hold">
+                      <p:stCondLst>
+                        <p:cond delay="indefinite"/>
+                      </p:stCondLst>
+                      <p:childTnLst>
+                        <p:par>
+                          <p:cTn id="8" fill="hold">
+                            <p:stCondLst>
+                              <p:cond delay="0"/>
+                            </p:stCondLst>
+                            <p:childTnLst>
+                              <p:par>
+                                <p:cTn id="9" presetID="1" presetClass="entr" presetSubtype="0" fill="hold" grpId="0" nodeType="clickEffect">
+                                  <p:stCondLst>
+                                    <p:cond delay="0"/>
+                                  </p:stCondLst>
+                                  <p:childTnLst>
+                                    <p:set>
+                                      <p:cBhvr>
+                                        <p:cTn id="10" dur="1" fill="hold">
+                                          <p:stCondLst>
+                                            <p:cond delay="0"/>
+                                          </p:stCondLst>
+                                        </p:cTn>
+                                        <p:tgtEl>
+                                          <p:spTgt spid="10"/>
+                                        </p:tgtEl>
+                                        <p:attrNameLst>
+                                          <p:attrName>style.visibility</p:attrName>
+                                        </p:attrNameLst>
+                                      </p:cBhvr>
+                                      <p:to>
+                                        <p:strVal val="visible"/>
+                                      </p:to>
+                                    </p:set>
+                                  </p:childTnLst>
+                                </p:cTn>
+                              </p:par>
+                            </p:childTnLst>
+                          </p:cTn>
+                        </p:par>
+                      </p:childTnLst>
+                    </p:cTn>
+                  </p:par>
+                  <p:par>
+                    <p:cTn id="11" fill="hold">
+                      <p:stCondLst>
+                        <p:cond delay="indefinite"/>
+                      </p:stCondLst>
+                      <p:childTnLst>
+                        <p:par>
+                          <p:cTn id="12" fill="hold">
+                            <p:stCondLst>
+                              <p:cond delay="0"/>
+                            </p:stCondLst>
+                            <p:childTnLst>
+                              <p:par>
+                                <p:cTn id="13" presetID="1" presetClass="entr" presetSubtype="0" fill="hold" grpId="0" nodeType="clickEffect">
+                                  <p:stCondLst>
+                                    <p:cond delay="0"/>
+                                  </p:stCondLst>
+                                  <p:childTnLst>
+                                    <p:set>
+                                      <p:cBhvr>
+                                        <p:cTn id="14" dur="1" fill="hold">
+                                          <p:stCondLst>
+                                            <p:cond delay="0"/>
+                                          </p:stCondLst>
+                                        </p:cTn>
+                                        <p:tgtEl>
+                                          <p:spTgt spid="11"/>
+                                        </p:tgtEl>
+                                        <p:attrNameLst>
+                                          <p:attrName>style.visibility</p:attrName>
+                                        </p:attrNameLst>
+                                      </p:cBhvr>
+                                      <p:to>
+                                        <p:strVal val="visible"/>
+                                      </p:to>
+                                    </p:set>
+                                  </p:childTnLst>
+                                </p:cTn>
+                              </p:par>
+                            </p:childTnLst>
+                          </p:cTn>
+                        </p:par>
+                      </p:childTnLst>
+                    </p:cTn>
+                  </p:par>
+                  <p:par>
+                    <p:cTn id="15" fill="hold">
+                      <p:stCondLst>
+                        <p:cond delay="indefinite"/>
+                      </p:stCondLst>
+                      <p:childTnLst>
+                        <p:par>
+                          <p:cTn id="16" fill="hold">
+                            <p:stCondLst>
+                              <p:cond delay="0"/>
+                            </p:stCondLst>
+                            <p:childTnLst>
+                              <p:par>
+                                <p:cTn id="17" presetID="1" presetClass="entr" presetSubtype="0" fill="hold" grpId="0" nodeType="clickEffect">
+                                  <p:stCondLst>
+                                    <p:cond delay="0"/>
+                                  </p:stCondLst>
+                                  <p:childTnLst>
+                                    <p:set>
+                                      <p:cBhvr>
+                                        <p:cTn id="18" dur="1" fill="hold">
+                                          <p:stCondLst>
+                                            <p:cond delay="0"/>
+                                          </p:stCondLst>
+                                        </p:cTn>
+                                        <p:tgtEl>
+                                          <p:spTgt spid="12"/>
+                                        </p:tgtEl>
+                                        <p:attrNameLst>
+                                          <p:attrName>style.visibility</p:attrName>
+                                        </p:attrNameLst>
+                                      </p:cBhvr>
+                                      <p:to>
+                                        <p:strVal val="visible"/>
+                                      </p:to>
+                                    </p:set>
+                                  </p:childTnLst>
+                                </p:cTn>
+                              </p:par>
+                            </p:childTnLst>
+                          </p:cTn>
+                        </p:par>
+                      </p:childTnLst>
+                    </p:cTn>
+                  </p:par>
+                </p:childTnLst>
+              </p:cTn>
+              <p:prevCondLst>
+                <p:cond evt="onPrev" delay="0">
+                  <p:tgtEl>
+                    <p:sldTgt/>
+                  </p:tgtEl>
+                </p:cond>
+              </p:prevCondLst>
+              <p:nextCondLst>
+                <p:cond evt="onNext" delay="0">
+                  <p:tgtEl>
+                    <p:sldTgt/>
+                  </p:tgtEl>
+                </p:cond>
+              </p:nextCondLst>
+            </p:seq>
+          </p:childTnLst>
+        </p:cTn>
+      </p:par>
+    </p:tnLst>
+    <p:bldLst>
+      <p:bldP spid="10" grpId="0" animBg="1"/>
+      <p:bldP spid="11" grpId="0" animBg="1"/>
+      <p:bldP spid="12" grpId="0" animBg="1"/>
+    </p:bldLst>
+  </p:timing>
+</p:sld>
+</file>
+
+<file path=ppt/slides/slide26.xml><?xml version="1.0" encoding="utf-8"?>
+<p:sld xmlns:a="http://schemas.openxmlformats.org/drawingml/2006/main" xmlns:r="http://schemas.openxmlformats.org/officeDocument/2006/relationships" xmlns:p="http://schemas.openxmlformats.org/presentationml/2006/main">
+  <p:cSld>
+    <p:spTree>
+      <p:nvGrpSpPr>
+        <p:cNvPr id="1" name="">
+          <a:extLst>
+            <a:ext uri="{FF2B5EF4-FFF2-40B4-BE49-F238E27FC236}">
+              <a16:creationId xmlns:a16="http://schemas.microsoft.com/office/drawing/2014/main" id="{BEB3B8C5-40BC-10C0-BE09-BC043D3D7E72}"/>
+            </a:ext>
+          </a:extLst>
+        </p:cNvPr>
+        <p:cNvGrpSpPr/>
+        <p:nvPr/>
+      </p:nvGrpSpPr>
+      <p:grpSpPr>
+        <a:xfrm>
+          <a:off x="0" y="0"/>
+          <a:ext cx="0" cy="0"/>
+          <a:chOff x="0" y="0"/>
+          <a:chExt cx="0" cy="0"/>
+        </a:xfrm>
+      </p:grpSpPr>
+      <p:sp>
+        <p:nvSpPr>
+          <p:cNvPr id="2" name="Slide Number Placeholder 1">
+            <a:extLst>
+              <a:ext uri="{FF2B5EF4-FFF2-40B4-BE49-F238E27FC236}">
+                <a16:creationId xmlns:a16="http://schemas.microsoft.com/office/drawing/2014/main" id="{97D4AD4F-4BF3-FAA1-75CB-99D88A69A633}"/>
+              </a:ext>
+            </a:extLst>
+          </p:cNvPr>
+          <p:cNvSpPr>
+            <a:spLocks noGrp="1"/>
+          </p:cNvSpPr>
+          <p:nvPr>
+            <p:ph type="sldNum" sz="quarter" idx="5"/>
+          </p:nvPr>
+        </p:nvSpPr>
+        <p:spPr/>
+        <p:txBody>
+          <a:bodyPr/>
+          <a:lstStyle/>
+          <a:p>
+            <a:fld id="{2BF067CD-8E6B-4360-9AA8-C5DF2A48A6D1}" type="slidenum">
+              <a:rPr lang="en-US" noProof="0" smtClean="0"/>
+              <a:pPr/>
+              <a:t>26</a:t>
+            </a:fld>
+            <a:endParaRPr lang="en-US" noProof="0" dirty="0"/>
+          </a:p>
+        </p:txBody>
+      </p:sp>
+      <p:sp>
+        <p:nvSpPr>
+          <p:cNvPr id="3" name="Text Placeholder 2">
+            <a:extLst>
+              <a:ext uri="{FF2B5EF4-FFF2-40B4-BE49-F238E27FC236}">
+                <a16:creationId xmlns:a16="http://schemas.microsoft.com/office/drawing/2014/main" id="{211F2765-D141-788F-5858-D862AE188AF9}"/>
+              </a:ext>
+            </a:extLst>
+          </p:cNvPr>
+          <p:cNvSpPr>
+            <a:spLocks noGrp="1"/>
+          </p:cNvSpPr>
+          <p:nvPr>
+            <p:ph type="body" sz="quarter" idx="10"/>
+          </p:nvPr>
+        </p:nvSpPr>
+        <p:spPr>
+          <a:xfrm>
+            <a:off x="190402" y="1196124"/>
+            <a:ext cx="11755598" cy="5561125"/>
+          </a:xfrm>
+        </p:spPr>
+        <p:txBody>
+          <a:bodyPr>
+            <a:normAutofit/>
+          </a:bodyPr>
+          <a:lstStyle/>
+          <a:p>
+            <a:pPr>
+              <a:lnSpc>
+                <a:spcPct val="110000"/>
+              </a:lnSpc>
+            </a:pPr>
+            <a:r>
+              <a:rPr lang="bg-BG" sz="2800" dirty="0"/>
+              <a:t>Добавяме </a:t>
+            </a:r>
+            <a:r>
+              <a:rPr lang="en-US" sz="2800" b="1" dirty="0"/>
+              <a:t>Data Source</a:t>
+            </a:r>
+            <a:r>
+              <a:rPr lang="en-US" sz="2800" dirty="0"/>
+              <a:t> </a:t>
+            </a:r>
+            <a:r>
+              <a:rPr lang="bg-BG" sz="2800" dirty="0"/>
+              <a:t>към</a:t>
+            </a:r>
+            <a:r>
+              <a:rPr lang="en-US" sz="2800" dirty="0"/>
+              <a:t> </a:t>
+            </a:r>
+            <a:r>
+              <a:rPr lang="bg-BG" sz="2800" dirty="0"/>
+              <a:t>двете </a:t>
+            </a:r>
+            <a:r>
+              <a:rPr lang="en-US" sz="2800" b="1" noProof="1"/>
+              <a:t>DataGridView</a:t>
+            </a:r>
+            <a:r>
+              <a:rPr lang="bg-BG" sz="2800" dirty="0"/>
+              <a:t> контроли</a:t>
+            </a:r>
+            <a:endParaRPr lang="en-US" sz="2800" b="1" dirty="0"/>
+          </a:p>
+          <a:p>
+            <a:pPr lvl="1">
+              <a:lnSpc>
+                <a:spcPct val="110000"/>
+              </a:lnSpc>
+            </a:pPr>
+            <a:r>
+              <a:rPr lang="en-US" sz="2600" b="1" dirty="0">
+                <a:solidFill>
+                  <a:schemeClr val="bg1"/>
+                </a:solidFill>
+                <a:latin typeface="Consolas" panose="020B0609020204030204" pitchFamily="49" charset="0"/>
+                <a:cs typeface="Consolas" panose="020B0609020204030204" pitchFamily="49" charset="0"/>
+              </a:rPr>
+              <a:t>dataGridViewCountries</a:t>
+            </a:r>
+            <a:r>
+              <a:rPr lang="en-US" sz="2600" b="1" dirty="0">
+                <a:solidFill>
+                  <a:schemeClr val="bg1"/>
+                </a:solidFill>
+                <a:latin typeface="Calibri" panose="020F0502020204030204" pitchFamily="34" charset="0"/>
+                <a:cs typeface="Calibri" panose="020F0502020204030204" pitchFamily="34" charset="0"/>
+              </a:rPr>
+              <a:t> </a:t>
+            </a:r>
+            <a:r>
+              <a:rPr lang="en-US" sz="2400" dirty="0">
+                <a:latin typeface="Consolas" panose="020B0609020204030204" pitchFamily="49" charset="0"/>
+                <a:cs typeface="Consolas" panose="020B0609020204030204" pitchFamily="49" charset="0"/>
+                <a:sym typeface="Wingdings" panose="05000000000000000000" pitchFamily="2" charset="2"/>
+              </a:rPr>
+              <a:t></a:t>
+            </a:r>
+            <a:r>
+              <a:rPr lang="en-US" sz="2600" b="1" dirty="0">
+                <a:solidFill>
+                  <a:schemeClr val="bg1"/>
+                </a:solidFill>
+                <a:latin typeface="Calibri" panose="020F0502020204030204" pitchFamily="34" charset="0"/>
+                <a:cs typeface="Calibri" panose="020F0502020204030204" pitchFamily="34" charset="0"/>
+              </a:rPr>
+              <a:t> </a:t>
+            </a:r>
+            <a:r>
+              <a:rPr lang="en-US" sz="2600" b="1" dirty="0">
+                <a:solidFill>
+                  <a:schemeClr val="bg1"/>
+                </a:solidFill>
+                <a:latin typeface="Consolas" panose="020B0609020204030204" pitchFamily="49" charset="0"/>
+                <a:cs typeface="Consolas" panose="020B0609020204030204" pitchFamily="49" charset="0"/>
+              </a:rPr>
+              <a:t>Country</a:t>
+            </a:r>
+            <a:r>
+              <a:rPr lang="en-US" sz="2800" dirty="0">
+                <a:latin typeface="Calibri" panose="020F0502020204030204" pitchFamily="34" charset="0"/>
+                <a:cs typeface="Calibri" panose="020F0502020204030204" pitchFamily="34" charset="0"/>
+                <a:sym typeface="Wingdings" panose="05000000000000000000" pitchFamily="2" charset="2"/>
+              </a:rPr>
+              <a:t> </a:t>
+            </a:r>
+            <a:r>
+              <a:rPr lang="en-US" sz="2800" dirty="0">
+                <a:latin typeface="Consolas" panose="020B0609020204030204" pitchFamily="49" charset="0"/>
+                <a:cs typeface="Consolas" panose="020B0609020204030204" pitchFamily="49" charset="0"/>
+                <a:sym typeface="Wingdings" panose="05000000000000000000" pitchFamily="2" charset="2"/>
+              </a:rPr>
+              <a:t></a:t>
+            </a:r>
+            <a:r>
+              <a:rPr lang="en-US" sz="3200" b="1" dirty="0">
+                <a:solidFill>
+                  <a:schemeClr val="bg1"/>
+                </a:solidFill>
+                <a:latin typeface="Calibri" panose="020F0502020204030204" pitchFamily="34" charset="0"/>
+                <a:cs typeface="Calibri" panose="020F0502020204030204" pitchFamily="34" charset="0"/>
+              </a:rPr>
+              <a:t> </a:t>
+            </a:r>
+            <a:r>
+              <a:rPr lang="en-GB" sz="2800" b="1" noProof="1">
+                <a:solidFill>
+                  <a:schemeClr val="bg1"/>
+                </a:solidFill>
+                <a:latin typeface="Consolas" panose="020B0609020204030204" pitchFamily="49" charset="0"/>
+                <a:cs typeface="Consolas" panose="020B0609020204030204" pitchFamily="49" charset="0"/>
+              </a:rPr>
+              <a:t>countryBindingSource</a:t>
+            </a:r>
+            <a:endParaRPr lang="en-GB" sz="2600" b="1" noProof="1">
+              <a:solidFill>
+                <a:schemeClr val="bg1"/>
+              </a:solidFill>
+              <a:latin typeface="Consolas" panose="020B0609020204030204" pitchFamily="49" charset="0"/>
+              <a:cs typeface="Consolas" panose="020B0609020204030204" pitchFamily="49" charset="0"/>
+            </a:endParaRPr>
+          </a:p>
+          <a:p>
+            <a:pPr lvl="1">
+              <a:lnSpc>
+                <a:spcPct val="110000"/>
+              </a:lnSpc>
+            </a:pPr>
+            <a:r>
+              <a:rPr lang="en-GB" sz="2600" b="1" dirty="0">
+                <a:solidFill>
+                  <a:schemeClr val="bg1"/>
+                </a:solidFill>
+                <a:latin typeface="Consolas" panose="020B0609020204030204" pitchFamily="49" charset="0"/>
+                <a:cs typeface="Consolas" panose="020B0609020204030204" pitchFamily="49" charset="0"/>
+              </a:rPr>
+              <a:t>dataGridViewTowns</a:t>
+            </a:r>
+            <a:r>
+              <a:rPr lang="en-GB" sz="2600" b="1" dirty="0">
+                <a:solidFill>
+                  <a:schemeClr val="bg1"/>
+                </a:solidFill>
+                <a:latin typeface="Calibri" panose="020F0502020204030204" pitchFamily="34" charset="0"/>
+                <a:cs typeface="Calibri" panose="020F0502020204030204" pitchFamily="34" charset="0"/>
+              </a:rPr>
+              <a:t> </a:t>
+            </a:r>
+            <a:r>
+              <a:rPr lang="en-US" sz="2400" dirty="0">
+                <a:sym typeface="Wingdings" panose="05000000000000000000" pitchFamily="2" charset="2"/>
+              </a:rPr>
+              <a:t></a:t>
+            </a:r>
+            <a:r>
+              <a:rPr lang="en-GB" sz="2600" b="1" dirty="0">
+                <a:solidFill>
+                  <a:schemeClr val="bg1"/>
+                </a:solidFill>
+                <a:latin typeface="Calibri" panose="020F0502020204030204" pitchFamily="34" charset="0"/>
+                <a:cs typeface="Calibri" panose="020F0502020204030204" pitchFamily="34" charset="0"/>
+              </a:rPr>
+              <a:t> </a:t>
+            </a:r>
+            <a:r>
+              <a:rPr lang="en-GB" sz="2600" b="1" dirty="0">
+                <a:solidFill>
+                  <a:schemeClr val="bg1"/>
+                </a:solidFill>
+                <a:latin typeface="Consolas" panose="020B0609020204030204" pitchFamily="49" charset="0"/>
+                <a:cs typeface="Consolas" panose="020B0609020204030204" pitchFamily="49" charset="0"/>
+              </a:rPr>
+              <a:t>Town</a:t>
+            </a:r>
+            <a:r>
+              <a:rPr lang="en-US" sz="2800" dirty="0">
+                <a:sym typeface="Wingdings" panose="05000000000000000000" pitchFamily="2" charset="2"/>
+              </a:rPr>
+              <a:t> </a:t>
+            </a:r>
+            <a:r>
+              <a:rPr lang="en-GB" sz="2800" b="1" dirty="0">
+                <a:solidFill>
+                  <a:schemeClr val="bg1"/>
+                </a:solidFill>
+                <a:latin typeface="Calibri" panose="020F0502020204030204" pitchFamily="34" charset="0"/>
+                <a:cs typeface="Calibri" panose="020F0502020204030204" pitchFamily="34" charset="0"/>
+                <a:sym typeface="Wingdings" panose="05000000000000000000" pitchFamily="2" charset="2"/>
+              </a:rPr>
+              <a:t> </a:t>
+            </a:r>
+            <a:r>
+              <a:rPr lang="en-US" sz="2800" b="1" dirty="0">
+                <a:solidFill>
+                  <a:schemeClr val="bg1"/>
+                </a:solidFill>
+                <a:latin typeface="Consolas" panose="020B0609020204030204" pitchFamily="49" charset="0"/>
+                <a:cs typeface="Consolas" panose="020B0609020204030204" pitchFamily="49" charset="0"/>
+              </a:rPr>
+              <a:t>town</a:t>
+            </a:r>
+            <a:r>
+              <a:rPr lang="en-GB" sz="2800" b="1" noProof="1">
+                <a:solidFill>
+                  <a:schemeClr val="bg1"/>
+                </a:solidFill>
+                <a:latin typeface="Consolas" panose="020B0609020204030204" pitchFamily="49" charset="0"/>
+                <a:cs typeface="Consolas" panose="020B0609020204030204" pitchFamily="49" charset="0"/>
+              </a:rPr>
+              <a:t>BindingSource</a:t>
+            </a:r>
+            <a:endParaRPr lang="en-GB" sz="2800" noProof="1">
+              <a:latin typeface="Calibri" panose="020F0502020204030204" pitchFamily="34" charset="0"/>
+              <a:cs typeface="Calibri" panose="020F0502020204030204" pitchFamily="34" charset="0"/>
+            </a:endParaRPr>
+          </a:p>
+        </p:txBody>
+      </p:sp>
+      <p:sp>
+        <p:nvSpPr>
+          <p:cNvPr id="4" name="Title 3">
+            <a:extLst>
+              <a:ext uri="{FF2B5EF4-FFF2-40B4-BE49-F238E27FC236}">
+                <a16:creationId xmlns:a16="http://schemas.microsoft.com/office/drawing/2014/main" id="{6649AF08-6AA0-9526-2999-E3CFC1846E75}"/>
+              </a:ext>
+            </a:extLst>
+          </p:cNvPr>
+          <p:cNvSpPr>
+            <a:spLocks noGrp="1"/>
+          </p:cNvSpPr>
+          <p:nvPr>
+            <p:ph type="title"/>
+          </p:nvPr>
+        </p:nvSpPr>
+        <p:spPr/>
+        <p:txBody>
+          <a:bodyPr/>
+          <a:lstStyle/>
+          <a:p>
+            <a:r>
+              <a:rPr lang="bg-BG" dirty="0"/>
+              <a:t>Свързване с</a:t>
+            </a:r>
+            <a:r>
+              <a:rPr lang="en-US" dirty="0"/>
+              <a:t> </a:t>
+            </a:r>
+            <a:r>
+              <a:rPr lang="bg-BG" dirty="0"/>
+              <a:t>база данни </a:t>
+            </a:r>
+            <a:r>
+              <a:rPr lang="en-US" dirty="0"/>
+              <a:t>EF Core</a:t>
+            </a:r>
+            <a:r>
+              <a:rPr lang="bg-BG" dirty="0"/>
+              <a:t> </a:t>
+            </a:r>
+            <a:r>
+              <a:rPr lang="en-US" dirty="0"/>
+              <a:t>(2)</a:t>
+            </a:r>
+            <a:endParaRPr lang="en-BG" dirty="0"/>
+          </a:p>
+        </p:txBody>
+      </p:sp>
+      <p:pic>
+        <p:nvPicPr>
+          <p:cNvPr id="7" name="Picture 6">
+            <a:extLst>
+              <a:ext uri="{FF2B5EF4-FFF2-40B4-BE49-F238E27FC236}">
+                <a16:creationId xmlns:a16="http://schemas.microsoft.com/office/drawing/2014/main" id="{5634784E-3CB7-2E07-1228-7CBCD82D3A67}"/>
+              </a:ext>
+            </a:extLst>
+          </p:cNvPr>
+          <p:cNvPicPr>
+            <a:picLocks noChangeAspect="1"/>
+          </p:cNvPicPr>
+          <p:nvPr/>
+        </p:nvPicPr>
+        <p:blipFill>
+          <a:blip r:embed="rId3">
+            <a:extLst>
+              <a:ext uri="{28A0092B-C50C-407E-A947-70E740481C1C}">
+                <a14:useLocalDpi xmlns:a14="http://schemas.microsoft.com/office/drawing/2010/main" val="0"/>
+              </a:ext>
+            </a:extLst>
+          </a:blip>
+          <a:stretch>
+            <a:fillRect/>
+          </a:stretch>
+        </p:blipFill>
+        <p:spPr>
+          <a:xfrm>
+            <a:off x="1416000" y="3294001"/>
+            <a:ext cx="4005000" cy="3093293"/>
+          </a:xfrm>
+          <a:prstGeom prst="rect">
+            <a:avLst/>
+          </a:prstGeom>
+          <a:ln>
+            <a:solidFill>
+              <a:schemeClr val="bg2">
+                <a:lumMod val="75000"/>
+              </a:schemeClr>
+            </a:solidFill>
+          </a:ln>
+        </p:spPr>
+      </p:pic>
+      <p:pic>
+        <p:nvPicPr>
+          <p:cNvPr id="9" name="Picture 8">
+            <a:extLst>
+              <a:ext uri="{FF2B5EF4-FFF2-40B4-BE49-F238E27FC236}">
+                <a16:creationId xmlns:a16="http://schemas.microsoft.com/office/drawing/2014/main" id="{87D43F2C-2866-2C2F-5EEC-887269E189CD}"/>
+              </a:ext>
+            </a:extLst>
+          </p:cNvPr>
+          <p:cNvPicPr>
+            <a:picLocks noChangeAspect="1"/>
+          </p:cNvPicPr>
+          <p:nvPr/>
+        </p:nvPicPr>
+        <p:blipFill>
+          <a:blip r:embed="rId4">
+            <a:extLst>
+              <a:ext uri="{28A0092B-C50C-407E-A947-70E740481C1C}">
+                <a14:useLocalDpi xmlns:a14="http://schemas.microsoft.com/office/drawing/2010/main" val="0"/>
+              </a:ext>
+            </a:extLst>
+          </a:blip>
+          <a:stretch>
+            <a:fillRect/>
+          </a:stretch>
+        </p:blipFill>
+        <p:spPr>
+          <a:xfrm>
+            <a:off x="6349258" y="3294001"/>
+            <a:ext cx="4004999" cy="3093292"/>
+          </a:xfrm>
+          <a:prstGeom prst="rect">
+            <a:avLst/>
+          </a:prstGeom>
+          <a:ln>
+            <a:solidFill>
+              <a:schemeClr val="bg2">
+                <a:lumMod val="75000"/>
+              </a:schemeClr>
+            </a:solidFill>
+          </a:ln>
+        </p:spPr>
+      </p:pic>
+    </p:spTree>
+    <p:extLst>
+      <p:ext uri="{BB962C8B-B14F-4D97-AF65-F5344CB8AC3E}">
+        <p14:creationId xmlns:p14="http://schemas.microsoft.com/office/powerpoint/2010/main" val="46546700"/>
+      </p:ext>
+    </p:extLst>
+  </p:cSld>
+  <p:clrMapOvr>
+    <a:masterClrMapping/>
+  </p:clrMapOvr>
+  <mc:AlternateContent xmlns:mc="http://schemas.openxmlformats.org/markup-compatibility/2006">
+    <mc:Choice xmlns:p14="http://schemas.microsoft.com/office/powerpoint/2010/main" Requires="p14">
+      <p:transition spd="slow" p14:dur="2000" advClick="0" advTm="5000"/>
+    </mc:Choice>
+    <mc:Fallback>
+      <p:transition spd="slow" advClick="0" advTm="5000"/>
+    </mc:Fallback>
+  </mc:AlternateContent>
+  <p:timing>
+    <p:tnLst>
+      <p:par>
+        <p:cTn id="1" dur="indefinite" restart="never" nodeType="tmRoot">
+          <p:childTnLst>
+            <p:seq concurrent="1" nextAc="seek">
+              <p:cTn id="2" dur="indefinite" nodeType="mainSeq">
+                <p:childTnLst>
+                  <p:par>
+                    <p:cTn id="3" fill="hold">
+                      <p:stCondLst>
+                        <p:cond delay="indefinite"/>
+                      </p:stCondLst>
+                      <p:childTnLst>
+                        <p:par>
+                          <p:cTn id="4" fill="hold">
+                            <p:stCondLst>
+                              <p:cond delay="0"/>
+                            </p:stCondLst>
+                            <p:childTnLst>
+                              <p:par>
+                                <p:cTn id="5" presetID="1" presetClass="entr" presetSubtype="0" fill="hold" nodeType="clickEffect">
+                                  <p:stCondLst>
+                                    <p:cond delay="0"/>
+                                  </p:stCondLst>
+                                  <p:childTnLst>
+                                    <p:set>
+                                      <p:cBhvr>
+                                        <p:cTn id="6" dur="1" fill="hold">
+                                          <p:stCondLst>
+                                            <p:cond delay="0"/>
+                                          </p:stCondLst>
+                                        </p:cTn>
+                                        <p:tgtEl>
+                                          <p:spTgt spid="3">
+                                            <p:txEl>
+                                              <p:pRg st="0" end="0"/>
+                                            </p:txEl>
+                                          </p:spTgt>
+                                        </p:tgtEl>
+                                        <p:attrNameLst>
+                                          <p:attrName>style.visibility</p:attrName>
+                                        </p:attrNameLst>
+                                      </p:cBhvr>
+                                      <p:to>
+                                        <p:strVal val="visible"/>
+                                      </p:to>
+                                    </p:set>
+                                  </p:childTnLst>
+                                </p:cTn>
+                              </p:par>
+                            </p:childTnLst>
+                          </p:cTn>
+                        </p:par>
+                      </p:childTnLst>
+                    </p:cTn>
+                  </p:par>
+                  <p:par>
+                    <p:cTn id="7" fill="hold">
+                      <p:stCondLst>
+                        <p:cond delay="indefinite"/>
+                      </p:stCondLst>
+                      <p:childTnLst>
+                        <p:par>
+                          <p:cTn id="8" fill="hold">
+                            <p:stCondLst>
+                              <p:cond delay="0"/>
+                            </p:stCondLst>
+                            <p:childTnLst>
+                              <p:par>
+                                <p:cTn id="9" presetID="1" presetClass="entr" presetSubtype="0" fill="hold" nodeType="clickEffect">
+                                  <p:stCondLst>
+                                    <p:cond delay="0"/>
+                                  </p:stCondLst>
+                                  <p:childTnLst>
+                                    <p:set>
+                                      <p:cBhvr>
+                                        <p:cTn id="10" dur="1" fill="hold">
+                                          <p:stCondLst>
+                                            <p:cond delay="0"/>
+                                          </p:stCondLst>
+                                        </p:cTn>
+                                        <p:tgtEl>
+                                          <p:spTgt spid="3">
+                                            <p:txEl>
+                                              <p:pRg st="1" end="1"/>
+                                            </p:txEl>
+                                          </p:spTgt>
+                                        </p:tgtEl>
+                                        <p:attrNameLst>
+                                          <p:attrName>style.visibility</p:attrName>
+                                        </p:attrNameLst>
+                                      </p:cBhvr>
+                                      <p:to>
+                                        <p:strVal val="visible"/>
+                                      </p:to>
+                                    </p:set>
+                                  </p:childTnLst>
+                                </p:cTn>
+                              </p:par>
+                            </p:childTnLst>
+                          </p:cTn>
+                        </p:par>
+                      </p:childTnLst>
+                    </p:cTn>
+                  </p:par>
+                  <p:par>
+                    <p:cTn id="11" fill="hold">
+                      <p:stCondLst>
+                        <p:cond delay="indefinite"/>
+                      </p:stCondLst>
+                      <p:childTnLst>
+                        <p:par>
+                          <p:cTn id="12" fill="hold">
+                            <p:stCondLst>
+                              <p:cond delay="0"/>
+                            </p:stCondLst>
+                            <p:childTnLst>
+                              <p:par>
+                                <p:cTn id="13" presetID="1" presetClass="entr" presetSubtype="0" fill="hold" nodeType="clickEffect">
+                                  <p:stCondLst>
+                                    <p:cond delay="0"/>
+                                  </p:stCondLst>
+                                  <p:childTnLst>
+                                    <p:set>
+                                      <p:cBhvr>
+                                        <p:cTn id="14" dur="1" fill="hold">
+                                          <p:stCondLst>
+                                            <p:cond delay="0"/>
+                                          </p:stCondLst>
+                                        </p:cTn>
+                                        <p:tgtEl>
+                                          <p:spTgt spid="7"/>
+                                        </p:tgtEl>
+                                        <p:attrNameLst>
+                                          <p:attrName>style.visibility</p:attrName>
+                                        </p:attrNameLst>
+                                      </p:cBhvr>
+                                      <p:to>
+                                        <p:strVal val="visible"/>
+                                      </p:to>
+                                    </p:set>
+                                  </p:childTnLst>
+                                </p:cTn>
+                              </p:par>
+                            </p:childTnLst>
+                          </p:cTn>
+                        </p:par>
+                      </p:childTnLst>
+                    </p:cTn>
+                  </p:par>
+                  <p:par>
+                    <p:cTn id="15" fill="hold">
+                      <p:stCondLst>
+                        <p:cond delay="indefinite"/>
+                      </p:stCondLst>
+                      <p:childTnLst>
+                        <p:par>
+                          <p:cTn id="16" fill="hold">
+                            <p:stCondLst>
+                              <p:cond delay="0"/>
+                            </p:stCondLst>
+                            <p:childTnLst>
+                              <p:par>
+                                <p:cTn id="17" presetID="1" presetClass="entr" presetSubtype="0" fill="hold" nodeType="clickEffect">
+                                  <p:stCondLst>
+                                    <p:cond delay="0"/>
+                                  </p:stCondLst>
+                                  <p:childTnLst>
+                                    <p:set>
+                                      <p:cBhvr>
+                                        <p:cTn id="18" dur="1" fill="hold">
+                                          <p:stCondLst>
+                                            <p:cond delay="0"/>
+                                          </p:stCondLst>
+                                        </p:cTn>
+                                        <p:tgtEl>
+                                          <p:spTgt spid="3">
+                                            <p:txEl>
+                                              <p:pRg st="2" end="2"/>
+                                            </p:txEl>
+                                          </p:spTgt>
+                                        </p:tgtEl>
+                                        <p:attrNameLst>
+                                          <p:attrName>style.visibility</p:attrName>
+                                        </p:attrNameLst>
+                                      </p:cBhvr>
+                                      <p:to>
+                                        <p:strVal val="visible"/>
+                                      </p:to>
+                                    </p:set>
+                                  </p:childTnLst>
+                                </p:cTn>
+                              </p:par>
+                            </p:childTnLst>
+                          </p:cTn>
+                        </p:par>
+                      </p:childTnLst>
+                    </p:cTn>
+                  </p:par>
+                  <p:par>
+                    <p:cTn id="19" fill="hold">
+                      <p:stCondLst>
+                        <p:cond delay="indefinite"/>
+                      </p:stCondLst>
+                      <p:childTnLst>
+                        <p:par>
+                          <p:cTn id="20" fill="hold">
+                            <p:stCondLst>
+                              <p:cond delay="0"/>
+                            </p:stCondLst>
+                            <p:childTnLst>
+                              <p:par>
+                                <p:cTn id="21" presetID="1" presetClass="entr" presetSubtype="0" fill="hold" nodeType="clickEffect">
+                                  <p:stCondLst>
+                                    <p:cond delay="0"/>
+                                  </p:stCondLst>
+                                  <p:childTnLst>
+                                    <p:set>
+                                      <p:cBhvr>
+                                        <p:cTn id="22" dur="1" fill="hold">
+                                          <p:stCondLst>
+                                            <p:cond delay="0"/>
+                                          </p:stCondLst>
+                                        </p:cTn>
+                                        <p:tgtEl>
+                                          <p:spTgt spid="9"/>
+                                        </p:tgtEl>
+                                        <p:attrNameLst>
+                                          <p:attrName>style.visibility</p:attrName>
+                                        </p:attrNameLst>
+                                      </p:cBhvr>
+                                      <p:to>
+                                        <p:strVal val="visible"/>
+                                      </p:to>
+                                    </p:set>
+                                  </p:childTnLst>
+                                </p:cTn>
+                              </p:par>
+                            </p:childTnLst>
+                          </p:cTn>
+                        </p:par>
+                      </p:childTnLst>
+                    </p:cTn>
+                  </p:par>
+                </p:childTnLst>
+              </p:cTn>
+              <p:prevCondLst>
+                <p:cond evt="onPrev" delay="0">
+                  <p:tgtEl>
+                    <p:sldTgt/>
+                  </p:tgtEl>
+                </p:cond>
+              </p:prevCondLst>
+              <p:nextCondLst>
+                <p:cond evt="onNext" delay="0">
+                  <p:tgtEl>
+                    <p:sldTgt/>
+                  </p:tgtEl>
+                </p:cond>
+              </p:nextCondLst>
+            </p:seq>
+          </p:childTnLst>
+        </p:cTn>
+      </p:par>
+    </p:tnLst>
+  </p:timing>
+</p:sld>
+</file>
+
+<file path=ppt/slides/slide27.xml><?xml version="1.0" encoding="utf-8"?>
+<p:sld xmlns:a="http://schemas.openxmlformats.org/drawingml/2006/main" xmlns:r="http://schemas.openxmlformats.org/officeDocument/2006/relationships" xmlns:p="http://schemas.openxmlformats.org/presentationml/2006/main">
+  <p:cSld>
+    <p:spTree>
+      <p:nvGrpSpPr>
+        <p:cNvPr id="1" name=""/>
+        <p:cNvGrpSpPr/>
+        <p:nvPr/>
+      </p:nvGrpSpPr>
+      <p:grpSpPr>
+        <a:xfrm>
+          <a:off x="0" y="0"/>
+          <a:ext cx="0" cy="0"/>
+          <a:chOff x="0" y="0"/>
+          <a:chExt cx="0" cy="0"/>
+        </a:xfrm>
+      </p:grpSpPr>
+      <p:sp>
+        <p:nvSpPr>
+          <p:cNvPr id="2" name="Slide Number Placeholder 1">
+            <a:extLst>
+              <a:ext uri="{FF2B5EF4-FFF2-40B4-BE49-F238E27FC236}">
                 <a16:creationId xmlns:a16="http://schemas.microsoft.com/office/drawing/2014/main" id="{17B9613A-E959-7D44-F55D-E718F1D48461}"/>
               </a:ext>
             </a:extLst>
@@ -17054,7 +19018,7 @@
             <a:fld id="{2BF067CD-8E6B-4360-9AA8-C5DF2A48A6D1}" type="slidenum">
               <a:rPr lang="en-US" noProof="0" smtClean="0"/>
               <a:pPr/>
-              <a:t>24</a:t>
+              <a:t>27</a:t>
             </a:fld>
             <a:endParaRPr lang="en-US" noProof="0" dirty="0"/>
           </a:p>
@@ -17519,7 +19483,7 @@
 </p:sld>
 </file>
 
-<file path=ppt/slides/slide25.xml><?xml version="1.0" encoding="utf-8"?>
+<file path=ppt/slides/slide28.xml><?xml version="1.0" encoding="utf-8"?>
 <p:sld xmlns:a="http://schemas.openxmlformats.org/drawingml/2006/main" xmlns:r="http://schemas.openxmlformats.org/officeDocument/2006/relationships" xmlns:p="http://schemas.openxmlformats.org/presentationml/2006/main">
   <p:cSld>
     <p:spTree>
@@ -17560,7 +19524,7 @@
             <a:fld id="{2BF067CD-8E6B-4360-9AA8-C5DF2A48A6D1}" type="slidenum">
               <a:rPr lang="en-US" noProof="0" smtClean="0"/>
               <a:pPr/>
-              <a:t>25</a:t>
+              <a:t>28</a:t>
             </a:fld>
             <a:endParaRPr lang="en-US" noProof="0" dirty="0"/>
           </a:p>
@@ -18158,7 +20122,7 @@
 </p:sld>
 </file>
 
-<file path=ppt/slides/slide26.xml><?xml version="1.0" encoding="utf-8"?>
+<file path=ppt/slides/slide29.xml><?xml version="1.0" encoding="utf-8"?>
 <p:sld xmlns:a="http://schemas.openxmlformats.org/drawingml/2006/main" xmlns:r="http://schemas.openxmlformats.org/officeDocument/2006/relationships" xmlns:p="http://schemas.openxmlformats.org/presentationml/2006/main">
   <p:cSld>
     <p:spTree>
@@ -18199,7 +20163,7 @@
             <a:fld id="{2BF067CD-8E6B-4360-9AA8-C5DF2A48A6D1}" type="slidenum">
               <a:rPr lang="en-US" noProof="0" smtClean="0"/>
               <a:pPr/>
-              <a:t>26</a:t>
+              <a:t>29</a:t>
             </a:fld>
             <a:endParaRPr lang="en-US" noProof="0" dirty="0"/>
           </a:p>
@@ -18693,7 +20657,150 @@
 </p:sld>
 </file>
 
-<file path=ppt/slides/slide27.xml><?xml version="1.0" encoding="utf-8"?>
+<file path=ppt/slides/slide3.xml><?xml version="1.0" encoding="utf-8"?>
+<p:sld xmlns:a="http://schemas.openxmlformats.org/drawingml/2006/main" xmlns:r="http://schemas.openxmlformats.org/officeDocument/2006/relationships" xmlns:p="http://schemas.openxmlformats.org/presentationml/2006/main">
+  <p:cSld>
+    <p:spTree>
+      <p:nvGrpSpPr>
+        <p:cNvPr id="1" name=""/>
+        <p:cNvGrpSpPr/>
+        <p:nvPr/>
+      </p:nvGrpSpPr>
+      <p:grpSpPr>
+        <a:xfrm>
+          <a:off x="0" y="0"/>
+          <a:ext cx="0" cy="0"/>
+          <a:chOff x="0" y="0"/>
+          <a:chExt cx="0" cy="0"/>
+        </a:xfrm>
+      </p:grpSpPr>
+      <p:sp>
+        <p:nvSpPr>
+          <p:cNvPr id="4" name="Slide Subtitle">
+            <a:extLst>
+              <a:ext uri="{FF2B5EF4-FFF2-40B4-BE49-F238E27FC236}">
+                <a16:creationId xmlns:a16="http://schemas.microsoft.com/office/drawing/2014/main" id="{BEB5BB41-09D4-4E9F-8C80-EE8709171CB3}"/>
+              </a:ext>
+            </a:extLst>
+          </p:cNvPr>
+          <p:cNvSpPr>
+            <a:spLocks noGrp="1"/>
+          </p:cNvSpPr>
+          <p:nvPr>
+            <p:ph type="subTitle" sz="quarter" idx="11"/>
+          </p:nvPr>
+        </p:nvSpPr>
+        <p:spPr/>
+        <p:txBody>
+          <a:bodyPr/>
+          <a:lstStyle/>
+          <a:p>
+            <a:r>
+              <a:rPr lang="bg-BG" dirty="0"/>
+              <a:t>Навигация едно към много (</a:t>
+            </a:r>
+            <a:r>
+              <a:rPr lang="en-US" dirty="0"/>
+              <a:t>one-to-many</a:t>
+            </a:r>
+            <a:r>
+              <a:rPr lang="bg-BG" dirty="0"/>
+              <a:t>)</a:t>
+            </a:r>
+          </a:p>
+        </p:txBody>
+      </p:sp>
+      <p:sp>
+        <p:nvSpPr>
+          <p:cNvPr id="6" name="Slide Title">
+            <a:extLst>
+              <a:ext uri="{FF2B5EF4-FFF2-40B4-BE49-F238E27FC236}">
+                <a16:creationId xmlns:a16="http://schemas.microsoft.com/office/drawing/2014/main" id="{028D9EA3-B5E0-4F17-9467-4BE3C280DA68}"/>
+              </a:ext>
+            </a:extLst>
+          </p:cNvPr>
+          <p:cNvSpPr>
+            <a:spLocks noGrp="1"/>
+          </p:cNvSpPr>
+          <p:nvPr>
+            <p:ph type="title" sz="quarter" idx="10"/>
+          </p:nvPr>
+        </p:nvSpPr>
+        <p:spPr/>
+        <p:txBody>
+          <a:bodyPr/>
+          <a:lstStyle/>
+          <a:p>
+            <a:r>
+              <a:rPr lang="en-US" sz="4400" dirty="0"/>
+              <a:t>Master-Detail </a:t>
+            </a:r>
+            <a:r>
+              <a:rPr lang="bg-BG" sz="4400" dirty="0"/>
+              <a:t>навигация</a:t>
+            </a:r>
+            <a:endParaRPr lang="en-US" sz="4400" dirty="0"/>
+          </a:p>
+        </p:txBody>
+      </p:sp>
+      <p:pic>
+        <p:nvPicPr>
+          <p:cNvPr id="3" name="Picture 2">
+            <a:extLst>
+              <a:ext uri="{FF2B5EF4-FFF2-40B4-BE49-F238E27FC236}">
+                <a16:creationId xmlns:a16="http://schemas.microsoft.com/office/drawing/2014/main" id="{3140AC4E-61A8-4E3D-EA31-230A1A7440DC}"/>
+              </a:ext>
+            </a:extLst>
+          </p:cNvPr>
+          <p:cNvPicPr>
+            <a:picLocks noChangeAspect="1"/>
+          </p:cNvPicPr>
+          <p:nvPr/>
+        </p:nvPicPr>
+        <p:blipFill>
+          <a:blip r:embed="rId3" cstate="hqprint">
+            <a:extLst>
+              <a:ext uri="{28A0092B-C50C-407E-A947-70E740481C1C}">
+                <a14:useLocalDpi xmlns:a14="http://schemas.microsoft.com/office/drawing/2010/main" val="0"/>
+              </a:ext>
+            </a:extLst>
+          </a:blip>
+          <a:stretch>
+            <a:fillRect/>
+          </a:stretch>
+        </p:blipFill>
+        <p:spPr>
+          <a:xfrm>
+            <a:off x="4719685" y="1686661"/>
+            <a:ext cx="2752629" cy="1823616"/>
+          </a:xfrm>
+          <a:prstGeom prst="rect">
+            <a:avLst/>
+          </a:prstGeom>
+        </p:spPr>
+      </p:pic>
+    </p:spTree>
+    <p:extLst>
+      <p:ext uri="{BB962C8B-B14F-4D97-AF65-F5344CB8AC3E}">
+        <p14:creationId xmlns:p14="http://schemas.microsoft.com/office/powerpoint/2010/main" val="882194472"/>
+      </p:ext>
+    </p:extLst>
+  </p:cSld>
+  <p:clrMapOvr>
+    <a:masterClrMapping/>
+  </p:clrMapOvr>
+  <mc:AlternateContent xmlns:mc="http://schemas.openxmlformats.org/markup-compatibility/2006" xmlns:p14="http://schemas.microsoft.com/office/powerpoint/2010/main">
+    <mc:Choice Requires="p14">
+      <p:transition spd="slow" p14:dur="2000" advClick="0" advTm="5000"/>
+    </mc:Choice>
+    <mc:Fallback xmlns="">
+      <p:transition spd="slow" advClick="0" advTm="5000"/>
+    </mc:Fallback>
+  </mc:AlternateContent>
+</p:sld>
+</file>
+
+<file path=ppt/slides/slide30.xml><?xml version="1.0" encoding="utf-8"?>
 <p:sld xmlns:a="http://schemas.openxmlformats.org/drawingml/2006/main" xmlns:r="http://schemas.openxmlformats.org/officeDocument/2006/relationships" xmlns:p="http://schemas.openxmlformats.org/presentationml/2006/main">
   <p:cSld>
     <p:spTree>
@@ -18740,7 +20847,7 @@
             <a:fld id="{2BF067CD-8E6B-4360-9AA8-C5DF2A48A6D1}" type="slidenum">
               <a:rPr lang="en-US" noProof="0" smtClean="0"/>
               <a:pPr/>
-              <a:t>27</a:t>
+              <a:t>30</a:t>
             </a:fld>
             <a:endParaRPr lang="en-US" noProof="0" dirty="0"/>
           </a:p>
@@ -19082,7 +21189,7 @@
 </p:sld>
 </file>
 
-<file path=ppt/slides/slide28.xml><?xml version="1.0" encoding="utf-8"?>
+<file path=ppt/slides/slide31.xml><?xml version="1.0" encoding="utf-8"?>
 <p:sld xmlns:a="http://schemas.openxmlformats.org/drawingml/2006/main" xmlns:r="http://schemas.openxmlformats.org/officeDocument/2006/relationships" xmlns:p="http://schemas.openxmlformats.org/presentationml/2006/main">
   <p:cSld>
     <p:spTree>
@@ -19123,7 +21230,7 @@
             <a:fld id="{2BF067CD-8E6B-4360-9AA8-C5DF2A48A6D1}" type="slidenum">
               <a:rPr lang="en-US" noProof="0" smtClean="0"/>
               <a:pPr/>
-              <a:t>28</a:t>
+              <a:t>31</a:t>
             </a:fld>
             <a:endParaRPr lang="en-US" noProof="0" dirty="0"/>
           </a:p>
@@ -19821,7 +21928,7 @@
 </p:sld>
 </file>
 
-<file path=ppt/slides/slide29.xml><?xml version="1.0" encoding="utf-8"?>
+<file path=ppt/slides/slide32.xml><?xml version="1.0" encoding="utf-8"?>
 <p:sld xmlns:a="http://schemas.openxmlformats.org/drawingml/2006/main" xmlns:r="http://schemas.openxmlformats.org/officeDocument/2006/relationships" xmlns:p="http://schemas.openxmlformats.org/presentationml/2006/main">
   <p:cSld>
     <p:spTree>
@@ -19862,7 +21969,7 @@
             <a:fld id="{2BF067CD-8E6B-4360-9AA8-C5DF2A48A6D1}" type="slidenum">
               <a:rPr lang="en-US" noProof="0" smtClean="0"/>
               <a:pPr/>
-              <a:t>29</a:t>
+              <a:t>32</a:t>
             </a:fld>
             <a:endParaRPr lang="en-US" noProof="0" dirty="0"/>
           </a:p>
@@ -20489,150 +22596,7 @@
 </p:sld>
 </file>
 
-<file path=ppt/slides/slide3.xml><?xml version="1.0" encoding="utf-8"?>
-<p:sld xmlns:a="http://schemas.openxmlformats.org/drawingml/2006/main" xmlns:r="http://schemas.openxmlformats.org/officeDocument/2006/relationships" xmlns:p="http://schemas.openxmlformats.org/presentationml/2006/main">
-  <p:cSld>
-    <p:spTree>
-      <p:nvGrpSpPr>
-        <p:cNvPr id="1" name=""/>
-        <p:cNvGrpSpPr/>
-        <p:nvPr/>
-      </p:nvGrpSpPr>
-      <p:grpSpPr>
-        <a:xfrm>
-          <a:off x="0" y="0"/>
-          <a:ext cx="0" cy="0"/>
-          <a:chOff x="0" y="0"/>
-          <a:chExt cx="0" cy="0"/>
-        </a:xfrm>
-      </p:grpSpPr>
-      <p:sp>
-        <p:nvSpPr>
-          <p:cNvPr id="4" name="Slide Subtitle">
-            <a:extLst>
-              <a:ext uri="{FF2B5EF4-FFF2-40B4-BE49-F238E27FC236}">
-                <a16:creationId xmlns:a16="http://schemas.microsoft.com/office/drawing/2014/main" id="{BEB5BB41-09D4-4E9F-8C80-EE8709171CB3}"/>
-              </a:ext>
-            </a:extLst>
-          </p:cNvPr>
-          <p:cNvSpPr>
-            <a:spLocks noGrp="1"/>
-          </p:cNvSpPr>
-          <p:nvPr>
-            <p:ph type="subTitle" sz="quarter" idx="11"/>
-          </p:nvPr>
-        </p:nvSpPr>
-        <p:spPr/>
-        <p:txBody>
-          <a:bodyPr/>
-          <a:lstStyle/>
-          <a:p>
-            <a:r>
-              <a:rPr lang="bg-BG" dirty="0"/>
-              <a:t>Навигация едно към много (</a:t>
-            </a:r>
-            <a:r>
-              <a:rPr lang="en-US" dirty="0"/>
-              <a:t>one-to-many</a:t>
-            </a:r>
-            <a:r>
-              <a:rPr lang="bg-BG" dirty="0"/>
-              <a:t>)</a:t>
-            </a:r>
-          </a:p>
-        </p:txBody>
-      </p:sp>
-      <p:sp>
-        <p:nvSpPr>
-          <p:cNvPr id="6" name="Slide Title">
-            <a:extLst>
-              <a:ext uri="{FF2B5EF4-FFF2-40B4-BE49-F238E27FC236}">
-                <a16:creationId xmlns:a16="http://schemas.microsoft.com/office/drawing/2014/main" id="{028D9EA3-B5E0-4F17-9467-4BE3C280DA68}"/>
-              </a:ext>
-            </a:extLst>
-          </p:cNvPr>
-          <p:cNvSpPr>
-            <a:spLocks noGrp="1"/>
-          </p:cNvSpPr>
-          <p:nvPr>
-            <p:ph type="title" sz="quarter" idx="10"/>
-          </p:nvPr>
-        </p:nvSpPr>
-        <p:spPr/>
-        <p:txBody>
-          <a:bodyPr/>
-          <a:lstStyle/>
-          <a:p>
-            <a:r>
-              <a:rPr lang="en-US" sz="4400" dirty="0"/>
-              <a:t>Master-Detail </a:t>
-            </a:r>
-            <a:r>
-              <a:rPr lang="bg-BG" sz="4400" dirty="0"/>
-              <a:t>навигация</a:t>
-            </a:r>
-            <a:endParaRPr lang="en-US" sz="4400" dirty="0"/>
-          </a:p>
-        </p:txBody>
-      </p:sp>
-      <p:pic>
-        <p:nvPicPr>
-          <p:cNvPr id="3" name="Picture 2">
-            <a:extLst>
-              <a:ext uri="{FF2B5EF4-FFF2-40B4-BE49-F238E27FC236}">
-                <a16:creationId xmlns:a16="http://schemas.microsoft.com/office/drawing/2014/main" id="{3140AC4E-61A8-4E3D-EA31-230A1A7440DC}"/>
-              </a:ext>
-            </a:extLst>
-          </p:cNvPr>
-          <p:cNvPicPr>
-            <a:picLocks noChangeAspect="1"/>
-          </p:cNvPicPr>
-          <p:nvPr/>
-        </p:nvPicPr>
-        <p:blipFill>
-          <a:blip r:embed="rId3" cstate="hqprint">
-            <a:extLst>
-              <a:ext uri="{28A0092B-C50C-407E-A947-70E740481C1C}">
-                <a14:useLocalDpi xmlns:a14="http://schemas.microsoft.com/office/drawing/2010/main" val="0"/>
-              </a:ext>
-            </a:extLst>
-          </a:blip>
-          <a:stretch>
-            <a:fillRect/>
-          </a:stretch>
-        </p:blipFill>
-        <p:spPr>
-          <a:xfrm>
-            <a:off x="4719685" y="1686661"/>
-            <a:ext cx="2752629" cy="1823616"/>
-          </a:xfrm>
-          <a:prstGeom prst="rect">
-            <a:avLst/>
-          </a:prstGeom>
-        </p:spPr>
-      </p:pic>
-    </p:spTree>
-    <p:extLst>
-      <p:ext uri="{BB962C8B-B14F-4D97-AF65-F5344CB8AC3E}">
-        <p14:creationId xmlns:p14="http://schemas.microsoft.com/office/powerpoint/2010/main" val="882194472"/>
-      </p:ext>
-    </p:extLst>
-  </p:cSld>
-  <p:clrMapOvr>
-    <a:masterClrMapping/>
-  </p:clrMapOvr>
-  <mc:AlternateContent xmlns:mc="http://schemas.openxmlformats.org/markup-compatibility/2006" xmlns:p14="http://schemas.microsoft.com/office/powerpoint/2010/main">
-    <mc:Choice Requires="p14">
-      <p:transition spd="slow" p14:dur="2000" advClick="0" advTm="5000"/>
-    </mc:Choice>
-    <mc:Fallback xmlns="">
-      <p:transition spd="slow" advClick="0" advTm="5000"/>
-    </mc:Fallback>
-  </mc:AlternateContent>
-</p:sld>
-</file>
-
-<file path=ppt/slides/slide30.xml><?xml version="1.0" encoding="utf-8"?>
+<file path=ppt/slides/slide33.xml><?xml version="1.0" encoding="utf-8"?>
 <p:sld xmlns:a="http://schemas.openxmlformats.org/drawingml/2006/main" xmlns:r="http://schemas.openxmlformats.org/officeDocument/2006/relationships" xmlns:p="http://schemas.openxmlformats.org/presentationml/2006/main">
   <p:cSld>
     <p:spTree>
@@ -20673,7 +22637,7 @@
             <a:fld id="{2BF067CD-8E6B-4360-9AA8-C5DF2A48A6D1}" type="slidenum">
               <a:rPr lang="en-US" noProof="0" smtClean="0"/>
               <a:pPr/>
-              <a:t>30</a:t>
+              <a:t>33</a:t>
             </a:fld>
             <a:endParaRPr lang="en-US" noProof="0" dirty="0"/>
           </a:p>
@@ -21054,7 +23018,7 @@
 </p:sld>
 </file>
 
-<file path=ppt/slides/slide31.xml><?xml version="1.0" encoding="utf-8"?>
+<file path=ppt/slides/slide34.xml><?xml version="1.0" encoding="utf-8"?>
 <p:sld xmlns:a="http://schemas.openxmlformats.org/drawingml/2006/main" xmlns:r="http://schemas.openxmlformats.org/officeDocument/2006/relationships" xmlns:p="http://schemas.openxmlformats.org/presentationml/2006/main">
   <p:cSld>
     <p:spTree>
@@ -21095,7 +23059,7 @@
             <a:fld id="{2BF067CD-8E6B-4360-9AA8-C5DF2A48A6D1}" type="slidenum">
               <a:rPr lang="en-US" noProof="0" smtClean="0"/>
               <a:pPr/>
-              <a:t>31</a:t>
+              <a:t>34</a:t>
             </a:fld>
             <a:endParaRPr lang="en-US" noProof="0" dirty="0"/>
           </a:p>
@@ -21880,7 +23844,7 @@
 </p:sld>
 </file>
 
-<file path=ppt/slides/slide32.xml><?xml version="1.0" encoding="utf-8"?>
+<file path=ppt/slides/slide35.xml><?xml version="1.0" encoding="utf-8"?>
 <p:sld xmlns:a="http://schemas.openxmlformats.org/drawingml/2006/main" xmlns:r="http://schemas.openxmlformats.org/officeDocument/2006/relationships" xmlns:p="http://schemas.openxmlformats.org/presentationml/2006/main">
   <p:cSld>
     <p:spTree>
@@ -21921,7 +23885,7 @@
             <a:fld id="{2BF067CD-8E6B-4360-9AA8-C5DF2A48A6D1}" type="slidenum">
               <a:rPr lang="en-US" noProof="0" smtClean="0"/>
               <a:pPr/>
-              <a:t>32</a:t>
+              <a:t>35</a:t>
             </a:fld>
             <a:endParaRPr lang="en-US" noProof="0" dirty="0"/>
           </a:p>
@@ -22325,7 +24289,7 @@
 </p:sld>
 </file>
 
-<file path=ppt/slides/slide33.xml><?xml version="1.0" encoding="utf-8"?>
+<file path=ppt/slides/slide36.xml><?xml version="1.0" encoding="utf-8"?>
 <p:sld xmlns:a="http://schemas.openxmlformats.org/drawingml/2006/main" xmlns:r="http://schemas.openxmlformats.org/officeDocument/2006/relationships" xmlns:p="http://schemas.openxmlformats.org/presentationml/2006/main">
   <p:cSld>
     <p:spTree>
@@ -22366,7 +24330,7 @@
             <a:fld id="{2BF067CD-8E6B-4360-9AA8-C5DF2A48A6D1}" type="slidenum">
               <a:rPr lang="en-US" noProof="0" smtClean="0"/>
               <a:pPr/>
-              <a:t>33</a:t>
+              <a:t>36</a:t>
             </a:fld>
             <a:endParaRPr lang="en-US" noProof="0" dirty="0"/>
           </a:p>
@@ -22834,7 +24798,7 @@
 </p:sld>
 </file>
 
-<file path=ppt/slides/slide34.xml><?xml version="1.0" encoding="utf-8"?>
+<file path=ppt/slides/slide37.xml><?xml version="1.0" encoding="utf-8"?>
 <p:sld xmlns:a="http://schemas.openxmlformats.org/drawingml/2006/main" xmlns:r="http://schemas.openxmlformats.org/officeDocument/2006/relationships" xmlns:p="http://schemas.openxmlformats.org/presentationml/2006/main">
   <p:cSld>
     <p:spTree>
@@ -22875,7 +24839,7 @@
             <a:fld id="{2BF067CD-8E6B-4360-9AA8-C5DF2A48A6D1}" type="slidenum">
               <a:rPr lang="en-US" noProof="0" smtClean="0"/>
               <a:pPr/>
-              <a:t>34</a:t>
+              <a:t>37</a:t>
             </a:fld>
             <a:endParaRPr lang="en-US" noProof="0" dirty="0"/>
           </a:p>
@@ -23236,7 +25200,7 @@
 </p:sld>
 </file>
 
-<file path=ppt/slides/slide35.xml><?xml version="1.0" encoding="utf-8"?>
+<file path=ppt/slides/slide38.xml><?xml version="1.0" encoding="utf-8"?>
 <p:sld xmlns:a="http://schemas.openxmlformats.org/drawingml/2006/main" xmlns:r="http://schemas.openxmlformats.org/officeDocument/2006/relationships" xmlns:p="http://schemas.openxmlformats.org/presentationml/2006/main">
   <p:cSld>
     <p:spTree>
@@ -23277,7 +25241,7 @@
             <a:fld id="{2BF067CD-8E6B-4360-9AA8-C5DF2A48A6D1}" type="slidenum">
               <a:rPr lang="en-US" noProof="0" smtClean="0"/>
               <a:pPr/>
-              <a:t>35</a:t>
+              <a:t>38</a:t>
             </a:fld>
             <a:endParaRPr lang="en-US" noProof="0" dirty="0"/>
           </a:p>
@@ -23600,7 +25564,7 @@
 </p:sld>
 </file>
 
-<file path=ppt/slides/slide36.xml><?xml version="1.0" encoding="utf-8"?>
+<file path=ppt/slides/slide39.xml><?xml version="1.0" encoding="utf-8"?>
 <p:sld xmlns:a="http://schemas.openxmlformats.org/drawingml/2006/main" xmlns:r="http://schemas.openxmlformats.org/officeDocument/2006/relationships" xmlns:p="http://schemas.openxmlformats.org/presentationml/2006/main">
   <p:cSld>
     <p:spTree>
@@ -23641,7 +25605,7 @@
             <a:fld id="{2BF067CD-8E6B-4360-9AA8-C5DF2A48A6D1}" type="slidenum">
               <a:rPr lang="en-US" noProof="0" smtClean="0"/>
               <a:pPr/>
-              <a:t>36</a:t>
+              <a:t>39</a:t>
             </a:fld>
             <a:endParaRPr lang="en-US" noProof="0" dirty="0"/>
           </a:p>
@@ -23864,7 +25828,422 @@
 </p:sld>
 </file>
 
-<file path=ppt/slides/slide37.xml><?xml version="1.0" encoding="utf-8"?>
+<file path=ppt/slides/slide4.xml><?xml version="1.0" encoding="utf-8"?>
+<p:sld xmlns:a="http://schemas.openxmlformats.org/drawingml/2006/main" xmlns:r="http://schemas.openxmlformats.org/officeDocument/2006/relationships" xmlns:p="http://schemas.openxmlformats.org/presentationml/2006/main">
+  <p:cSld>
+    <p:spTree>
+      <p:nvGrpSpPr>
+        <p:cNvPr id="1" name=""/>
+        <p:cNvGrpSpPr/>
+        <p:nvPr/>
+      </p:nvGrpSpPr>
+      <p:grpSpPr>
+        <a:xfrm>
+          <a:off x="0" y="0"/>
+          <a:ext cx="0" cy="0"/>
+          <a:chOff x="0" y="0"/>
+          <a:chExt cx="0" cy="0"/>
+        </a:xfrm>
+      </p:grpSpPr>
+      <p:sp>
+        <p:nvSpPr>
+          <p:cNvPr id="2" name="Slide Number Placeholder 1">
+            <a:extLst>
+              <a:ext uri="{FF2B5EF4-FFF2-40B4-BE49-F238E27FC236}">
+                <a16:creationId xmlns:a16="http://schemas.microsoft.com/office/drawing/2014/main" id="{CCAABC86-82E0-F099-701A-D4347B605385}"/>
+              </a:ext>
+            </a:extLst>
+          </p:cNvPr>
+          <p:cNvSpPr>
+            <a:spLocks noGrp="1"/>
+          </p:cNvSpPr>
+          <p:nvPr>
+            <p:ph type="sldNum" sz="quarter" idx="5"/>
+          </p:nvPr>
+        </p:nvSpPr>
+        <p:spPr/>
+        <p:txBody>
+          <a:bodyPr/>
+          <a:lstStyle/>
+          <a:p>
+            <a:fld id="{2BF067CD-8E6B-4360-9AA8-C5DF2A48A6D1}" type="slidenum">
+              <a:rPr lang="en-US" noProof="0" smtClean="0"/>
+              <a:pPr/>
+              <a:t>4</a:t>
+            </a:fld>
+            <a:endParaRPr lang="en-US" noProof="0" dirty="0"/>
+          </a:p>
+        </p:txBody>
+      </p:sp>
+      <p:sp>
+        <p:nvSpPr>
+          <p:cNvPr id="3" name="Text Placeholder 2">
+            <a:extLst>
+              <a:ext uri="{FF2B5EF4-FFF2-40B4-BE49-F238E27FC236}">
+                <a16:creationId xmlns:a16="http://schemas.microsoft.com/office/drawing/2014/main" id="{AF367921-F078-03B6-1871-8074AB730CB2}"/>
+              </a:ext>
+            </a:extLst>
+          </p:cNvPr>
+          <p:cNvSpPr>
+            <a:spLocks noGrp="1"/>
+          </p:cNvSpPr>
+          <p:nvPr>
+            <p:ph type="body" sz="quarter" idx="10"/>
+          </p:nvPr>
+        </p:nvSpPr>
+        <p:spPr>
+          <a:xfrm>
+            <a:off x="190402" y="1196125"/>
+            <a:ext cx="6580598" cy="5528766"/>
+          </a:xfrm>
+        </p:spPr>
+        <p:txBody>
+          <a:bodyPr>
+            <a:normAutofit/>
+          </a:bodyPr>
+          <a:lstStyle/>
+          <a:p>
+            <a:r>
+              <a:rPr lang="bg-BG" sz="3400" dirty="0"/>
+              <a:t>Метод за </a:t>
+            </a:r>
+            <a:r>
+              <a:rPr lang="bg-BG" sz="3400" b="1" dirty="0"/>
+              <a:t>визуализиране</a:t>
+            </a:r>
+            <a:r>
+              <a:rPr lang="bg-BG" sz="3400" dirty="0"/>
+              <a:t> на </a:t>
+            </a:r>
+            <a:r>
+              <a:rPr lang="bg-BG" sz="3400" b="1" dirty="0"/>
+              <a:t>взаимоотношения</a:t>
+            </a:r>
+            <a:r>
+              <a:rPr lang="bg-BG" sz="3400" dirty="0"/>
+              <a:t> от тип </a:t>
+            </a:r>
+            <a:r>
+              <a:rPr lang="en-US" sz="3400" dirty="0"/>
+              <a:t>"</a:t>
+            </a:r>
+            <a:r>
+              <a:rPr lang="bg-BG" sz="3400" b="1" dirty="0">
+                <a:solidFill>
+                  <a:schemeClr val="bg1"/>
+                </a:solidFill>
+              </a:rPr>
+              <a:t>едно към много</a:t>
+            </a:r>
+            <a:r>
+              <a:rPr lang="en-US" sz="3400" dirty="0"/>
+              <a:t>"</a:t>
+            </a:r>
+            <a:r>
+              <a:rPr lang="bg-BG" sz="3400" dirty="0"/>
+              <a:t> </a:t>
+            </a:r>
+            <a:r>
+              <a:rPr lang="en-US" sz="3400" b="1" dirty="0"/>
+              <a:t>(one-to-many)</a:t>
+            </a:r>
+            <a:endParaRPr lang="bg-BG" sz="3400" b="1" dirty="0"/>
+          </a:p>
+          <a:p>
+            <a:r>
+              <a:rPr lang="en-US" sz="3400" b="1" dirty="0"/>
+              <a:t>Master</a:t>
+            </a:r>
+            <a:r>
+              <a:rPr lang="en-US" sz="3400" dirty="0"/>
+              <a:t> </a:t>
+            </a:r>
+            <a:r>
+              <a:rPr lang="bg-BG" sz="3400" dirty="0"/>
+              <a:t>съдържа </a:t>
+            </a:r>
+            <a:r>
+              <a:rPr lang="bg-BG" sz="3400" b="1" dirty="0">
+                <a:solidFill>
+                  <a:schemeClr val="bg1"/>
+                </a:solidFill>
+              </a:rPr>
+              <a:t>основни данни</a:t>
+            </a:r>
+          </a:p>
+          <a:p>
+            <a:r>
+              <a:rPr lang="en-US" sz="3400" b="1" dirty="0"/>
+              <a:t>Detail</a:t>
+            </a:r>
+            <a:r>
+              <a:rPr lang="en-US" sz="3400" dirty="0"/>
+              <a:t> </a:t>
+            </a:r>
+            <a:r>
+              <a:rPr lang="bg-BG" sz="3400" dirty="0"/>
+              <a:t>съдържа </a:t>
+            </a:r>
+            <a:r>
+              <a:rPr lang="bg-BG" sz="3400" b="1" dirty="0">
+                <a:solidFill>
+                  <a:schemeClr val="bg1"/>
+                </a:solidFill>
+              </a:rPr>
+              <a:t>свързани</a:t>
+            </a:r>
+            <a:r>
+              <a:rPr lang="bg-BG" sz="3400" dirty="0"/>
+              <a:t> с </a:t>
+            </a:r>
+            <a:r>
+              <a:rPr lang="en-US" sz="3400" b="1" dirty="0"/>
+              <a:t>Master</a:t>
+            </a:r>
+            <a:r>
+              <a:rPr lang="en-US" sz="3400" dirty="0"/>
+              <a:t> </a:t>
+            </a:r>
+            <a:r>
+              <a:rPr lang="bg-BG" sz="3400" b="1" dirty="0">
+                <a:solidFill>
+                  <a:schemeClr val="bg1"/>
+                </a:solidFill>
+              </a:rPr>
+              <a:t>данни</a:t>
+            </a:r>
+            <a:endParaRPr lang="en-BG" sz="3400" b="1" dirty="0">
+              <a:solidFill>
+                <a:schemeClr val="bg1"/>
+              </a:solidFill>
+            </a:endParaRPr>
+          </a:p>
+        </p:txBody>
+      </p:sp>
+      <p:sp>
+        <p:nvSpPr>
+          <p:cNvPr id="4" name="Title 3">
+            <a:extLst>
+              <a:ext uri="{FF2B5EF4-FFF2-40B4-BE49-F238E27FC236}">
+                <a16:creationId xmlns:a16="http://schemas.microsoft.com/office/drawing/2014/main" id="{67B6A643-676D-3506-B008-B24B36AA34F1}"/>
+              </a:ext>
+            </a:extLst>
+          </p:cNvPr>
+          <p:cNvSpPr>
+            <a:spLocks noGrp="1"/>
+          </p:cNvSpPr>
+          <p:nvPr>
+            <p:ph type="title"/>
+          </p:nvPr>
+        </p:nvSpPr>
+        <p:spPr/>
+        <p:txBody>
+          <a:bodyPr>
+            <a:normAutofit/>
+          </a:bodyPr>
+          <a:lstStyle/>
+          <a:p>
+            <a:r>
+              <a:rPr lang="bg-BG" dirty="0"/>
+              <a:t>Какво е </a:t>
+            </a:r>
+            <a:r>
+              <a:rPr lang="en-GB" dirty="0"/>
+              <a:t>Master-Detail </a:t>
+            </a:r>
+            <a:r>
+              <a:rPr lang="bg-BG" dirty="0"/>
+              <a:t>навигация?</a:t>
+            </a:r>
+            <a:endParaRPr lang="en-BG" dirty="0"/>
+          </a:p>
+        </p:txBody>
+      </p:sp>
+      <p:pic>
+        <p:nvPicPr>
+          <p:cNvPr id="5" name="Picture 4">
+            <a:extLst>
+              <a:ext uri="{FF2B5EF4-FFF2-40B4-BE49-F238E27FC236}">
+                <a16:creationId xmlns:a16="http://schemas.microsoft.com/office/drawing/2014/main" id="{A9B13DB8-4E30-1009-E13E-CF82673F6723}"/>
+              </a:ext>
+            </a:extLst>
+          </p:cNvPr>
+          <p:cNvPicPr>
+            <a:picLocks noChangeAspect="1"/>
+          </p:cNvPicPr>
+          <p:nvPr/>
+        </p:nvPicPr>
+        <p:blipFill>
+          <a:blip r:embed="rId2">
+            <a:extLst>
+              <a:ext uri="{28A0092B-C50C-407E-A947-70E740481C1C}">
+                <a14:useLocalDpi xmlns:a14="http://schemas.microsoft.com/office/drawing/2010/main" val="0"/>
+              </a:ext>
+            </a:extLst>
+          </a:blip>
+          <a:srcRect/>
+          <a:stretch/>
+        </p:blipFill>
+        <p:spPr>
+          <a:xfrm>
+            <a:off x="6640647" y="1462654"/>
+            <a:ext cx="5112383" cy="4995708"/>
+          </a:xfrm>
+          <a:prstGeom prst="rect">
+            <a:avLst/>
+          </a:prstGeom>
+        </p:spPr>
+      </p:pic>
+    </p:spTree>
+    <p:extLst>
+      <p:ext uri="{BB962C8B-B14F-4D97-AF65-F5344CB8AC3E}">
+        <p14:creationId xmlns:p14="http://schemas.microsoft.com/office/powerpoint/2010/main" val="1145226719"/>
+      </p:ext>
+    </p:extLst>
+  </p:cSld>
+  <p:clrMapOvr>
+    <a:masterClrMapping/>
+  </p:clrMapOvr>
+  <mc:AlternateContent xmlns:mc="http://schemas.openxmlformats.org/markup-compatibility/2006" xmlns:p14="http://schemas.microsoft.com/office/powerpoint/2010/main">
+    <mc:Choice Requires="p14">
+      <p:transition spd="slow" p14:dur="2000" advClick="0" advTm="5000"/>
+    </mc:Choice>
+    <mc:Fallback xmlns="">
+      <p:transition spd="slow" advClick="0" advTm="5000"/>
+    </mc:Fallback>
+  </mc:AlternateContent>
+  <p:timing>
+    <p:tnLst>
+      <p:par>
+        <p:cTn id="1" dur="indefinite" restart="never" nodeType="tmRoot">
+          <p:childTnLst>
+            <p:seq concurrent="1" nextAc="seek">
+              <p:cTn id="2" dur="indefinite" nodeType="mainSeq">
+                <p:childTnLst>
+                  <p:par>
+                    <p:cTn id="3" fill="hold">
+                      <p:stCondLst>
+                        <p:cond delay="indefinite"/>
+                      </p:stCondLst>
+                      <p:childTnLst>
+                        <p:par>
+                          <p:cTn id="4" fill="hold">
+                            <p:stCondLst>
+                              <p:cond delay="0"/>
+                            </p:stCondLst>
+                            <p:childTnLst>
+                              <p:par>
+                                <p:cTn id="5" presetID="1" presetClass="entr" presetSubtype="0" fill="hold" nodeType="clickEffect">
+                                  <p:stCondLst>
+                                    <p:cond delay="0"/>
+                                  </p:stCondLst>
+                                  <p:childTnLst>
+                                    <p:set>
+                                      <p:cBhvr>
+                                        <p:cTn id="6" dur="1" fill="hold">
+                                          <p:stCondLst>
+                                            <p:cond delay="0"/>
+                                          </p:stCondLst>
+                                        </p:cTn>
+                                        <p:tgtEl>
+                                          <p:spTgt spid="3">
+                                            <p:txEl>
+                                              <p:pRg st="1" end="1"/>
+                                            </p:txEl>
+                                          </p:spTgt>
+                                        </p:tgtEl>
+                                        <p:attrNameLst>
+                                          <p:attrName>style.visibility</p:attrName>
+                                        </p:attrNameLst>
+                                      </p:cBhvr>
+                                      <p:to>
+                                        <p:strVal val="visible"/>
+                                      </p:to>
+                                    </p:set>
+                                  </p:childTnLst>
+                                </p:cTn>
+                              </p:par>
+                            </p:childTnLst>
+                          </p:cTn>
+                        </p:par>
+                      </p:childTnLst>
+                    </p:cTn>
+                  </p:par>
+                  <p:par>
+                    <p:cTn id="7" fill="hold">
+                      <p:stCondLst>
+                        <p:cond delay="indefinite"/>
+                      </p:stCondLst>
+                      <p:childTnLst>
+                        <p:par>
+                          <p:cTn id="8" fill="hold">
+                            <p:stCondLst>
+                              <p:cond delay="0"/>
+                            </p:stCondLst>
+                            <p:childTnLst>
+                              <p:par>
+                                <p:cTn id="9" presetID="1" presetClass="entr" presetSubtype="0" fill="hold" nodeType="clickEffect">
+                                  <p:stCondLst>
+                                    <p:cond delay="0"/>
+                                  </p:stCondLst>
+                                  <p:childTnLst>
+                                    <p:set>
+                                      <p:cBhvr>
+                                        <p:cTn id="10" dur="1" fill="hold">
+                                          <p:stCondLst>
+                                            <p:cond delay="0"/>
+                                          </p:stCondLst>
+                                        </p:cTn>
+                                        <p:tgtEl>
+                                          <p:spTgt spid="3">
+                                            <p:txEl>
+                                              <p:pRg st="2" end="2"/>
+                                            </p:txEl>
+                                          </p:spTgt>
+                                        </p:tgtEl>
+                                        <p:attrNameLst>
+                                          <p:attrName>style.visibility</p:attrName>
+                                        </p:attrNameLst>
+                                      </p:cBhvr>
+                                      <p:to>
+                                        <p:strVal val="visible"/>
+                                      </p:to>
+                                    </p:set>
+                                  </p:childTnLst>
+                                </p:cTn>
+                              </p:par>
+                            </p:childTnLst>
+                          </p:cTn>
+                        </p:par>
+                      </p:childTnLst>
+                    </p:cTn>
+                  </p:par>
+                </p:childTnLst>
+              </p:cTn>
+              <p:prevCondLst>
+                <p:cond evt="onPrev" delay="0">
+                  <p:tgtEl>
+                    <p:sldTgt/>
+                  </p:tgtEl>
+                </p:cond>
+              </p:prevCondLst>
+              <p:nextCondLst>
+                <p:cond evt="onNext" delay="0">
+                  <p:tgtEl>
+                    <p:sldTgt/>
+                  </p:tgtEl>
+                </p:cond>
+              </p:nextCondLst>
+            </p:seq>
+          </p:childTnLst>
+        </p:cTn>
+      </p:par>
+    </p:tnLst>
+  </p:timing>
+</p:sld>
+</file>
+
+<file path=ppt/slides/slide40.xml><?xml version="1.0" encoding="utf-8"?>
 <p:sld xmlns:a="http://schemas.openxmlformats.org/drawingml/2006/main" xmlns:r="http://schemas.openxmlformats.org/officeDocument/2006/relationships" xmlns:p="http://schemas.openxmlformats.org/presentationml/2006/main">
   <p:cSld>
     <p:spTree>
@@ -24417,7 +26796,7 @@
             <a:fld id="{2BF067CD-8E6B-4360-9AA8-C5DF2A48A6D1}" type="slidenum">
               <a:rPr lang="en-US" noProof="0" smtClean="0"/>
               <a:pPr/>
-              <a:t>37</a:t>
+              <a:t>40</a:t>
             </a:fld>
             <a:endParaRPr lang="en-US" noProof="0" dirty="0"/>
           </a:p>
@@ -24719,7 +27098,7 @@
 </p:sld>
 </file>
 
-<file path=ppt/slides/slide38.xml><?xml version="1.0" encoding="utf-8"?>
+<file path=ppt/slides/slide41.xml><?xml version="1.0" encoding="utf-8"?>
 <p:sld xmlns:a="http://schemas.openxmlformats.org/drawingml/2006/main" xmlns:r="http://schemas.openxmlformats.org/officeDocument/2006/relationships" xmlns:p="http://schemas.openxmlformats.org/presentationml/2006/main">
   <p:cSld>
     <p:spTree>
@@ -24909,7 +27288,7 @@
 </p:sld>
 </file>
 
-<file path=ppt/slides/slide39.xml><?xml version="1.0" encoding="utf-8"?>
+<file path=ppt/slides/slide42.xml><?xml version="1.0" encoding="utf-8"?>
 <p:sld xmlns:a="http://schemas.openxmlformats.org/drawingml/2006/main" xmlns:r="http://schemas.openxmlformats.org/officeDocument/2006/relationships" xmlns:p="http://schemas.openxmlformats.org/presentationml/2006/main" show="0">
   <p:cSld>
     <p:spTree>
@@ -24962,7 +27341,7 @@
             <a:fld id="{2BF067CD-8E6B-4360-9AA8-C5DF2A48A6D1}" type="slidenum">
               <a:rPr lang="en-US" smtClean="0"/>
               <a:pPr/>
-              <a:t>39</a:t>
+              <a:t>42</a:t>
             </a:fld>
             <a:endParaRPr lang="en-US" dirty="0"/>
           </a:p>
@@ -25289,421 +27668,6 @@
       <p:transition spd="slow" advClick="0" advTm="5000"/>
     </mc:Fallback>
   </mc:AlternateContent>
-</p:sld>
-</file>
-
-<file path=ppt/slides/slide4.xml><?xml version="1.0" encoding="utf-8"?>
-<p:sld xmlns:a="http://schemas.openxmlformats.org/drawingml/2006/main" xmlns:r="http://schemas.openxmlformats.org/officeDocument/2006/relationships" xmlns:p="http://schemas.openxmlformats.org/presentationml/2006/main">
-  <p:cSld>
-    <p:spTree>
-      <p:nvGrpSpPr>
-        <p:cNvPr id="1" name=""/>
-        <p:cNvGrpSpPr/>
-        <p:nvPr/>
-      </p:nvGrpSpPr>
-      <p:grpSpPr>
-        <a:xfrm>
-          <a:off x="0" y="0"/>
-          <a:ext cx="0" cy="0"/>
-          <a:chOff x="0" y="0"/>
-          <a:chExt cx="0" cy="0"/>
-        </a:xfrm>
-      </p:grpSpPr>
-      <p:sp>
-        <p:nvSpPr>
-          <p:cNvPr id="2" name="Slide Number Placeholder 1">
-            <a:extLst>
-              <a:ext uri="{FF2B5EF4-FFF2-40B4-BE49-F238E27FC236}">
-                <a16:creationId xmlns:a16="http://schemas.microsoft.com/office/drawing/2014/main" id="{CCAABC86-82E0-F099-701A-D4347B605385}"/>
-              </a:ext>
-            </a:extLst>
-          </p:cNvPr>
-          <p:cNvSpPr>
-            <a:spLocks noGrp="1"/>
-          </p:cNvSpPr>
-          <p:nvPr>
-            <p:ph type="sldNum" sz="quarter" idx="5"/>
-          </p:nvPr>
-        </p:nvSpPr>
-        <p:spPr/>
-        <p:txBody>
-          <a:bodyPr/>
-          <a:lstStyle/>
-          <a:p>
-            <a:fld id="{2BF067CD-8E6B-4360-9AA8-C5DF2A48A6D1}" type="slidenum">
-              <a:rPr lang="en-US" noProof="0" smtClean="0"/>
-              <a:pPr/>
-              <a:t>4</a:t>
-            </a:fld>
-            <a:endParaRPr lang="en-US" noProof="0" dirty="0"/>
-          </a:p>
-        </p:txBody>
-      </p:sp>
-      <p:sp>
-        <p:nvSpPr>
-          <p:cNvPr id="3" name="Text Placeholder 2">
-            <a:extLst>
-              <a:ext uri="{FF2B5EF4-FFF2-40B4-BE49-F238E27FC236}">
-                <a16:creationId xmlns:a16="http://schemas.microsoft.com/office/drawing/2014/main" id="{AF367921-F078-03B6-1871-8074AB730CB2}"/>
-              </a:ext>
-            </a:extLst>
-          </p:cNvPr>
-          <p:cNvSpPr>
-            <a:spLocks noGrp="1"/>
-          </p:cNvSpPr>
-          <p:nvPr>
-            <p:ph type="body" sz="quarter" idx="10"/>
-          </p:nvPr>
-        </p:nvSpPr>
-        <p:spPr>
-          <a:xfrm>
-            <a:off x="190402" y="1196125"/>
-            <a:ext cx="6580598" cy="5528766"/>
-          </a:xfrm>
-        </p:spPr>
-        <p:txBody>
-          <a:bodyPr>
-            <a:normAutofit/>
-          </a:bodyPr>
-          <a:lstStyle/>
-          <a:p>
-            <a:r>
-              <a:rPr lang="bg-BG" sz="3400" dirty="0"/>
-              <a:t>Метод за </a:t>
-            </a:r>
-            <a:r>
-              <a:rPr lang="bg-BG" sz="3400" b="1" dirty="0"/>
-              <a:t>визуализиране</a:t>
-            </a:r>
-            <a:r>
-              <a:rPr lang="bg-BG" sz="3400" dirty="0"/>
-              <a:t> на </a:t>
-            </a:r>
-            <a:r>
-              <a:rPr lang="bg-BG" sz="3400" b="1" dirty="0"/>
-              <a:t>взаимоотношения</a:t>
-            </a:r>
-            <a:r>
-              <a:rPr lang="bg-BG" sz="3400" dirty="0"/>
-              <a:t> от тип </a:t>
-            </a:r>
-            <a:r>
-              <a:rPr lang="en-US" sz="3400" dirty="0"/>
-              <a:t>"</a:t>
-            </a:r>
-            <a:r>
-              <a:rPr lang="bg-BG" sz="3400" b="1" dirty="0">
-                <a:solidFill>
-                  <a:schemeClr val="bg1"/>
-                </a:solidFill>
-              </a:rPr>
-              <a:t>едно към много</a:t>
-            </a:r>
-            <a:r>
-              <a:rPr lang="en-US" sz="3400" dirty="0"/>
-              <a:t>"</a:t>
-            </a:r>
-            <a:r>
-              <a:rPr lang="bg-BG" sz="3400" dirty="0"/>
-              <a:t> </a:t>
-            </a:r>
-            <a:r>
-              <a:rPr lang="en-US" sz="3400" b="1" dirty="0"/>
-              <a:t>(one-to-many)</a:t>
-            </a:r>
-            <a:endParaRPr lang="bg-BG" sz="3400" b="1" dirty="0"/>
-          </a:p>
-          <a:p>
-            <a:r>
-              <a:rPr lang="en-US" sz="3400" b="1" dirty="0"/>
-              <a:t>Master</a:t>
-            </a:r>
-            <a:r>
-              <a:rPr lang="en-US" sz="3400" dirty="0"/>
-              <a:t> </a:t>
-            </a:r>
-            <a:r>
-              <a:rPr lang="bg-BG" sz="3400" dirty="0"/>
-              <a:t>съдържа </a:t>
-            </a:r>
-            <a:r>
-              <a:rPr lang="bg-BG" sz="3400" b="1" dirty="0">
-                <a:solidFill>
-                  <a:schemeClr val="bg1"/>
-                </a:solidFill>
-              </a:rPr>
-              <a:t>основни данни</a:t>
-            </a:r>
-          </a:p>
-          <a:p>
-            <a:r>
-              <a:rPr lang="en-US" sz="3400" b="1" dirty="0"/>
-              <a:t>Detail</a:t>
-            </a:r>
-            <a:r>
-              <a:rPr lang="en-US" sz="3400" dirty="0"/>
-              <a:t> </a:t>
-            </a:r>
-            <a:r>
-              <a:rPr lang="bg-BG" sz="3400" dirty="0"/>
-              <a:t>съдържа </a:t>
-            </a:r>
-            <a:r>
-              <a:rPr lang="bg-BG" sz="3400" b="1" dirty="0">
-                <a:solidFill>
-                  <a:schemeClr val="bg1"/>
-                </a:solidFill>
-              </a:rPr>
-              <a:t>свързани</a:t>
-            </a:r>
-            <a:r>
-              <a:rPr lang="bg-BG" sz="3400" dirty="0"/>
-              <a:t> с </a:t>
-            </a:r>
-            <a:r>
-              <a:rPr lang="en-US" sz="3400" b="1" dirty="0"/>
-              <a:t>Master</a:t>
-            </a:r>
-            <a:r>
-              <a:rPr lang="en-US" sz="3400" dirty="0"/>
-              <a:t> </a:t>
-            </a:r>
-            <a:r>
-              <a:rPr lang="bg-BG" sz="3400" b="1" dirty="0">
-                <a:solidFill>
-                  <a:schemeClr val="bg1"/>
-                </a:solidFill>
-              </a:rPr>
-              <a:t>данни</a:t>
-            </a:r>
-            <a:endParaRPr lang="en-BG" sz="3400" b="1" dirty="0">
-              <a:solidFill>
-                <a:schemeClr val="bg1"/>
-              </a:solidFill>
-            </a:endParaRPr>
-          </a:p>
-        </p:txBody>
-      </p:sp>
-      <p:sp>
-        <p:nvSpPr>
-          <p:cNvPr id="4" name="Title 3">
-            <a:extLst>
-              <a:ext uri="{FF2B5EF4-FFF2-40B4-BE49-F238E27FC236}">
-                <a16:creationId xmlns:a16="http://schemas.microsoft.com/office/drawing/2014/main" id="{67B6A643-676D-3506-B008-B24B36AA34F1}"/>
-              </a:ext>
-            </a:extLst>
-          </p:cNvPr>
-          <p:cNvSpPr>
-            <a:spLocks noGrp="1"/>
-          </p:cNvSpPr>
-          <p:nvPr>
-            <p:ph type="title"/>
-          </p:nvPr>
-        </p:nvSpPr>
-        <p:spPr/>
-        <p:txBody>
-          <a:bodyPr>
-            <a:normAutofit/>
-          </a:bodyPr>
-          <a:lstStyle/>
-          <a:p>
-            <a:r>
-              <a:rPr lang="bg-BG" dirty="0"/>
-              <a:t>Какво е </a:t>
-            </a:r>
-            <a:r>
-              <a:rPr lang="en-GB" dirty="0"/>
-              <a:t>Master-Detail </a:t>
-            </a:r>
-            <a:r>
-              <a:rPr lang="bg-BG" dirty="0"/>
-              <a:t>навигация?</a:t>
-            </a:r>
-            <a:endParaRPr lang="en-BG" dirty="0"/>
-          </a:p>
-        </p:txBody>
-      </p:sp>
-      <p:pic>
-        <p:nvPicPr>
-          <p:cNvPr id="5" name="Picture 4">
-            <a:extLst>
-              <a:ext uri="{FF2B5EF4-FFF2-40B4-BE49-F238E27FC236}">
-                <a16:creationId xmlns:a16="http://schemas.microsoft.com/office/drawing/2014/main" id="{A9B13DB8-4E30-1009-E13E-CF82673F6723}"/>
-              </a:ext>
-            </a:extLst>
-          </p:cNvPr>
-          <p:cNvPicPr>
-            <a:picLocks noChangeAspect="1"/>
-          </p:cNvPicPr>
-          <p:nvPr/>
-        </p:nvPicPr>
-        <p:blipFill>
-          <a:blip r:embed="rId2">
-            <a:extLst>
-              <a:ext uri="{28A0092B-C50C-407E-A947-70E740481C1C}">
-                <a14:useLocalDpi xmlns:a14="http://schemas.microsoft.com/office/drawing/2010/main" val="0"/>
-              </a:ext>
-            </a:extLst>
-          </a:blip>
-          <a:srcRect/>
-          <a:stretch/>
-        </p:blipFill>
-        <p:spPr>
-          <a:xfrm>
-            <a:off x="6640647" y="1462654"/>
-            <a:ext cx="5112383" cy="4995708"/>
-          </a:xfrm>
-          <a:prstGeom prst="rect">
-            <a:avLst/>
-          </a:prstGeom>
-        </p:spPr>
-      </p:pic>
-    </p:spTree>
-    <p:extLst>
-      <p:ext uri="{BB962C8B-B14F-4D97-AF65-F5344CB8AC3E}">
-        <p14:creationId xmlns:p14="http://schemas.microsoft.com/office/powerpoint/2010/main" val="1145226719"/>
-      </p:ext>
-    </p:extLst>
-  </p:cSld>
-  <p:clrMapOvr>
-    <a:masterClrMapping/>
-  </p:clrMapOvr>
-  <mc:AlternateContent xmlns:mc="http://schemas.openxmlformats.org/markup-compatibility/2006" xmlns:p14="http://schemas.microsoft.com/office/powerpoint/2010/main">
-    <mc:Choice Requires="p14">
-      <p:transition spd="slow" p14:dur="2000" advClick="0" advTm="5000"/>
-    </mc:Choice>
-    <mc:Fallback xmlns="">
-      <p:transition spd="slow" advClick="0" advTm="5000"/>
-    </mc:Fallback>
-  </mc:AlternateContent>
-  <p:timing>
-    <p:tnLst>
-      <p:par>
-        <p:cTn id="1" dur="indefinite" restart="never" nodeType="tmRoot">
-          <p:childTnLst>
-            <p:seq concurrent="1" nextAc="seek">
-              <p:cTn id="2" dur="indefinite" nodeType="mainSeq">
-                <p:childTnLst>
-                  <p:par>
-                    <p:cTn id="3" fill="hold">
-                      <p:stCondLst>
-                        <p:cond delay="indefinite"/>
-                      </p:stCondLst>
-                      <p:childTnLst>
-                        <p:par>
-                          <p:cTn id="4" fill="hold">
-                            <p:stCondLst>
-                              <p:cond delay="0"/>
-                            </p:stCondLst>
-                            <p:childTnLst>
-                              <p:par>
-                                <p:cTn id="5" presetID="1" presetClass="entr" presetSubtype="0" fill="hold" nodeType="clickEffect">
-                                  <p:stCondLst>
-                                    <p:cond delay="0"/>
-                                  </p:stCondLst>
-                                  <p:childTnLst>
-                                    <p:set>
-                                      <p:cBhvr>
-                                        <p:cTn id="6" dur="1" fill="hold">
-                                          <p:stCondLst>
-                                            <p:cond delay="0"/>
-                                          </p:stCondLst>
-                                        </p:cTn>
-                                        <p:tgtEl>
-                                          <p:spTgt spid="3">
-                                            <p:txEl>
-                                              <p:pRg st="1" end="1"/>
-                                            </p:txEl>
-                                          </p:spTgt>
-                                        </p:tgtEl>
-                                        <p:attrNameLst>
-                                          <p:attrName>style.visibility</p:attrName>
-                                        </p:attrNameLst>
-                                      </p:cBhvr>
-                                      <p:to>
-                                        <p:strVal val="visible"/>
-                                      </p:to>
-                                    </p:set>
-                                  </p:childTnLst>
-                                </p:cTn>
-                              </p:par>
-                            </p:childTnLst>
-                          </p:cTn>
-                        </p:par>
-                      </p:childTnLst>
-                    </p:cTn>
-                  </p:par>
-                  <p:par>
-                    <p:cTn id="7" fill="hold">
-                      <p:stCondLst>
-                        <p:cond delay="indefinite"/>
-                      </p:stCondLst>
-                      <p:childTnLst>
-                        <p:par>
-                          <p:cTn id="8" fill="hold">
-                            <p:stCondLst>
-                              <p:cond delay="0"/>
-                            </p:stCondLst>
-                            <p:childTnLst>
-                              <p:par>
-                                <p:cTn id="9" presetID="1" presetClass="entr" presetSubtype="0" fill="hold" nodeType="clickEffect">
-                                  <p:stCondLst>
-                                    <p:cond delay="0"/>
-                                  </p:stCondLst>
-                                  <p:childTnLst>
-                                    <p:set>
-                                      <p:cBhvr>
-                                        <p:cTn id="10" dur="1" fill="hold">
-                                          <p:stCondLst>
-                                            <p:cond delay="0"/>
-                                          </p:stCondLst>
-                                        </p:cTn>
-                                        <p:tgtEl>
-                                          <p:spTgt spid="3">
-                                            <p:txEl>
-                                              <p:pRg st="2" end="2"/>
-                                            </p:txEl>
-                                          </p:spTgt>
-                                        </p:tgtEl>
-                                        <p:attrNameLst>
-                                          <p:attrName>style.visibility</p:attrName>
-                                        </p:attrNameLst>
-                                      </p:cBhvr>
-                                      <p:to>
-                                        <p:strVal val="visible"/>
-                                      </p:to>
-                                    </p:set>
-                                  </p:childTnLst>
-                                </p:cTn>
-                              </p:par>
-                            </p:childTnLst>
-                          </p:cTn>
-                        </p:par>
-                      </p:childTnLst>
-                    </p:cTn>
-                  </p:par>
-                </p:childTnLst>
-              </p:cTn>
-              <p:prevCondLst>
-                <p:cond evt="onPrev" delay="0">
-                  <p:tgtEl>
-                    <p:sldTgt/>
-                  </p:tgtEl>
-                </p:cond>
-              </p:prevCondLst>
-              <p:nextCondLst>
-                <p:cond evt="onNext" delay="0">
-                  <p:tgtEl>
-                    <p:sldTgt/>
-                  </p:tgtEl>
-                </p:cond>
-              </p:nextCondLst>
-            </p:seq>
-          </p:childTnLst>
-        </p:cTn>
-      </p:par>
-    </p:tnLst>
-  </p:timing>
 </p:sld>
 </file>
 

--- a/Courses/Software-Sciences/Module-4-Information-Systems/08-Navigation-between-Tables/08-Navigation-between-Tables.pptx
+++ b/Courses/Software-Sciences/Module-4-Information-Systems/08-Navigation-between-Tables/08-Navigation-between-Tables.pptx
@@ -5,10 +5,10 @@
     <p:sldMasterId id="2147483675" r:id="rId1"/>
   </p:sldMasterIdLst>
   <p:notesMasterIdLst>
-    <p:notesMasterId r:id="rId44"/>
+    <p:notesMasterId r:id="rId45"/>
   </p:notesMasterIdLst>
   <p:handoutMasterIdLst>
-    <p:handoutMasterId r:id="rId45"/>
+    <p:handoutMasterId r:id="rId46"/>
   </p:handoutMasterIdLst>
   <p:sldIdLst>
     <p:sldId id="503" r:id="rId2"/>
@@ -44,15 +44,16 @@
     <p:sldId id="757" r:id="rId32"/>
     <p:sldId id="754" r:id="rId33"/>
     <p:sldId id="768" r:id="rId34"/>
-    <p:sldId id="755" r:id="rId35"/>
-    <p:sldId id="759" r:id="rId36"/>
-    <p:sldId id="767" r:id="rId37"/>
-    <p:sldId id="789" r:id="rId38"/>
-    <p:sldId id="756" r:id="rId39"/>
-    <p:sldId id="760" r:id="rId40"/>
-    <p:sldId id="633" r:id="rId41"/>
-    <p:sldId id="504" r:id="rId42"/>
-    <p:sldId id="505" r:id="rId43"/>
+    <p:sldId id="795" r:id="rId35"/>
+    <p:sldId id="755" r:id="rId36"/>
+    <p:sldId id="759" r:id="rId37"/>
+    <p:sldId id="767" r:id="rId38"/>
+    <p:sldId id="789" r:id="rId39"/>
+    <p:sldId id="756" r:id="rId40"/>
+    <p:sldId id="760" r:id="rId41"/>
+    <p:sldId id="633" r:id="rId42"/>
+    <p:sldId id="504" r:id="rId43"/>
+    <p:sldId id="505" r:id="rId44"/>
   </p:sldIdLst>
   <p:sldSz cx="12192000" cy="6858000"/>
   <p:notesSz cx="6858000" cy="9144000"/>
@@ -209,6 +210,7 @@
             <p14:sldId id="757"/>
             <p14:sldId id="754"/>
             <p14:sldId id="768"/>
+            <p14:sldId id="795"/>
             <p14:sldId id="755"/>
             <p14:sldId id="759"/>
             <p14:sldId id="767"/>
@@ -360,7 +362,7 @@
           <a:p>
             <a:fld id="{4E087215-0C8F-4762-A664-737A353EC9A4}" type="datetimeFigureOut">
               <a:rPr lang="bg-BG" smtClean="0"/>
-              <a:t>10.08.25 г.</a:t>
+              <a:t>30.09.25 г.</a:t>
             </a:fld>
             <a:endParaRPr lang="bg-BG"/>
           </a:p>
@@ -556,7 +558,7 @@
           <a:p>
             <a:fld id="{72D84649-876A-46C9-8472-14CB09C070D8}" type="datetimeFigureOut">
               <a:rPr lang="en-US" smtClean="0"/>
-              <a:t>8/10/25</a:t>
+              <a:t>9/30/25</a:t>
             </a:fld>
             <a:endParaRPr lang="en-US"/>
           </a:p>
@@ -1713,7 +1715,7 @@
           <a:p>
             <a:fld id="{2BF067CD-8E6B-4360-9AA8-C5DF2A48A6D1}" type="slidenum">
               <a:rPr lang="en-US" smtClean="0"/>
-              <a:t>39</a:t>
+              <a:t>40</a:t>
             </a:fld>
             <a:endParaRPr lang="en-US" dirty="0"/>
           </a:p>
@@ -1941,7 +1943,7 @@
             <a:fld id="{3EBA5BD7-F043-4D1B-AA17-CD412FC534DE}" type="slidenum">
               <a:rPr lang="en-US" smtClean="0"/>
               <a:pPr/>
-              <a:t>40</a:t>
+              <a:t>41</a:t>
             </a:fld>
             <a:endParaRPr lang="en-US" dirty="0"/>
           </a:p>
@@ -2187,7 +2189,7 @@
             <a:fld id="{3EBA5BD7-F043-4D1B-AA17-CD412FC534DE}" type="slidenum">
               <a:rPr lang="en-US" smtClean="0"/>
               <a:pPr/>
-              <a:t>41</a:t>
+              <a:t>42</a:t>
             </a:fld>
             <a:endParaRPr lang="en-US" dirty="0"/>
           </a:p>
@@ -2417,7 +2419,7 @@
             <a:fld id="{3EBA5BD7-F043-4D1B-AA17-CD412FC534DE}" type="slidenum">
               <a:rPr lang="en-US" smtClean="0"/>
               <a:pPr/>
-              <a:t>42</a:t>
+              <a:t>43</a:t>
             </a:fld>
             <a:endParaRPr lang="en-US" dirty="0"/>
           </a:p>
@@ -18699,11 +18701,11 @@
   <p:clrMapOvr>
     <a:masterClrMapping/>
   </p:clrMapOvr>
-  <mc:AlternateContent xmlns:mc="http://schemas.openxmlformats.org/markup-compatibility/2006">
-    <mc:Choice xmlns:p14="http://schemas.microsoft.com/office/powerpoint/2010/main" Requires="p14">
+  <mc:AlternateContent xmlns:mc="http://schemas.openxmlformats.org/markup-compatibility/2006" xmlns:p14="http://schemas.microsoft.com/office/powerpoint/2010/main">
+    <mc:Choice Requires="p14">
       <p:transition spd="slow" p14:dur="2000" advClick="0" advTm="5000"/>
     </mc:Choice>
-    <mc:Fallback>
+    <mc:Fallback xmlns="">
       <p:transition spd="slow" advClick="0" advTm="5000"/>
     </mc:Fallback>
   </mc:AlternateContent>
@@ -23040,6 +23042,539 @@
           <p:cNvPr id="2" name="Slide Number Placeholder 1">
             <a:extLst>
               <a:ext uri="{FF2B5EF4-FFF2-40B4-BE49-F238E27FC236}">
+                <a16:creationId xmlns:a16="http://schemas.microsoft.com/office/drawing/2014/main" id="{7E30C2D1-F4DE-6981-655B-8551B59CCDC1}"/>
+              </a:ext>
+            </a:extLst>
+          </p:cNvPr>
+          <p:cNvSpPr>
+            <a:spLocks noGrp="1"/>
+          </p:cNvSpPr>
+          <p:nvPr>
+            <p:ph type="sldNum" sz="quarter" idx="5"/>
+          </p:nvPr>
+        </p:nvSpPr>
+        <p:spPr/>
+        <p:txBody>
+          <a:bodyPr/>
+          <a:lstStyle/>
+          <a:p>
+            <a:fld id="{2BF067CD-8E6B-4360-9AA8-C5DF2A48A6D1}" type="slidenum">
+              <a:rPr lang="en-US" noProof="0" smtClean="0"/>
+              <a:pPr/>
+              <a:t>34</a:t>
+            </a:fld>
+            <a:endParaRPr lang="en-US" noProof="0" dirty="0"/>
+          </a:p>
+        </p:txBody>
+      </p:sp>
+      <p:sp>
+        <p:nvSpPr>
+          <p:cNvPr id="3" name="Text Placeholder 2">
+            <a:extLst>
+              <a:ext uri="{FF2B5EF4-FFF2-40B4-BE49-F238E27FC236}">
+                <a16:creationId xmlns:a16="http://schemas.microsoft.com/office/drawing/2014/main" id="{0FC334B9-14F9-C895-F1D9-459B652753E4}"/>
+              </a:ext>
+            </a:extLst>
+          </p:cNvPr>
+          <p:cNvSpPr>
+            <a:spLocks noGrp="1"/>
+          </p:cNvSpPr>
+          <p:nvPr>
+            <p:ph type="body" sz="quarter" idx="10"/>
+          </p:nvPr>
+        </p:nvSpPr>
+        <p:spPr/>
+        <p:txBody>
+          <a:bodyPr/>
+          <a:lstStyle/>
+          <a:p>
+            <a:r>
+              <a:rPr lang="bg-BG" sz="4000" b="1" dirty="0"/>
+              <a:t>Опции</a:t>
+            </a:r>
+            <a:r>
+              <a:rPr lang="bg-BG" sz="4000" dirty="0"/>
+              <a:t> за </a:t>
+            </a:r>
+            <a:r>
+              <a:rPr lang="bg-BG" sz="4000" b="1" dirty="0">
+                <a:solidFill>
+                  <a:schemeClr val="bg1"/>
+                </a:solidFill>
+              </a:rPr>
+              <a:t>сортиране</a:t>
+            </a:r>
+            <a:r>
+              <a:rPr lang="en-US" sz="4000" dirty="0"/>
+              <a:t>:</a:t>
+            </a:r>
+          </a:p>
+          <a:p>
+            <a:pPr lvl="1"/>
+            <a:r>
+              <a:rPr lang="bg-BG" sz="3600" dirty="0"/>
+              <a:t>Име </a:t>
+            </a:r>
+            <a:r>
+              <a:rPr lang="en-US" sz="3600" dirty="0"/>
+              <a:t>(</a:t>
+            </a:r>
+            <a:r>
+              <a:rPr lang="bg-BG" sz="3600" dirty="0"/>
+              <a:t>възходящо</a:t>
+            </a:r>
+            <a:r>
+              <a:rPr lang="en-US" sz="3600" dirty="0"/>
+              <a:t>)</a:t>
+            </a:r>
+          </a:p>
+          <a:p>
+            <a:pPr lvl="1"/>
+            <a:r>
+              <a:rPr lang="bg-BG" sz="3600" dirty="0"/>
+              <a:t>Име </a:t>
+            </a:r>
+            <a:r>
+              <a:rPr lang="en-US" sz="3600" dirty="0"/>
+              <a:t>(</a:t>
+            </a:r>
+            <a:r>
+              <a:rPr lang="bg-BG" sz="3600" dirty="0"/>
+              <a:t>низходящо</a:t>
+            </a:r>
+            <a:r>
+              <a:rPr lang="en-US" sz="3600" dirty="0"/>
+              <a:t>)</a:t>
+            </a:r>
+            <a:endParaRPr lang="bg-BG" sz="3600" dirty="0"/>
+          </a:p>
+          <a:p>
+            <a:pPr lvl="1"/>
+            <a:r>
+              <a:rPr lang="en-US" sz="3600" dirty="0"/>
+              <a:t>Id (</a:t>
+            </a:r>
+            <a:r>
+              <a:rPr lang="bg-BG" sz="3600" dirty="0"/>
+              <a:t>възходящо</a:t>
+            </a:r>
+            <a:r>
+              <a:rPr lang="en-US" sz="3600" dirty="0"/>
+              <a:t>)</a:t>
+            </a:r>
+          </a:p>
+          <a:p>
+            <a:pPr lvl="1"/>
+            <a:r>
+              <a:rPr lang="en-US" sz="3600" dirty="0"/>
+              <a:t>Id (</a:t>
+            </a:r>
+            <a:r>
+              <a:rPr lang="bg-BG" sz="3600" dirty="0"/>
+              <a:t>низходящо</a:t>
+            </a:r>
+            <a:r>
+              <a:rPr lang="en-US" sz="3600" dirty="0"/>
+              <a:t>)</a:t>
+            </a:r>
+            <a:endParaRPr lang="en-BG" sz="3600" dirty="0"/>
+          </a:p>
+          <a:p>
+            <a:pPr lvl="1"/>
+            <a:endParaRPr lang="en-BG" dirty="0"/>
+          </a:p>
+        </p:txBody>
+      </p:sp>
+      <p:sp>
+        <p:nvSpPr>
+          <p:cNvPr id="4" name="Title 3">
+            <a:extLst>
+              <a:ext uri="{FF2B5EF4-FFF2-40B4-BE49-F238E27FC236}">
+                <a16:creationId xmlns:a16="http://schemas.microsoft.com/office/drawing/2014/main" id="{3D0CC506-B22E-22C6-318A-EEF26E189C66}"/>
+              </a:ext>
+            </a:extLst>
+          </p:cNvPr>
+          <p:cNvSpPr>
+            <a:spLocks noGrp="1"/>
+          </p:cNvSpPr>
+          <p:nvPr>
+            <p:ph type="title"/>
+          </p:nvPr>
+        </p:nvSpPr>
+        <p:spPr/>
+        <p:txBody>
+          <a:bodyPr/>
+          <a:lstStyle/>
+          <a:p>
+            <a:r>
+              <a:rPr lang="bg-BG" dirty="0"/>
+              <a:t>Сортиране на държави </a:t>
+            </a:r>
+            <a:r>
+              <a:rPr lang="en-US" dirty="0"/>
+              <a:t>(1)</a:t>
+            </a:r>
+            <a:endParaRPr lang="en-BG" dirty="0"/>
+          </a:p>
+        </p:txBody>
+      </p:sp>
+      <p:pic>
+        <p:nvPicPr>
+          <p:cNvPr id="5" name="Picture 4">
+            <a:extLst>
+              <a:ext uri="{FF2B5EF4-FFF2-40B4-BE49-F238E27FC236}">
+                <a16:creationId xmlns:a16="http://schemas.microsoft.com/office/drawing/2014/main" id="{7125CA65-4F4D-EDB8-A2A2-1AE3835AB7BD}"/>
+              </a:ext>
+            </a:extLst>
+          </p:cNvPr>
+          <p:cNvPicPr>
+            <a:picLocks noChangeAspect="1"/>
+          </p:cNvPicPr>
+          <p:nvPr/>
+        </p:nvPicPr>
+        <p:blipFill>
+          <a:blip r:embed="rId2">
+            <a:extLst>
+              <a:ext uri="{28A0092B-C50C-407E-A947-70E740481C1C}">
+                <a14:useLocalDpi xmlns:a14="http://schemas.microsoft.com/office/drawing/2010/main" val="0"/>
+              </a:ext>
+            </a:extLst>
+          </a:blip>
+          <a:stretch>
+            <a:fillRect/>
+          </a:stretch>
+        </p:blipFill>
+        <p:spPr>
+          <a:xfrm>
+            <a:off x="6096000" y="1404000"/>
+            <a:ext cx="5472398" cy="3746204"/>
+          </a:xfrm>
+          <a:prstGeom prst="rect">
+            <a:avLst/>
+          </a:prstGeom>
+          <a:ln>
+            <a:solidFill>
+              <a:schemeClr val="bg2">
+                <a:lumMod val="75000"/>
+              </a:schemeClr>
+            </a:solidFill>
+          </a:ln>
+        </p:spPr>
+      </p:pic>
+    </p:spTree>
+    <p:extLst>
+      <p:ext uri="{BB962C8B-B14F-4D97-AF65-F5344CB8AC3E}">
+        <p14:creationId xmlns:p14="http://schemas.microsoft.com/office/powerpoint/2010/main" val="464770321"/>
+      </p:ext>
+    </p:extLst>
+  </p:cSld>
+  <p:clrMapOvr>
+    <a:masterClrMapping/>
+  </p:clrMapOvr>
+  <mc:AlternateContent xmlns:mc="http://schemas.openxmlformats.org/markup-compatibility/2006" xmlns:p14="http://schemas.microsoft.com/office/powerpoint/2010/main">
+    <mc:Choice Requires="p14">
+      <p:transition spd="slow" p14:dur="2000" advClick="0" advTm="5000"/>
+    </mc:Choice>
+    <mc:Fallback xmlns="">
+      <p:transition spd="slow" advClick="0" advTm="5000"/>
+    </mc:Fallback>
+  </mc:AlternateContent>
+  <p:timing>
+    <p:tnLst>
+      <p:par>
+        <p:cTn id="1" dur="indefinite" restart="never" nodeType="tmRoot">
+          <p:childTnLst>
+            <p:seq concurrent="1" nextAc="seek">
+              <p:cTn id="2" dur="indefinite" nodeType="mainSeq">
+                <p:childTnLst>
+                  <p:par>
+                    <p:cTn id="3" fill="hold">
+                      <p:stCondLst>
+                        <p:cond delay="indefinite"/>
+                      </p:stCondLst>
+                      <p:childTnLst>
+                        <p:par>
+                          <p:cTn id="4" fill="hold">
+                            <p:stCondLst>
+                              <p:cond delay="0"/>
+                            </p:stCondLst>
+                            <p:childTnLst>
+                              <p:par>
+                                <p:cTn id="5" presetID="1" presetClass="entr" presetSubtype="0" fill="hold" nodeType="clickEffect">
+                                  <p:stCondLst>
+                                    <p:cond delay="0"/>
+                                  </p:stCondLst>
+                                  <p:childTnLst>
+                                    <p:set>
+                                      <p:cBhvr>
+                                        <p:cTn id="6" dur="1" fill="hold">
+                                          <p:stCondLst>
+                                            <p:cond delay="0"/>
+                                          </p:stCondLst>
+                                        </p:cTn>
+                                        <p:tgtEl>
+                                          <p:spTgt spid="3">
+                                            <p:txEl>
+                                              <p:pRg st="1" end="1"/>
+                                            </p:txEl>
+                                          </p:spTgt>
+                                        </p:tgtEl>
+                                        <p:attrNameLst>
+                                          <p:attrName>style.visibility</p:attrName>
+                                        </p:attrNameLst>
+                                      </p:cBhvr>
+                                      <p:to>
+                                        <p:strVal val="visible"/>
+                                      </p:to>
+                                    </p:set>
+                                  </p:childTnLst>
+                                </p:cTn>
+                              </p:par>
+                            </p:childTnLst>
+                          </p:cTn>
+                        </p:par>
+                      </p:childTnLst>
+                    </p:cTn>
+                  </p:par>
+                  <p:par>
+                    <p:cTn id="7" fill="hold">
+                      <p:stCondLst>
+                        <p:cond delay="indefinite"/>
+                      </p:stCondLst>
+                      <p:childTnLst>
+                        <p:par>
+                          <p:cTn id="8" fill="hold">
+                            <p:stCondLst>
+                              <p:cond delay="0"/>
+                            </p:stCondLst>
+                            <p:childTnLst>
+                              <p:par>
+                                <p:cTn id="9" presetID="1" presetClass="entr" presetSubtype="0" fill="hold" nodeType="clickEffect">
+                                  <p:stCondLst>
+                                    <p:cond delay="0"/>
+                                  </p:stCondLst>
+                                  <p:childTnLst>
+                                    <p:set>
+                                      <p:cBhvr>
+                                        <p:cTn id="10" dur="1" fill="hold">
+                                          <p:stCondLst>
+                                            <p:cond delay="0"/>
+                                          </p:stCondLst>
+                                        </p:cTn>
+                                        <p:tgtEl>
+                                          <p:spTgt spid="3">
+                                            <p:txEl>
+                                              <p:pRg st="2" end="2"/>
+                                            </p:txEl>
+                                          </p:spTgt>
+                                        </p:tgtEl>
+                                        <p:attrNameLst>
+                                          <p:attrName>style.visibility</p:attrName>
+                                        </p:attrNameLst>
+                                      </p:cBhvr>
+                                      <p:to>
+                                        <p:strVal val="visible"/>
+                                      </p:to>
+                                    </p:set>
+                                  </p:childTnLst>
+                                </p:cTn>
+                              </p:par>
+                            </p:childTnLst>
+                          </p:cTn>
+                        </p:par>
+                      </p:childTnLst>
+                    </p:cTn>
+                  </p:par>
+                  <p:par>
+                    <p:cTn id="11" fill="hold">
+                      <p:stCondLst>
+                        <p:cond delay="indefinite"/>
+                      </p:stCondLst>
+                      <p:childTnLst>
+                        <p:par>
+                          <p:cTn id="12" fill="hold">
+                            <p:stCondLst>
+                              <p:cond delay="0"/>
+                            </p:stCondLst>
+                            <p:childTnLst>
+                              <p:par>
+                                <p:cTn id="13" presetID="1" presetClass="entr" presetSubtype="0" fill="hold" nodeType="clickEffect">
+                                  <p:stCondLst>
+                                    <p:cond delay="0"/>
+                                  </p:stCondLst>
+                                  <p:childTnLst>
+                                    <p:set>
+                                      <p:cBhvr>
+                                        <p:cTn id="14" dur="1" fill="hold">
+                                          <p:stCondLst>
+                                            <p:cond delay="0"/>
+                                          </p:stCondLst>
+                                        </p:cTn>
+                                        <p:tgtEl>
+                                          <p:spTgt spid="3">
+                                            <p:txEl>
+                                              <p:pRg st="3" end="3"/>
+                                            </p:txEl>
+                                          </p:spTgt>
+                                        </p:tgtEl>
+                                        <p:attrNameLst>
+                                          <p:attrName>style.visibility</p:attrName>
+                                        </p:attrNameLst>
+                                      </p:cBhvr>
+                                      <p:to>
+                                        <p:strVal val="visible"/>
+                                      </p:to>
+                                    </p:set>
+                                  </p:childTnLst>
+                                </p:cTn>
+                              </p:par>
+                            </p:childTnLst>
+                          </p:cTn>
+                        </p:par>
+                      </p:childTnLst>
+                    </p:cTn>
+                  </p:par>
+                  <p:par>
+                    <p:cTn id="15" fill="hold">
+                      <p:stCondLst>
+                        <p:cond delay="indefinite"/>
+                      </p:stCondLst>
+                      <p:childTnLst>
+                        <p:par>
+                          <p:cTn id="16" fill="hold">
+                            <p:stCondLst>
+                              <p:cond delay="0"/>
+                            </p:stCondLst>
+                            <p:childTnLst>
+                              <p:par>
+                                <p:cTn id="17" presetID="1" presetClass="entr" presetSubtype="0" fill="hold" nodeType="clickEffect">
+                                  <p:stCondLst>
+                                    <p:cond delay="0"/>
+                                  </p:stCondLst>
+                                  <p:childTnLst>
+                                    <p:set>
+                                      <p:cBhvr>
+                                        <p:cTn id="18" dur="1" fill="hold">
+                                          <p:stCondLst>
+                                            <p:cond delay="0"/>
+                                          </p:stCondLst>
+                                        </p:cTn>
+                                        <p:tgtEl>
+                                          <p:spTgt spid="3">
+                                            <p:txEl>
+                                              <p:pRg st="4" end="4"/>
+                                            </p:txEl>
+                                          </p:spTgt>
+                                        </p:tgtEl>
+                                        <p:attrNameLst>
+                                          <p:attrName>style.visibility</p:attrName>
+                                        </p:attrNameLst>
+                                      </p:cBhvr>
+                                      <p:to>
+                                        <p:strVal val="visible"/>
+                                      </p:to>
+                                    </p:set>
+                                  </p:childTnLst>
+                                </p:cTn>
+                              </p:par>
+                            </p:childTnLst>
+                          </p:cTn>
+                        </p:par>
+                      </p:childTnLst>
+                    </p:cTn>
+                  </p:par>
+                  <p:par>
+                    <p:cTn id="19" fill="hold">
+                      <p:stCondLst>
+                        <p:cond delay="indefinite"/>
+                      </p:stCondLst>
+                      <p:childTnLst>
+                        <p:par>
+                          <p:cTn id="20" fill="hold">
+                            <p:stCondLst>
+                              <p:cond delay="0"/>
+                            </p:stCondLst>
+                            <p:childTnLst>
+                              <p:par>
+                                <p:cTn id="21" presetID="1" presetClass="entr" presetSubtype="0" fill="hold" nodeType="clickEffect">
+                                  <p:stCondLst>
+                                    <p:cond delay="0"/>
+                                  </p:stCondLst>
+                                  <p:childTnLst>
+                                    <p:set>
+                                      <p:cBhvr>
+                                        <p:cTn id="22" dur="1" fill="hold">
+                                          <p:stCondLst>
+                                            <p:cond delay="0"/>
+                                          </p:stCondLst>
+                                        </p:cTn>
+                                        <p:tgtEl>
+                                          <p:spTgt spid="5"/>
+                                        </p:tgtEl>
+                                        <p:attrNameLst>
+                                          <p:attrName>style.visibility</p:attrName>
+                                        </p:attrNameLst>
+                                      </p:cBhvr>
+                                      <p:to>
+                                        <p:strVal val="visible"/>
+                                      </p:to>
+                                    </p:set>
+                                  </p:childTnLst>
+                                </p:cTn>
+                              </p:par>
+                            </p:childTnLst>
+                          </p:cTn>
+                        </p:par>
+                      </p:childTnLst>
+                    </p:cTn>
+                  </p:par>
+                </p:childTnLst>
+              </p:cTn>
+              <p:prevCondLst>
+                <p:cond evt="onPrev" delay="0">
+                  <p:tgtEl>
+                    <p:sldTgt/>
+                  </p:tgtEl>
+                </p:cond>
+              </p:prevCondLst>
+              <p:nextCondLst>
+                <p:cond evt="onNext" delay="0">
+                  <p:tgtEl>
+                    <p:sldTgt/>
+                  </p:tgtEl>
+                </p:cond>
+              </p:nextCondLst>
+            </p:seq>
+          </p:childTnLst>
+        </p:cTn>
+      </p:par>
+    </p:tnLst>
+  </p:timing>
+</p:sld>
+</file>
+
+<file path=ppt/slides/slide35.xml><?xml version="1.0" encoding="utf-8"?>
+<p:sld xmlns:a="http://schemas.openxmlformats.org/drawingml/2006/main" xmlns:r="http://schemas.openxmlformats.org/officeDocument/2006/relationships" xmlns:p="http://schemas.openxmlformats.org/presentationml/2006/main">
+  <p:cSld>
+    <p:spTree>
+      <p:nvGrpSpPr>
+        <p:cNvPr id="1" name=""/>
+        <p:cNvGrpSpPr/>
+        <p:nvPr/>
+      </p:nvGrpSpPr>
+      <p:grpSpPr>
+        <a:xfrm>
+          <a:off x="0" y="0"/>
+          <a:ext cx="0" cy="0"/>
+          <a:chOff x="0" y="0"/>
+          <a:chExt cx="0" cy="0"/>
+        </a:xfrm>
+      </p:grpSpPr>
+      <p:sp>
+        <p:nvSpPr>
+          <p:cNvPr id="2" name="Slide Number Placeholder 1">
+            <a:extLst>
+              <a:ext uri="{FF2B5EF4-FFF2-40B4-BE49-F238E27FC236}">
                 <a16:creationId xmlns:a16="http://schemas.microsoft.com/office/drawing/2014/main" id="{17B9613A-E959-7D44-F55D-E718F1D48461}"/>
               </a:ext>
             </a:extLst>
@@ -23059,7 +23594,7 @@
             <a:fld id="{2BF067CD-8E6B-4360-9AA8-C5DF2A48A6D1}" type="slidenum">
               <a:rPr lang="en-US" noProof="0" smtClean="0"/>
               <a:pPr/>
-              <a:t>34</a:t>
+              <a:t>35</a:t>
             </a:fld>
             <a:endParaRPr lang="en-US" noProof="0" dirty="0"/>
           </a:p>
@@ -23087,16 +23622,20 @@
           <a:lstStyle/>
           <a:p>
             <a:r>
+              <a:rPr lang="bg-BG" sz="2400"/>
+              <a:t>Добавяме </a:t>
+            </a:r>
+            <a:r>
+              <a:rPr lang="bg-BG" sz="2400" b="1"/>
+              <a:t>опциите</a:t>
+            </a:r>
+            <a:r>
+              <a:rPr lang="bg-BG" sz="2400"/>
+              <a:t> </a:t>
+            </a:r>
+            <a:r>
               <a:rPr lang="bg-BG" sz="2400" dirty="0"/>
-              <a:t>Добавяме </a:t>
-            </a:r>
-            <a:r>
-              <a:rPr lang="bg-BG" sz="2400" b="1" dirty="0"/>
-              <a:t>опции</a:t>
-            </a:r>
-            <a:r>
-              <a:rPr lang="bg-BG" sz="2400" dirty="0"/>
-              <a:t> в </a:t>
+              <a:t>в </a:t>
             </a:r>
             <a:r>
               <a:rPr lang="en-US" sz="2400" b="1" dirty="0">
@@ -23228,7 +23767,15 @@
             </a:r>
             <a:r>
               <a:rPr lang="en-US" dirty="0"/>
-              <a:t> (1)</a:t>
+              <a:t> (</a:t>
+            </a:r>
+            <a:r>
+              <a:rPr lang="bg-BG" dirty="0"/>
+              <a:t>2</a:t>
+            </a:r>
+            <a:r>
+              <a:rPr lang="en-US" dirty="0"/>
+              <a:t>)</a:t>
             </a:r>
             <a:endParaRPr lang="en-BG" dirty="0"/>
           </a:p>
@@ -23844,7 +24391,7 @@
 </p:sld>
 </file>
 
-<file path=ppt/slides/slide35.xml><?xml version="1.0" encoding="utf-8"?>
+<file path=ppt/slides/slide36.xml><?xml version="1.0" encoding="utf-8"?>
 <p:sld xmlns:a="http://schemas.openxmlformats.org/drawingml/2006/main" xmlns:r="http://schemas.openxmlformats.org/officeDocument/2006/relationships" xmlns:p="http://schemas.openxmlformats.org/presentationml/2006/main">
   <p:cSld>
     <p:spTree>
@@ -23885,7 +24432,7 @@
             <a:fld id="{2BF067CD-8E6B-4360-9AA8-C5DF2A48A6D1}" type="slidenum">
               <a:rPr lang="en-US" noProof="0" smtClean="0"/>
               <a:pPr/>
-              <a:t>35</a:t>
+              <a:t>36</a:t>
             </a:fld>
             <a:endParaRPr lang="en-US" noProof="0" dirty="0"/>
           </a:p>
@@ -23918,7 +24465,15 @@
             </a:r>
             <a:r>
               <a:rPr lang="en-US" dirty="0"/>
-              <a:t> (2)</a:t>
+              <a:t> (</a:t>
+            </a:r>
+            <a:r>
+              <a:rPr lang="bg-BG" dirty="0"/>
+              <a:t>3</a:t>
+            </a:r>
+            <a:r>
+              <a:rPr lang="en-US" dirty="0"/>
+              <a:t>)</a:t>
             </a:r>
             <a:endParaRPr lang="en-BG" dirty="0"/>
           </a:p>
@@ -24272,515 +24827,6 @@
     <p:extLst>
       <p:ext uri="{BB962C8B-B14F-4D97-AF65-F5344CB8AC3E}">
         <p14:creationId xmlns:p14="http://schemas.microsoft.com/office/powerpoint/2010/main" val="1857775489"/>
-      </p:ext>
-    </p:extLst>
-  </p:cSld>
-  <p:clrMapOvr>
-    <a:masterClrMapping/>
-  </p:clrMapOvr>
-  <mc:AlternateContent xmlns:mc="http://schemas.openxmlformats.org/markup-compatibility/2006" xmlns:p14="http://schemas.microsoft.com/office/powerpoint/2010/main">
-    <mc:Choice Requires="p14">
-      <p:transition spd="slow" p14:dur="2000" advClick="0" advTm="5000"/>
-    </mc:Choice>
-    <mc:Fallback xmlns="">
-      <p:transition spd="slow" advClick="0" advTm="5000"/>
-    </mc:Fallback>
-  </mc:AlternateContent>
-</p:sld>
-</file>
-
-<file path=ppt/slides/slide36.xml><?xml version="1.0" encoding="utf-8"?>
-<p:sld xmlns:a="http://schemas.openxmlformats.org/drawingml/2006/main" xmlns:r="http://schemas.openxmlformats.org/officeDocument/2006/relationships" xmlns:p="http://schemas.openxmlformats.org/presentationml/2006/main">
-  <p:cSld>
-    <p:spTree>
-      <p:nvGrpSpPr>
-        <p:cNvPr id="1" name=""/>
-        <p:cNvGrpSpPr/>
-        <p:nvPr/>
-      </p:nvGrpSpPr>
-      <p:grpSpPr>
-        <a:xfrm>
-          <a:off x="0" y="0"/>
-          <a:ext cx="0" cy="0"/>
-          <a:chOff x="0" y="0"/>
-          <a:chExt cx="0" cy="0"/>
-        </a:xfrm>
-      </p:grpSpPr>
-      <p:sp>
-        <p:nvSpPr>
-          <p:cNvPr id="2" name="Slide Number Placeholder 1">
-            <a:extLst>
-              <a:ext uri="{FF2B5EF4-FFF2-40B4-BE49-F238E27FC236}">
-                <a16:creationId xmlns:a16="http://schemas.microsoft.com/office/drawing/2014/main" id="{19F4C4F9-F53D-7EEC-5982-91B898AF1E6C}"/>
-              </a:ext>
-            </a:extLst>
-          </p:cNvPr>
-          <p:cNvSpPr>
-            <a:spLocks noGrp="1"/>
-          </p:cNvSpPr>
-          <p:nvPr>
-            <p:ph type="sldNum" sz="quarter" idx="5"/>
-          </p:nvPr>
-        </p:nvSpPr>
-        <p:spPr/>
-        <p:txBody>
-          <a:bodyPr/>
-          <a:lstStyle/>
-          <a:p>
-            <a:fld id="{2BF067CD-8E6B-4360-9AA8-C5DF2A48A6D1}" type="slidenum">
-              <a:rPr lang="en-US" noProof="0" smtClean="0"/>
-              <a:pPr/>
-              <a:t>36</a:t>
-            </a:fld>
-            <a:endParaRPr lang="en-US" noProof="0" dirty="0"/>
-          </a:p>
-        </p:txBody>
-      </p:sp>
-      <p:sp>
-        <p:nvSpPr>
-          <p:cNvPr id="3" name="Text Placeholder 2">
-            <a:extLst>
-              <a:ext uri="{FF2B5EF4-FFF2-40B4-BE49-F238E27FC236}">
-                <a16:creationId xmlns:a16="http://schemas.microsoft.com/office/drawing/2014/main" id="{FED6ED38-FD85-4591-4D7F-4004114D8CA1}"/>
-              </a:ext>
-            </a:extLst>
-          </p:cNvPr>
-          <p:cNvSpPr>
-            <a:spLocks noGrp="1"/>
-          </p:cNvSpPr>
-          <p:nvPr>
-            <p:ph type="body" sz="quarter" idx="10"/>
-          </p:nvPr>
-        </p:nvSpPr>
-        <p:spPr/>
-        <p:txBody>
-          <a:bodyPr>
-            <a:normAutofit/>
-          </a:bodyPr>
-          <a:lstStyle/>
-          <a:p>
-            <a:r>
-              <a:rPr lang="bg-BG" sz="2800" dirty="0">
-                <a:latin typeface="Calibri" panose="020F0502020204030204" pitchFamily="34" charset="0"/>
-                <a:cs typeface="Calibri" panose="020F0502020204030204" pitchFamily="34" charset="0"/>
-              </a:rPr>
-              <a:t>Създаваме метод </a:t>
-            </a:r>
-            <a:r>
-              <a:rPr lang="en-US" sz="2800" b="1" dirty="0">
-                <a:solidFill>
-                  <a:schemeClr val="bg1"/>
-                </a:solidFill>
-                <a:latin typeface="Consolas" panose="020B0609020204030204" pitchFamily="49" charset="0"/>
-                <a:cs typeface="Consolas" panose="020B0609020204030204" pitchFamily="49" charset="0"/>
-                <a:sym typeface="Wingdings" panose="05000000000000000000" pitchFamily="2" charset="2"/>
-              </a:rPr>
-              <a:t>filterAndSortCountries()</a:t>
-            </a:r>
-            <a:r>
-              <a:rPr lang="bg-BG" sz="2800" dirty="0">
-                <a:latin typeface="Calibri" panose="020F0502020204030204" pitchFamily="34" charset="0"/>
-                <a:cs typeface="Calibri" panose="020F0502020204030204" pitchFamily="34" charset="0"/>
-                <a:sym typeface="Wingdings" panose="05000000000000000000" pitchFamily="2" charset="2"/>
-              </a:rPr>
-              <a:t>,</a:t>
-            </a:r>
-            <a:r>
-              <a:rPr lang="bg-BG" sz="2800" dirty="0">
-                <a:solidFill>
-                  <a:schemeClr val="bg1"/>
-                </a:solidFill>
-                <a:latin typeface="Calibri" panose="020F0502020204030204" pitchFamily="34" charset="0"/>
-                <a:cs typeface="Calibri" panose="020F0502020204030204" pitchFamily="34" charset="0"/>
-                <a:sym typeface="Wingdings" panose="05000000000000000000" pitchFamily="2" charset="2"/>
-              </a:rPr>
-              <a:t> </a:t>
-            </a:r>
-            <a:r>
-              <a:rPr lang="bg-BG" sz="2800" dirty="0">
-                <a:latin typeface="Calibri" panose="020F0502020204030204" pitchFamily="34" charset="0"/>
-                <a:cs typeface="Calibri" panose="020F0502020204030204" pitchFamily="34" charset="0"/>
-              </a:rPr>
-              <a:t>който извикваме при </a:t>
-            </a:r>
-            <a:r>
-              <a:rPr lang="bg-BG" sz="2800" b="1" dirty="0">
-                <a:latin typeface="Calibri" panose="020F0502020204030204" pitchFamily="34" charset="0"/>
-                <a:cs typeface="Calibri" panose="020F0502020204030204" pitchFamily="34" charset="0"/>
-              </a:rPr>
-              <a:t>филтрирането</a:t>
-            </a:r>
-            <a:r>
-              <a:rPr lang="bg-BG" sz="2800" dirty="0">
-                <a:latin typeface="Calibri" panose="020F0502020204030204" pitchFamily="34" charset="0"/>
-                <a:cs typeface="Calibri" panose="020F0502020204030204" pitchFamily="34" charset="0"/>
-              </a:rPr>
-              <a:t> и </a:t>
-            </a:r>
-            <a:r>
-              <a:rPr lang="bg-BG" sz="2800" b="1" dirty="0">
-                <a:latin typeface="Calibri" panose="020F0502020204030204" pitchFamily="34" charset="0"/>
-                <a:cs typeface="Calibri" panose="020F0502020204030204" pitchFamily="34" charset="0"/>
-              </a:rPr>
-              <a:t>сортирането</a:t>
-            </a:r>
-            <a:endParaRPr lang="bg-BG" sz="2800" b="1" dirty="0"/>
-          </a:p>
-          <a:p>
-            <a:endParaRPr lang="en-US" dirty="0"/>
-          </a:p>
-        </p:txBody>
-      </p:sp>
-      <p:sp>
-        <p:nvSpPr>
-          <p:cNvPr id="4" name="Title 3">
-            <a:extLst>
-              <a:ext uri="{FF2B5EF4-FFF2-40B4-BE49-F238E27FC236}">
-                <a16:creationId xmlns:a16="http://schemas.microsoft.com/office/drawing/2014/main" id="{B6A97C9D-5CE3-A2C8-5F4B-D652EEE4A21A}"/>
-              </a:ext>
-            </a:extLst>
-          </p:cNvPr>
-          <p:cNvSpPr>
-            <a:spLocks noGrp="1"/>
-          </p:cNvSpPr>
-          <p:nvPr>
-            <p:ph type="title"/>
-          </p:nvPr>
-        </p:nvSpPr>
-        <p:spPr/>
-        <p:txBody>
-          <a:bodyPr/>
-          <a:lstStyle/>
-          <a:p>
-            <a:r>
-              <a:rPr lang="bg-BG" dirty="0"/>
-              <a:t>Обединяване на сортиране и филтриране</a:t>
-            </a:r>
-            <a:r>
-              <a:rPr lang="en-US" dirty="0"/>
-              <a:t> (1)</a:t>
-            </a:r>
-          </a:p>
-        </p:txBody>
-      </p:sp>
-      <p:sp>
-        <p:nvSpPr>
-          <p:cNvPr id="5" name="Rectangle 4">
-            <a:extLst>
-              <a:ext uri="{FF2B5EF4-FFF2-40B4-BE49-F238E27FC236}">
-                <a16:creationId xmlns:a16="http://schemas.microsoft.com/office/drawing/2014/main" id="{42FF9AC9-A111-15E3-5A5D-22BC36ECE886}"/>
-              </a:ext>
-            </a:extLst>
-          </p:cNvPr>
-          <p:cNvSpPr>
-            <a:spLocks noChangeArrowheads="1"/>
-          </p:cNvSpPr>
-          <p:nvPr/>
-        </p:nvSpPr>
-        <p:spPr bwMode="auto">
-          <a:xfrm>
-            <a:off x="183502" y="2197910"/>
-            <a:ext cx="11557314" cy="4526981"/>
-          </a:xfrm>
-          <a:prstGeom prst="rect">
-            <a:avLst/>
-          </a:prstGeom>
-          <a:solidFill>
-            <a:schemeClr val="accent5">
-              <a:lumMod val="40000"/>
-              <a:lumOff val="60000"/>
-              <a:alpha val="20000"/>
-            </a:schemeClr>
-          </a:solidFill>
-          <a:ln w="12700">
-            <a:solidFill>
-              <a:schemeClr val="accent5">
-                <a:lumMod val="60000"/>
-                <a:lumOff val="40000"/>
-              </a:schemeClr>
-            </a:solidFill>
-          </a:ln>
-        </p:spPr>
-        <p:txBody>
-          <a:bodyPr vert="horz" wrap="square" lIns="144000" tIns="108000" rIns="144000" bIns="108000" rtlCol="0">
-            <a:spAutoFit/>
-          </a:bodyPr>
-          <a:lstStyle/>
-          <a:p>
-            <a:r>
-              <a:rPr lang="en-GB" sz="2000" b="1" dirty="0">
-                <a:latin typeface="Consolas" panose="020B0609020204030204" pitchFamily="49" charset="0"/>
-                <a:cs typeface="Consolas" panose="020B0609020204030204" pitchFamily="49" charset="0"/>
-              </a:rPr>
-              <a:t>private void </a:t>
-            </a:r>
-            <a:r>
-              <a:rPr lang="en-GB" sz="2000" b="1" dirty="0">
-                <a:solidFill>
-                  <a:schemeClr val="bg1"/>
-                </a:solidFill>
-                <a:latin typeface="Consolas" panose="020B0609020204030204" pitchFamily="49" charset="0"/>
-                <a:cs typeface="Consolas" panose="020B0609020204030204" pitchFamily="49" charset="0"/>
-              </a:rPr>
-              <a:t>filterAndSortCountries</a:t>
-            </a:r>
-            <a:r>
-              <a:rPr lang="en-GB" sz="2000" b="1" dirty="0">
-                <a:latin typeface="Consolas" panose="020B0609020204030204" pitchFamily="49" charset="0"/>
-                <a:cs typeface="Consolas" panose="020B0609020204030204" pitchFamily="49" charset="0"/>
-              </a:rPr>
-              <a:t>()</a:t>
-            </a:r>
-          </a:p>
-          <a:p>
-            <a:r>
-              <a:rPr lang="en-GB" sz="2000" b="1" dirty="0">
-                <a:latin typeface="Consolas" panose="020B0609020204030204" pitchFamily="49" charset="0"/>
-                <a:cs typeface="Consolas" panose="020B0609020204030204" pitchFamily="49" charset="0"/>
-              </a:rPr>
-              <a:t>{</a:t>
-            </a:r>
-          </a:p>
-          <a:p>
-            <a:r>
-              <a:rPr lang="en-GB" sz="2000" b="1" dirty="0">
-                <a:latin typeface="Consolas" panose="020B0609020204030204" pitchFamily="49" charset="0"/>
-                <a:cs typeface="Consolas" panose="020B0609020204030204" pitchFamily="49" charset="0"/>
-              </a:rPr>
-              <a:t>    using (var dbContext = new CountriesDbContext())</a:t>
-            </a:r>
-          </a:p>
-          <a:p>
-            <a:r>
-              <a:rPr lang="en-GB" sz="2000" b="1" dirty="0">
-                <a:latin typeface="Consolas" panose="020B0609020204030204" pitchFamily="49" charset="0"/>
-                <a:cs typeface="Consolas" panose="020B0609020204030204" pitchFamily="49" charset="0"/>
-              </a:rPr>
-              <a:t>    {</a:t>
-            </a:r>
-          </a:p>
-          <a:p>
-            <a:r>
-              <a:rPr lang="en-GB" sz="2000" b="1" dirty="0">
-                <a:latin typeface="Consolas" panose="020B0609020204030204" pitchFamily="49" charset="0"/>
-                <a:cs typeface="Consolas" panose="020B0609020204030204" pitchFamily="49" charset="0"/>
-              </a:rPr>
-              <a:t>        </a:t>
-            </a:r>
-            <a:r>
-              <a:rPr lang="en-GB" sz="2000" b="1" dirty="0">
-                <a:solidFill>
-                  <a:schemeClr val="accent2"/>
-                </a:solidFill>
-                <a:latin typeface="Consolas" panose="020B0609020204030204" pitchFamily="49" charset="0"/>
-                <a:cs typeface="Consolas" panose="020B0609020204030204" pitchFamily="49" charset="0"/>
-              </a:rPr>
-              <a:t>// </a:t>
-            </a:r>
-            <a:r>
-              <a:rPr lang="bg-BG" sz="2000" b="1" dirty="0">
-                <a:solidFill>
-                  <a:schemeClr val="accent2"/>
-                </a:solidFill>
-                <a:latin typeface="Consolas" panose="020B0609020204030204" pitchFamily="49" charset="0"/>
-                <a:cs typeface="Consolas" panose="020B0609020204030204" pitchFamily="49" charset="0"/>
-              </a:rPr>
-              <a:t>Взимаме всички държави</a:t>
-            </a:r>
-          </a:p>
-          <a:p>
-            <a:r>
-              <a:rPr lang="bg-BG" sz="2000" b="1" dirty="0">
-                <a:latin typeface="Consolas" panose="020B0609020204030204" pitchFamily="49" charset="0"/>
-                <a:cs typeface="Consolas" panose="020B0609020204030204" pitchFamily="49" charset="0"/>
-              </a:rPr>
-              <a:t>        </a:t>
-            </a:r>
-            <a:r>
-              <a:rPr lang="en-GB" sz="2000" b="1" dirty="0">
-                <a:latin typeface="Consolas" panose="020B0609020204030204" pitchFamily="49" charset="0"/>
-                <a:cs typeface="Consolas" panose="020B0609020204030204" pitchFamily="49" charset="0"/>
-              </a:rPr>
-              <a:t>var </a:t>
-            </a:r>
-            <a:r>
-              <a:rPr lang="en-GB" sz="2000" b="1" dirty="0">
-                <a:solidFill>
-                  <a:schemeClr val="bg1"/>
-                </a:solidFill>
-                <a:latin typeface="Consolas" panose="020B0609020204030204" pitchFamily="49" charset="0"/>
-                <a:cs typeface="Consolas" panose="020B0609020204030204" pitchFamily="49" charset="0"/>
-              </a:rPr>
-              <a:t>countries</a:t>
-            </a:r>
-            <a:r>
-              <a:rPr lang="en-GB" sz="2000" b="1" dirty="0">
-                <a:latin typeface="Consolas" panose="020B0609020204030204" pitchFamily="49" charset="0"/>
-                <a:cs typeface="Consolas" panose="020B0609020204030204" pitchFamily="49" charset="0"/>
-              </a:rPr>
-              <a:t> = dbContext.Countries.ToList();</a:t>
-            </a:r>
-          </a:p>
-          <a:p>
-            <a:r>
-              <a:rPr lang="en-GB" sz="2000" b="1" dirty="0">
-                <a:latin typeface="Consolas" panose="020B0609020204030204" pitchFamily="49" charset="0"/>
-                <a:cs typeface="Consolas" panose="020B0609020204030204" pitchFamily="49" charset="0"/>
-              </a:rPr>
-              <a:t>        var </a:t>
-            </a:r>
-            <a:r>
-              <a:rPr lang="en-GB" sz="2000" b="1" dirty="0">
-                <a:solidFill>
-                  <a:schemeClr val="bg1"/>
-                </a:solidFill>
-                <a:latin typeface="Consolas" panose="020B0609020204030204" pitchFamily="49" charset="0"/>
-                <a:cs typeface="Consolas" panose="020B0609020204030204" pitchFamily="49" charset="0"/>
-              </a:rPr>
-              <a:t>result</a:t>
-            </a:r>
-            <a:r>
-              <a:rPr lang="en-GB" sz="2000" b="1" dirty="0">
-                <a:latin typeface="Consolas" panose="020B0609020204030204" pitchFamily="49" charset="0"/>
-                <a:cs typeface="Consolas" panose="020B0609020204030204" pitchFamily="49" charset="0"/>
-              </a:rPr>
-              <a:t> = countries;</a:t>
-            </a:r>
-          </a:p>
-          <a:p>
-            <a:r>
-              <a:rPr lang="en-GB" sz="2000" b="1" dirty="0">
-                <a:latin typeface="Consolas" panose="020B0609020204030204" pitchFamily="49" charset="0"/>
-                <a:cs typeface="Consolas" panose="020B0609020204030204" pitchFamily="49" charset="0"/>
-              </a:rPr>
-              <a:t>        </a:t>
-            </a:r>
-            <a:r>
-              <a:rPr lang="en-GB" sz="2000" b="1" dirty="0">
-                <a:solidFill>
-                  <a:schemeClr val="accent2"/>
-                </a:solidFill>
-                <a:latin typeface="Consolas" panose="020B0609020204030204" pitchFamily="49" charset="0"/>
-                <a:cs typeface="Consolas" panose="020B0609020204030204" pitchFamily="49" charset="0"/>
-              </a:rPr>
-              <a:t>// </a:t>
-            </a:r>
-            <a:r>
-              <a:rPr lang="bg-BG" sz="2000" b="1" dirty="0">
-                <a:solidFill>
-                  <a:schemeClr val="accent2"/>
-                </a:solidFill>
-                <a:latin typeface="Consolas" panose="020B0609020204030204" pitchFamily="49" charset="0"/>
-                <a:cs typeface="Consolas" panose="020B0609020204030204" pitchFamily="49" charset="0"/>
-              </a:rPr>
-              <a:t>Прилагаме филтъра за име на държава</a:t>
-            </a:r>
-          </a:p>
-          <a:p>
-            <a:r>
-              <a:rPr lang="bg-BG" sz="2000" b="1" dirty="0">
-                <a:latin typeface="Consolas" panose="020B0609020204030204" pitchFamily="49" charset="0"/>
-                <a:cs typeface="Consolas" panose="020B0609020204030204" pitchFamily="49" charset="0"/>
-              </a:rPr>
-              <a:t>        </a:t>
-            </a:r>
-            <a:r>
-              <a:rPr lang="en-GB" sz="2000" b="1" dirty="0">
-                <a:latin typeface="Consolas" panose="020B0609020204030204" pitchFamily="49" charset="0"/>
-                <a:cs typeface="Consolas" panose="020B0609020204030204" pitchFamily="49" charset="0"/>
-              </a:rPr>
-              <a:t>if (this.</a:t>
-            </a:r>
-            <a:r>
-              <a:rPr lang="en-GB" sz="2000" b="1" dirty="0">
-                <a:solidFill>
-                  <a:schemeClr val="bg1"/>
-                </a:solidFill>
-                <a:latin typeface="Consolas" panose="020B0609020204030204" pitchFamily="49" charset="0"/>
-                <a:cs typeface="Consolas" panose="020B0609020204030204" pitchFamily="49" charset="0"/>
-              </a:rPr>
-              <a:t>textBoxFilter</a:t>
-            </a:r>
-            <a:r>
-              <a:rPr lang="en-GB" sz="2000" b="1" dirty="0">
-                <a:latin typeface="Consolas" panose="020B0609020204030204" pitchFamily="49" charset="0"/>
-                <a:cs typeface="Consolas" panose="020B0609020204030204" pitchFamily="49" charset="0"/>
-              </a:rPr>
-              <a:t>.Text != null)</a:t>
-            </a:r>
-          </a:p>
-          <a:p>
-            <a:r>
-              <a:rPr lang="en-GB" sz="2000" b="1" dirty="0">
-                <a:latin typeface="Consolas" panose="020B0609020204030204" pitchFamily="49" charset="0"/>
-                <a:cs typeface="Consolas" panose="020B0609020204030204" pitchFamily="49" charset="0"/>
-              </a:rPr>
-              <a:t>        {</a:t>
-            </a:r>
-          </a:p>
-          <a:p>
-            <a:r>
-              <a:rPr lang="en-GB" sz="2000" b="1" dirty="0">
-                <a:latin typeface="Consolas" panose="020B0609020204030204" pitchFamily="49" charset="0"/>
-                <a:cs typeface="Consolas" panose="020B0609020204030204" pitchFamily="49" charset="0"/>
-              </a:rPr>
-              <a:t>            var filterText = this.textBoxFilter.Text.ToLower();</a:t>
-            </a:r>
-          </a:p>
-          <a:p>
-            <a:r>
-              <a:rPr lang="en-GB" sz="2000" b="1" dirty="0">
-                <a:latin typeface="Consolas" panose="020B0609020204030204" pitchFamily="49" charset="0"/>
-                <a:cs typeface="Consolas" panose="020B0609020204030204" pitchFamily="49" charset="0"/>
-              </a:rPr>
-              <a:t>            result = this.</a:t>
-            </a:r>
-            <a:r>
-              <a:rPr lang="en-GB" sz="2000" b="1" dirty="0">
-                <a:solidFill>
-                  <a:schemeClr val="bg1"/>
-                </a:solidFill>
-                <a:latin typeface="Consolas" panose="020B0609020204030204" pitchFamily="49" charset="0"/>
-                <a:cs typeface="Consolas" panose="020B0609020204030204" pitchFamily="49" charset="0"/>
-              </a:rPr>
-              <a:t>FilterCountries</a:t>
-            </a:r>
-            <a:r>
-              <a:rPr lang="en-GB" sz="2000" b="1" dirty="0">
-                <a:latin typeface="Consolas" panose="020B0609020204030204" pitchFamily="49" charset="0"/>
-                <a:cs typeface="Consolas" panose="020B0609020204030204" pitchFamily="49" charset="0"/>
-              </a:rPr>
-              <a:t>(result, filterText);</a:t>
-            </a:r>
-          </a:p>
-          <a:p>
-            <a:r>
-              <a:rPr lang="en-GB" sz="2000" b="1" dirty="0">
-                <a:latin typeface="Consolas" panose="020B0609020204030204" pitchFamily="49" charset="0"/>
-                <a:cs typeface="Consolas" panose="020B0609020204030204" pitchFamily="49" charset="0"/>
-              </a:rPr>
-              <a:t>        }       </a:t>
-            </a:r>
-          </a:p>
-          <a:p>
-            <a:r>
-              <a:rPr lang="en-US" sz="2000" b="1" dirty="0">
-                <a:latin typeface="Consolas" panose="020B0609020204030204" pitchFamily="49" charset="0"/>
-                <a:cs typeface="Consolas" panose="020B0609020204030204" pitchFamily="49" charset="0"/>
-              </a:rPr>
-              <a:t>...</a:t>
-            </a:r>
-            <a:endParaRPr lang="en-GB" sz="2000" b="1" dirty="0">
-              <a:latin typeface="Consolas" panose="020B0609020204030204" pitchFamily="49" charset="0"/>
-              <a:cs typeface="Consolas" panose="020B0609020204030204" pitchFamily="49" charset="0"/>
-            </a:endParaRPr>
-          </a:p>
-        </p:txBody>
-      </p:sp>
-    </p:spTree>
-    <p:extLst>
-      <p:ext uri="{BB962C8B-B14F-4D97-AF65-F5344CB8AC3E}">
-        <p14:creationId xmlns:p14="http://schemas.microsoft.com/office/powerpoint/2010/main" val="391277340"/>
       </p:ext>
     </p:extLst>
   </p:cSld>
@@ -24847,6 +24893,515 @@
       </p:sp>
       <p:sp>
         <p:nvSpPr>
+          <p:cNvPr id="3" name="Text Placeholder 2">
+            <a:extLst>
+              <a:ext uri="{FF2B5EF4-FFF2-40B4-BE49-F238E27FC236}">
+                <a16:creationId xmlns:a16="http://schemas.microsoft.com/office/drawing/2014/main" id="{FED6ED38-FD85-4591-4D7F-4004114D8CA1}"/>
+              </a:ext>
+            </a:extLst>
+          </p:cNvPr>
+          <p:cNvSpPr>
+            <a:spLocks noGrp="1"/>
+          </p:cNvSpPr>
+          <p:nvPr>
+            <p:ph type="body" sz="quarter" idx="10"/>
+          </p:nvPr>
+        </p:nvSpPr>
+        <p:spPr/>
+        <p:txBody>
+          <a:bodyPr>
+            <a:normAutofit/>
+          </a:bodyPr>
+          <a:lstStyle/>
+          <a:p>
+            <a:r>
+              <a:rPr lang="bg-BG" sz="2800" dirty="0">
+                <a:latin typeface="Calibri" panose="020F0502020204030204" pitchFamily="34" charset="0"/>
+                <a:cs typeface="Calibri" panose="020F0502020204030204" pitchFamily="34" charset="0"/>
+              </a:rPr>
+              <a:t>Създаваме метод </a:t>
+            </a:r>
+            <a:r>
+              <a:rPr lang="en-US" sz="2800" b="1" dirty="0">
+                <a:solidFill>
+                  <a:schemeClr val="bg1"/>
+                </a:solidFill>
+                <a:latin typeface="Consolas" panose="020B0609020204030204" pitchFamily="49" charset="0"/>
+                <a:cs typeface="Consolas" panose="020B0609020204030204" pitchFamily="49" charset="0"/>
+                <a:sym typeface="Wingdings" panose="05000000000000000000" pitchFamily="2" charset="2"/>
+              </a:rPr>
+              <a:t>filterAndSortCountries()</a:t>
+            </a:r>
+            <a:r>
+              <a:rPr lang="bg-BG" sz="2800" dirty="0">
+                <a:latin typeface="Calibri" panose="020F0502020204030204" pitchFamily="34" charset="0"/>
+                <a:cs typeface="Calibri" panose="020F0502020204030204" pitchFamily="34" charset="0"/>
+                <a:sym typeface="Wingdings" panose="05000000000000000000" pitchFamily="2" charset="2"/>
+              </a:rPr>
+              <a:t>,</a:t>
+            </a:r>
+            <a:r>
+              <a:rPr lang="bg-BG" sz="2800" dirty="0">
+                <a:solidFill>
+                  <a:schemeClr val="bg1"/>
+                </a:solidFill>
+                <a:latin typeface="Calibri" panose="020F0502020204030204" pitchFamily="34" charset="0"/>
+                <a:cs typeface="Calibri" panose="020F0502020204030204" pitchFamily="34" charset="0"/>
+                <a:sym typeface="Wingdings" panose="05000000000000000000" pitchFamily="2" charset="2"/>
+              </a:rPr>
+              <a:t> </a:t>
+            </a:r>
+            <a:r>
+              <a:rPr lang="bg-BG" sz="2800" dirty="0">
+                <a:latin typeface="Calibri" panose="020F0502020204030204" pitchFamily="34" charset="0"/>
+                <a:cs typeface="Calibri" panose="020F0502020204030204" pitchFamily="34" charset="0"/>
+              </a:rPr>
+              <a:t>който извикваме при </a:t>
+            </a:r>
+            <a:r>
+              <a:rPr lang="bg-BG" sz="2800" b="1" dirty="0">
+                <a:latin typeface="Calibri" panose="020F0502020204030204" pitchFamily="34" charset="0"/>
+                <a:cs typeface="Calibri" panose="020F0502020204030204" pitchFamily="34" charset="0"/>
+              </a:rPr>
+              <a:t>филтрирането</a:t>
+            </a:r>
+            <a:r>
+              <a:rPr lang="bg-BG" sz="2800" dirty="0">
+                <a:latin typeface="Calibri" panose="020F0502020204030204" pitchFamily="34" charset="0"/>
+                <a:cs typeface="Calibri" panose="020F0502020204030204" pitchFamily="34" charset="0"/>
+              </a:rPr>
+              <a:t> и </a:t>
+            </a:r>
+            <a:r>
+              <a:rPr lang="bg-BG" sz="2800" b="1" dirty="0">
+                <a:latin typeface="Calibri" panose="020F0502020204030204" pitchFamily="34" charset="0"/>
+                <a:cs typeface="Calibri" panose="020F0502020204030204" pitchFamily="34" charset="0"/>
+              </a:rPr>
+              <a:t>сортирането</a:t>
+            </a:r>
+            <a:endParaRPr lang="bg-BG" sz="2800" b="1" dirty="0"/>
+          </a:p>
+          <a:p>
+            <a:endParaRPr lang="en-US" dirty="0"/>
+          </a:p>
+        </p:txBody>
+      </p:sp>
+      <p:sp>
+        <p:nvSpPr>
+          <p:cNvPr id="4" name="Title 3">
+            <a:extLst>
+              <a:ext uri="{FF2B5EF4-FFF2-40B4-BE49-F238E27FC236}">
+                <a16:creationId xmlns:a16="http://schemas.microsoft.com/office/drawing/2014/main" id="{B6A97C9D-5CE3-A2C8-5F4B-D652EEE4A21A}"/>
+              </a:ext>
+            </a:extLst>
+          </p:cNvPr>
+          <p:cNvSpPr>
+            <a:spLocks noGrp="1"/>
+          </p:cNvSpPr>
+          <p:nvPr>
+            <p:ph type="title"/>
+          </p:nvPr>
+        </p:nvSpPr>
+        <p:spPr/>
+        <p:txBody>
+          <a:bodyPr/>
+          <a:lstStyle/>
+          <a:p>
+            <a:r>
+              <a:rPr lang="bg-BG" dirty="0"/>
+              <a:t>Обединяване на сортиране и филтриране</a:t>
+            </a:r>
+            <a:r>
+              <a:rPr lang="en-US" dirty="0"/>
+              <a:t> (1)</a:t>
+            </a:r>
+          </a:p>
+        </p:txBody>
+      </p:sp>
+      <p:sp>
+        <p:nvSpPr>
+          <p:cNvPr id="5" name="Rectangle 4">
+            <a:extLst>
+              <a:ext uri="{FF2B5EF4-FFF2-40B4-BE49-F238E27FC236}">
+                <a16:creationId xmlns:a16="http://schemas.microsoft.com/office/drawing/2014/main" id="{42FF9AC9-A111-15E3-5A5D-22BC36ECE886}"/>
+              </a:ext>
+            </a:extLst>
+          </p:cNvPr>
+          <p:cNvSpPr>
+            <a:spLocks noChangeArrowheads="1"/>
+          </p:cNvSpPr>
+          <p:nvPr/>
+        </p:nvSpPr>
+        <p:spPr bwMode="auto">
+          <a:xfrm>
+            <a:off x="183502" y="2197910"/>
+            <a:ext cx="11557314" cy="4526981"/>
+          </a:xfrm>
+          <a:prstGeom prst="rect">
+            <a:avLst/>
+          </a:prstGeom>
+          <a:solidFill>
+            <a:schemeClr val="accent5">
+              <a:lumMod val="40000"/>
+              <a:lumOff val="60000"/>
+              <a:alpha val="20000"/>
+            </a:schemeClr>
+          </a:solidFill>
+          <a:ln w="12700">
+            <a:solidFill>
+              <a:schemeClr val="accent5">
+                <a:lumMod val="60000"/>
+                <a:lumOff val="40000"/>
+              </a:schemeClr>
+            </a:solidFill>
+          </a:ln>
+        </p:spPr>
+        <p:txBody>
+          <a:bodyPr vert="horz" wrap="square" lIns="144000" tIns="108000" rIns="144000" bIns="108000" rtlCol="0">
+            <a:spAutoFit/>
+          </a:bodyPr>
+          <a:lstStyle/>
+          <a:p>
+            <a:r>
+              <a:rPr lang="en-GB" sz="2000" b="1" dirty="0">
+                <a:latin typeface="Consolas" panose="020B0609020204030204" pitchFamily="49" charset="0"/>
+                <a:cs typeface="Consolas" panose="020B0609020204030204" pitchFamily="49" charset="0"/>
+              </a:rPr>
+              <a:t>private void </a:t>
+            </a:r>
+            <a:r>
+              <a:rPr lang="en-GB" sz="2000" b="1" dirty="0">
+                <a:solidFill>
+                  <a:schemeClr val="bg1"/>
+                </a:solidFill>
+                <a:latin typeface="Consolas" panose="020B0609020204030204" pitchFamily="49" charset="0"/>
+                <a:cs typeface="Consolas" panose="020B0609020204030204" pitchFamily="49" charset="0"/>
+              </a:rPr>
+              <a:t>filterAndSortCountries</a:t>
+            </a:r>
+            <a:r>
+              <a:rPr lang="en-GB" sz="2000" b="1" dirty="0">
+                <a:latin typeface="Consolas" panose="020B0609020204030204" pitchFamily="49" charset="0"/>
+                <a:cs typeface="Consolas" panose="020B0609020204030204" pitchFamily="49" charset="0"/>
+              </a:rPr>
+              <a:t>()</a:t>
+            </a:r>
+          </a:p>
+          <a:p>
+            <a:r>
+              <a:rPr lang="en-GB" sz="2000" b="1" dirty="0">
+                <a:latin typeface="Consolas" panose="020B0609020204030204" pitchFamily="49" charset="0"/>
+                <a:cs typeface="Consolas" panose="020B0609020204030204" pitchFamily="49" charset="0"/>
+              </a:rPr>
+              <a:t>{</a:t>
+            </a:r>
+          </a:p>
+          <a:p>
+            <a:r>
+              <a:rPr lang="en-GB" sz="2000" b="1" dirty="0">
+                <a:latin typeface="Consolas" panose="020B0609020204030204" pitchFamily="49" charset="0"/>
+                <a:cs typeface="Consolas" panose="020B0609020204030204" pitchFamily="49" charset="0"/>
+              </a:rPr>
+              <a:t>    using (var dbContext = new CountriesDbContext())</a:t>
+            </a:r>
+          </a:p>
+          <a:p>
+            <a:r>
+              <a:rPr lang="en-GB" sz="2000" b="1" dirty="0">
+                <a:latin typeface="Consolas" panose="020B0609020204030204" pitchFamily="49" charset="0"/>
+                <a:cs typeface="Consolas" panose="020B0609020204030204" pitchFamily="49" charset="0"/>
+              </a:rPr>
+              <a:t>    {</a:t>
+            </a:r>
+          </a:p>
+          <a:p>
+            <a:r>
+              <a:rPr lang="en-GB" sz="2000" b="1" dirty="0">
+                <a:latin typeface="Consolas" panose="020B0609020204030204" pitchFamily="49" charset="0"/>
+                <a:cs typeface="Consolas" panose="020B0609020204030204" pitchFamily="49" charset="0"/>
+              </a:rPr>
+              <a:t>        </a:t>
+            </a:r>
+            <a:r>
+              <a:rPr lang="en-GB" sz="2000" b="1" dirty="0">
+                <a:solidFill>
+                  <a:schemeClr val="accent2"/>
+                </a:solidFill>
+                <a:latin typeface="Consolas" panose="020B0609020204030204" pitchFamily="49" charset="0"/>
+                <a:cs typeface="Consolas" panose="020B0609020204030204" pitchFamily="49" charset="0"/>
+              </a:rPr>
+              <a:t>// </a:t>
+            </a:r>
+            <a:r>
+              <a:rPr lang="bg-BG" sz="2000" b="1" dirty="0">
+                <a:solidFill>
+                  <a:schemeClr val="accent2"/>
+                </a:solidFill>
+                <a:latin typeface="Consolas" panose="020B0609020204030204" pitchFamily="49" charset="0"/>
+                <a:cs typeface="Consolas" panose="020B0609020204030204" pitchFamily="49" charset="0"/>
+              </a:rPr>
+              <a:t>Взимаме всички държави</a:t>
+            </a:r>
+          </a:p>
+          <a:p>
+            <a:r>
+              <a:rPr lang="bg-BG" sz="2000" b="1" dirty="0">
+                <a:latin typeface="Consolas" panose="020B0609020204030204" pitchFamily="49" charset="0"/>
+                <a:cs typeface="Consolas" panose="020B0609020204030204" pitchFamily="49" charset="0"/>
+              </a:rPr>
+              <a:t>        </a:t>
+            </a:r>
+            <a:r>
+              <a:rPr lang="en-GB" sz="2000" b="1" dirty="0">
+                <a:latin typeface="Consolas" panose="020B0609020204030204" pitchFamily="49" charset="0"/>
+                <a:cs typeface="Consolas" panose="020B0609020204030204" pitchFamily="49" charset="0"/>
+              </a:rPr>
+              <a:t>var </a:t>
+            </a:r>
+            <a:r>
+              <a:rPr lang="en-GB" sz="2000" b="1" dirty="0">
+                <a:solidFill>
+                  <a:schemeClr val="bg1"/>
+                </a:solidFill>
+                <a:latin typeface="Consolas" panose="020B0609020204030204" pitchFamily="49" charset="0"/>
+                <a:cs typeface="Consolas" panose="020B0609020204030204" pitchFamily="49" charset="0"/>
+              </a:rPr>
+              <a:t>countries</a:t>
+            </a:r>
+            <a:r>
+              <a:rPr lang="en-GB" sz="2000" b="1" dirty="0">
+                <a:latin typeface="Consolas" panose="020B0609020204030204" pitchFamily="49" charset="0"/>
+                <a:cs typeface="Consolas" panose="020B0609020204030204" pitchFamily="49" charset="0"/>
+              </a:rPr>
+              <a:t> = dbContext.Countries.ToList();</a:t>
+            </a:r>
+          </a:p>
+          <a:p>
+            <a:r>
+              <a:rPr lang="en-GB" sz="2000" b="1" dirty="0">
+                <a:latin typeface="Consolas" panose="020B0609020204030204" pitchFamily="49" charset="0"/>
+                <a:cs typeface="Consolas" panose="020B0609020204030204" pitchFamily="49" charset="0"/>
+              </a:rPr>
+              <a:t>        var </a:t>
+            </a:r>
+            <a:r>
+              <a:rPr lang="en-GB" sz="2000" b="1" dirty="0">
+                <a:solidFill>
+                  <a:schemeClr val="bg1"/>
+                </a:solidFill>
+                <a:latin typeface="Consolas" panose="020B0609020204030204" pitchFamily="49" charset="0"/>
+                <a:cs typeface="Consolas" panose="020B0609020204030204" pitchFamily="49" charset="0"/>
+              </a:rPr>
+              <a:t>result</a:t>
+            </a:r>
+            <a:r>
+              <a:rPr lang="en-GB" sz="2000" b="1" dirty="0">
+                <a:latin typeface="Consolas" panose="020B0609020204030204" pitchFamily="49" charset="0"/>
+                <a:cs typeface="Consolas" panose="020B0609020204030204" pitchFamily="49" charset="0"/>
+              </a:rPr>
+              <a:t> = countries;</a:t>
+            </a:r>
+          </a:p>
+          <a:p>
+            <a:r>
+              <a:rPr lang="en-GB" sz="2000" b="1" dirty="0">
+                <a:latin typeface="Consolas" panose="020B0609020204030204" pitchFamily="49" charset="0"/>
+                <a:cs typeface="Consolas" panose="020B0609020204030204" pitchFamily="49" charset="0"/>
+              </a:rPr>
+              <a:t>        </a:t>
+            </a:r>
+            <a:r>
+              <a:rPr lang="en-GB" sz="2000" b="1" dirty="0">
+                <a:solidFill>
+                  <a:schemeClr val="accent2"/>
+                </a:solidFill>
+                <a:latin typeface="Consolas" panose="020B0609020204030204" pitchFamily="49" charset="0"/>
+                <a:cs typeface="Consolas" panose="020B0609020204030204" pitchFamily="49" charset="0"/>
+              </a:rPr>
+              <a:t>// </a:t>
+            </a:r>
+            <a:r>
+              <a:rPr lang="bg-BG" sz="2000" b="1" dirty="0">
+                <a:solidFill>
+                  <a:schemeClr val="accent2"/>
+                </a:solidFill>
+                <a:latin typeface="Consolas" panose="020B0609020204030204" pitchFamily="49" charset="0"/>
+                <a:cs typeface="Consolas" panose="020B0609020204030204" pitchFamily="49" charset="0"/>
+              </a:rPr>
+              <a:t>Прилагаме филтъра за име на държава</a:t>
+            </a:r>
+          </a:p>
+          <a:p>
+            <a:r>
+              <a:rPr lang="bg-BG" sz="2000" b="1" dirty="0">
+                <a:latin typeface="Consolas" panose="020B0609020204030204" pitchFamily="49" charset="0"/>
+                <a:cs typeface="Consolas" panose="020B0609020204030204" pitchFamily="49" charset="0"/>
+              </a:rPr>
+              <a:t>        </a:t>
+            </a:r>
+            <a:r>
+              <a:rPr lang="en-GB" sz="2000" b="1" dirty="0">
+                <a:latin typeface="Consolas" panose="020B0609020204030204" pitchFamily="49" charset="0"/>
+                <a:cs typeface="Consolas" panose="020B0609020204030204" pitchFamily="49" charset="0"/>
+              </a:rPr>
+              <a:t>if (this.</a:t>
+            </a:r>
+            <a:r>
+              <a:rPr lang="en-GB" sz="2000" b="1" dirty="0">
+                <a:solidFill>
+                  <a:schemeClr val="bg1"/>
+                </a:solidFill>
+                <a:latin typeface="Consolas" panose="020B0609020204030204" pitchFamily="49" charset="0"/>
+                <a:cs typeface="Consolas" panose="020B0609020204030204" pitchFamily="49" charset="0"/>
+              </a:rPr>
+              <a:t>textBoxFilter</a:t>
+            </a:r>
+            <a:r>
+              <a:rPr lang="en-GB" sz="2000" b="1" dirty="0">
+                <a:latin typeface="Consolas" panose="020B0609020204030204" pitchFamily="49" charset="0"/>
+                <a:cs typeface="Consolas" panose="020B0609020204030204" pitchFamily="49" charset="0"/>
+              </a:rPr>
+              <a:t>.Text != null)</a:t>
+            </a:r>
+          </a:p>
+          <a:p>
+            <a:r>
+              <a:rPr lang="en-GB" sz="2000" b="1" dirty="0">
+                <a:latin typeface="Consolas" panose="020B0609020204030204" pitchFamily="49" charset="0"/>
+                <a:cs typeface="Consolas" panose="020B0609020204030204" pitchFamily="49" charset="0"/>
+              </a:rPr>
+              <a:t>        {</a:t>
+            </a:r>
+          </a:p>
+          <a:p>
+            <a:r>
+              <a:rPr lang="en-GB" sz="2000" b="1" dirty="0">
+                <a:latin typeface="Consolas" panose="020B0609020204030204" pitchFamily="49" charset="0"/>
+                <a:cs typeface="Consolas" panose="020B0609020204030204" pitchFamily="49" charset="0"/>
+              </a:rPr>
+              <a:t>            var filterText = this.textBoxFilter.Text.ToLower();</a:t>
+            </a:r>
+          </a:p>
+          <a:p>
+            <a:r>
+              <a:rPr lang="en-GB" sz="2000" b="1" dirty="0">
+                <a:latin typeface="Consolas" panose="020B0609020204030204" pitchFamily="49" charset="0"/>
+                <a:cs typeface="Consolas" panose="020B0609020204030204" pitchFamily="49" charset="0"/>
+              </a:rPr>
+              <a:t>            result = this.</a:t>
+            </a:r>
+            <a:r>
+              <a:rPr lang="en-GB" sz="2000" b="1" dirty="0">
+                <a:solidFill>
+                  <a:schemeClr val="bg1"/>
+                </a:solidFill>
+                <a:latin typeface="Consolas" panose="020B0609020204030204" pitchFamily="49" charset="0"/>
+                <a:cs typeface="Consolas" panose="020B0609020204030204" pitchFamily="49" charset="0"/>
+              </a:rPr>
+              <a:t>FilterCountries</a:t>
+            </a:r>
+            <a:r>
+              <a:rPr lang="en-GB" sz="2000" b="1" dirty="0">
+                <a:latin typeface="Consolas" panose="020B0609020204030204" pitchFamily="49" charset="0"/>
+                <a:cs typeface="Consolas" panose="020B0609020204030204" pitchFamily="49" charset="0"/>
+              </a:rPr>
+              <a:t>(result, filterText);</a:t>
+            </a:r>
+          </a:p>
+          <a:p>
+            <a:r>
+              <a:rPr lang="en-GB" sz="2000" b="1" dirty="0">
+                <a:latin typeface="Consolas" panose="020B0609020204030204" pitchFamily="49" charset="0"/>
+                <a:cs typeface="Consolas" panose="020B0609020204030204" pitchFamily="49" charset="0"/>
+              </a:rPr>
+              <a:t>        }       </a:t>
+            </a:r>
+          </a:p>
+          <a:p>
+            <a:r>
+              <a:rPr lang="en-US" sz="2000" b="1" dirty="0">
+                <a:latin typeface="Consolas" panose="020B0609020204030204" pitchFamily="49" charset="0"/>
+                <a:cs typeface="Consolas" panose="020B0609020204030204" pitchFamily="49" charset="0"/>
+              </a:rPr>
+              <a:t>...</a:t>
+            </a:r>
+            <a:endParaRPr lang="en-GB" sz="2000" b="1" dirty="0">
+              <a:latin typeface="Consolas" panose="020B0609020204030204" pitchFamily="49" charset="0"/>
+              <a:cs typeface="Consolas" panose="020B0609020204030204" pitchFamily="49" charset="0"/>
+            </a:endParaRPr>
+          </a:p>
+        </p:txBody>
+      </p:sp>
+    </p:spTree>
+    <p:extLst>
+      <p:ext uri="{BB962C8B-B14F-4D97-AF65-F5344CB8AC3E}">
+        <p14:creationId xmlns:p14="http://schemas.microsoft.com/office/powerpoint/2010/main" val="391277340"/>
+      </p:ext>
+    </p:extLst>
+  </p:cSld>
+  <p:clrMapOvr>
+    <a:masterClrMapping/>
+  </p:clrMapOvr>
+  <mc:AlternateContent xmlns:mc="http://schemas.openxmlformats.org/markup-compatibility/2006" xmlns:p14="http://schemas.microsoft.com/office/powerpoint/2010/main">
+    <mc:Choice Requires="p14">
+      <p:transition spd="slow" p14:dur="2000" advClick="0" advTm="5000"/>
+    </mc:Choice>
+    <mc:Fallback xmlns="">
+      <p:transition spd="slow" advClick="0" advTm="5000"/>
+    </mc:Fallback>
+  </mc:AlternateContent>
+</p:sld>
+</file>
+
+<file path=ppt/slides/slide38.xml><?xml version="1.0" encoding="utf-8"?>
+<p:sld xmlns:a="http://schemas.openxmlformats.org/drawingml/2006/main" xmlns:r="http://schemas.openxmlformats.org/officeDocument/2006/relationships" xmlns:p="http://schemas.openxmlformats.org/presentationml/2006/main">
+  <p:cSld>
+    <p:spTree>
+      <p:nvGrpSpPr>
+        <p:cNvPr id="1" name=""/>
+        <p:cNvGrpSpPr/>
+        <p:nvPr/>
+      </p:nvGrpSpPr>
+      <p:grpSpPr>
+        <a:xfrm>
+          <a:off x="0" y="0"/>
+          <a:ext cx="0" cy="0"/>
+          <a:chOff x="0" y="0"/>
+          <a:chExt cx="0" cy="0"/>
+        </a:xfrm>
+      </p:grpSpPr>
+      <p:sp>
+        <p:nvSpPr>
+          <p:cNvPr id="2" name="Slide Number Placeholder 1">
+            <a:extLst>
+              <a:ext uri="{FF2B5EF4-FFF2-40B4-BE49-F238E27FC236}">
+                <a16:creationId xmlns:a16="http://schemas.microsoft.com/office/drawing/2014/main" id="{19F4C4F9-F53D-7EEC-5982-91B898AF1E6C}"/>
+              </a:ext>
+            </a:extLst>
+          </p:cNvPr>
+          <p:cNvSpPr>
+            <a:spLocks noGrp="1"/>
+          </p:cNvSpPr>
+          <p:nvPr>
+            <p:ph type="sldNum" sz="quarter" idx="5"/>
+          </p:nvPr>
+        </p:nvSpPr>
+        <p:spPr/>
+        <p:txBody>
+          <a:bodyPr/>
+          <a:lstStyle/>
+          <a:p>
+            <a:fld id="{2BF067CD-8E6B-4360-9AA8-C5DF2A48A6D1}" type="slidenum">
+              <a:rPr lang="en-US" noProof="0" smtClean="0"/>
+              <a:pPr/>
+              <a:t>38</a:t>
+            </a:fld>
+            <a:endParaRPr lang="en-US" noProof="0" dirty="0"/>
+          </a:p>
+        </p:txBody>
+      </p:sp>
+      <p:sp>
+        <p:nvSpPr>
           <p:cNvPr id="4" name="Title 3">
             <a:extLst>
               <a:ext uri="{FF2B5EF4-FFF2-40B4-BE49-F238E27FC236}">
@@ -25200,7 +25755,7 @@
 </p:sld>
 </file>
 
-<file path=ppt/slides/slide38.xml><?xml version="1.0" encoding="utf-8"?>
+<file path=ppt/slides/slide39.xml><?xml version="1.0" encoding="utf-8"?>
 <p:sld xmlns:a="http://schemas.openxmlformats.org/drawingml/2006/main" xmlns:r="http://schemas.openxmlformats.org/officeDocument/2006/relationships" xmlns:p="http://schemas.openxmlformats.org/presentationml/2006/main">
   <p:cSld>
     <p:spTree>
@@ -25241,7 +25796,7 @@
             <a:fld id="{2BF067CD-8E6B-4360-9AA8-C5DF2A48A6D1}" type="slidenum">
               <a:rPr lang="en-US" noProof="0" smtClean="0"/>
               <a:pPr/>
-              <a:t>38</a:t>
+              <a:t>39</a:t>
             </a:fld>
             <a:endParaRPr lang="en-US" noProof="0" dirty="0"/>
           </a:p>
@@ -25560,270 +26115,6 @@
     <p:bldLst>
       <p:bldP spid="5" grpId="0" animBg="1"/>
     </p:bldLst>
-  </p:timing>
-</p:sld>
-</file>
-
-<file path=ppt/slides/slide39.xml><?xml version="1.0" encoding="utf-8"?>
-<p:sld xmlns:a="http://schemas.openxmlformats.org/drawingml/2006/main" xmlns:r="http://schemas.openxmlformats.org/officeDocument/2006/relationships" xmlns:p="http://schemas.openxmlformats.org/presentationml/2006/main">
-  <p:cSld>
-    <p:spTree>
-      <p:nvGrpSpPr>
-        <p:cNvPr id="1" name=""/>
-        <p:cNvGrpSpPr/>
-        <p:nvPr/>
-      </p:nvGrpSpPr>
-      <p:grpSpPr>
-        <a:xfrm>
-          <a:off x="0" y="0"/>
-          <a:ext cx="0" cy="0"/>
-          <a:chOff x="0" y="0"/>
-          <a:chExt cx="0" cy="0"/>
-        </a:xfrm>
-      </p:grpSpPr>
-      <p:sp>
-        <p:nvSpPr>
-          <p:cNvPr id="2" name="Slide Number Placeholder 1">
-            <a:extLst>
-              <a:ext uri="{FF2B5EF4-FFF2-40B4-BE49-F238E27FC236}">
-                <a16:creationId xmlns:a16="http://schemas.microsoft.com/office/drawing/2014/main" id="{17B9613A-E959-7D44-F55D-E718F1D48461}"/>
-              </a:ext>
-            </a:extLst>
-          </p:cNvPr>
-          <p:cNvSpPr>
-            <a:spLocks noGrp="1"/>
-          </p:cNvSpPr>
-          <p:nvPr>
-            <p:ph type="sldNum" sz="quarter" idx="5"/>
-          </p:nvPr>
-        </p:nvSpPr>
-        <p:spPr/>
-        <p:txBody>
-          <a:bodyPr/>
-          <a:lstStyle/>
-          <a:p>
-            <a:fld id="{2BF067CD-8E6B-4360-9AA8-C5DF2A48A6D1}" type="slidenum">
-              <a:rPr lang="en-US" noProof="0" smtClean="0"/>
-              <a:pPr/>
-              <a:t>39</a:t>
-            </a:fld>
-            <a:endParaRPr lang="en-US" noProof="0" dirty="0"/>
-          </a:p>
-        </p:txBody>
-      </p:sp>
-      <p:sp>
-        <p:nvSpPr>
-          <p:cNvPr id="4" name="Title 3">
-            <a:extLst>
-              <a:ext uri="{FF2B5EF4-FFF2-40B4-BE49-F238E27FC236}">
-                <a16:creationId xmlns:a16="http://schemas.microsoft.com/office/drawing/2014/main" id="{086E11B0-7981-D3D5-9F61-B7C5904532DE}"/>
-              </a:ext>
-            </a:extLst>
-          </p:cNvPr>
-          <p:cNvSpPr>
-            <a:spLocks noGrp="1"/>
-          </p:cNvSpPr>
-          <p:nvPr>
-            <p:ph type="title"/>
-          </p:nvPr>
-        </p:nvSpPr>
-        <p:spPr/>
-        <p:txBody>
-          <a:bodyPr/>
-          <a:lstStyle/>
-          <a:p>
-            <a:r>
-              <a:rPr lang="bg-BG" dirty="0"/>
-              <a:t>Резултат</a:t>
-            </a:r>
-            <a:r>
-              <a:rPr lang="en-US" dirty="0"/>
-              <a:t> - </a:t>
-            </a:r>
-            <a:r>
-              <a:rPr lang="bg-BG" dirty="0"/>
-              <a:t>филтриране и сортиране</a:t>
-            </a:r>
-            <a:endParaRPr lang="en-BG" dirty="0"/>
-          </a:p>
-        </p:txBody>
-      </p:sp>
-      <p:pic>
-        <p:nvPicPr>
-          <p:cNvPr id="8" name="Picture 7">
-            <a:extLst>
-              <a:ext uri="{FF2B5EF4-FFF2-40B4-BE49-F238E27FC236}">
-                <a16:creationId xmlns:a16="http://schemas.microsoft.com/office/drawing/2014/main" id="{0083D3EF-605D-20AC-C61C-FB543CADE414}"/>
-              </a:ext>
-            </a:extLst>
-          </p:cNvPr>
-          <p:cNvPicPr>
-            <a:picLocks noChangeAspect="1"/>
-          </p:cNvPicPr>
-          <p:nvPr/>
-        </p:nvPicPr>
-        <p:blipFill>
-          <a:blip r:embed="rId3">
-            <a:extLst>
-              <a:ext uri="{28A0092B-C50C-407E-A947-70E740481C1C}">
-                <a14:useLocalDpi xmlns:a14="http://schemas.microsoft.com/office/drawing/2010/main" val="0"/>
-              </a:ext>
-            </a:extLst>
-          </a:blip>
-          <a:srcRect/>
-          <a:stretch/>
-        </p:blipFill>
-        <p:spPr>
-          <a:xfrm>
-            <a:off x="418636" y="2009508"/>
-            <a:ext cx="5490000" cy="3494576"/>
-          </a:xfrm>
-          <a:prstGeom prst="rect">
-            <a:avLst/>
-          </a:prstGeom>
-          <a:ln>
-            <a:solidFill>
-              <a:schemeClr val="bg2">
-                <a:lumMod val="75000"/>
-              </a:schemeClr>
-            </a:solidFill>
-          </a:ln>
-        </p:spPr>
-      </p:pic>
-      <p:pic>
-        <p:nvPicPr>
-          <p:cNvPr id="10" name="Picture 9">
-            <a:extLst>
-              <a:ext uri="{FF2B5EF4-FFF2-40B4-BE49-F238E27FC236}">
-                <a16:creationId xmlns:a16="http://schemas.microsoft.com/office/drawing/2014/main" id="{125B66B2-E620-111F-25B1-16569238596B}"/>
-              </a:ext>
-            </a:extLst>
-          </p:cNvPr>
-          <p:cNvPicPr>
-            <a:picLocks noChangeAspect="1"/>
-          </p:cNvPicPr>
-          <p:nvPr/>
-        </p:nvPicPr>
-        <p:blipFill>
-          <a:blip r:embed="rId4">
-            <a:extLst>
-              <a:ext uri="{28A0092B-C50C-407E-A947-70E740481C1C}">
-                <a14:useLocalDpi xmlns:a14="http://schemas.microsoft.com/office/drawing/2010/main" val="0"/>
-              </a:ext>
-            </a:extLst>
-          </a:blip>
-          <a:srcRect/>
-          <a:stretch/>
-        </p:blipFill>
-        <p:spPr>
-          <a:xfrm>
-            <a:off x="6283365" y="1997476"/>
-            <a:ext cx="5490002" cy="3494577"/>
-          </a:xfrm>
-          <a:prstGeom prst="rect">
-            <a:avLst/>
-          </a:prstGeom>
-          <a:ln>
-            <a:solidFill>
-              <a:schemeClr val="bg2">
-                <a:lumMod val="75000"/>
-              </a:schemeClr>
-            </a:solidFill>
-          </a:ln>
-        </p:spPr>
-      </p:pic>
-    </p:spTree>
-    <p:extLst>
-      <p:ext uri="{BB962C8B-B14F-4D97-AF65-F5344CB8AC3E}">
-        <p14:creationId xmlns:p14="http://schemas.microsoft.com/office/powerpoint/2010/main" val="3838473834"/>
-      </p:ext>
-    </p:extLst>
-  </p:cSld>
-  <p:clrMapOvr>
-    <a:masterClrMapping/>
-  </p:clrMapOvr>
-  <mc:AlternateContent xmlns:mc="http://schemas.openxmlformats.org/markup-compatibility/2006" xmlns:p14="http://schemas.microsoft.com/office/powerpoint/2010/main">
-    <mc:Choice Requires="p14">
-      <p:transition spd="slow" p14:dur="2000" advClick="0" advTm="5000"/>
-    </mc:Choice>
-    <mc:Fallback xmlns="">
-      <p:transition spd="slow" advClick="0" advTm="5000"/>
-    </mc:Fallback>
-  </mc:AlternateContent>
-  <p:timing>
-    <p:tnLst>
-      <p:par>
-        <p:cTn id="1" dur="indefinite" restart="never" nodeType="tmRoot">
-          <p:childTnLst>
-            <p:seq concurrent="1" nextAc="seek">
-              <p:cTn id="2" dur="indefinite" nodeType="mainSeq">
-                <p:childTnLst>
-                  <p:par>
-                    <p:cTn id="3" fill="hold">
-                      <p:stCondLst>
-                        <p:cond delay="indefinite"/>
-                      </p:stCondLst>
-                      <p:childTnLst>
-                        <p:par>
-                          <p:cTn id="4" fill="hold">
-                            <p:stCondLst>
-                              <p:cond delay="0"/>
-                            </p:stCondLst>
-                            <p:childTnLst>
-                              <p:par>
-                                <p:cTn id="5" presetID="1" presetClass="entr" presetSubtype="0" fill="hold" nodeType="clickEffect">
-                                  <p:stCondLst>
-                                    <p:cond delay="0"/>
-                                  </p:stCondLst>
-                                  <p:childTnLst>
-                                    <p:set>
-                                      <p:cBhvr>
-                                        <p:cTn id="6" dur="1" fill="hold">
-                                          <p:stCondLst>
-                                            <p:cond delay="0"/>
-                                          </p:stCondLst>
-                                        </p:cTn>
-                                        <p:tgtEl>
-                                          <p:spTgt spid="10"/>
-                                        </p:tgtEl>
-                                        <p:attrNameLst>
-                                          <p:attrName>style.visibility</p:attrName>
-                                        </p:attrNameLst>
-                                      </p:cBhvr>
-                                      <p:to>
-                                        <p:strVal val="visible"/>
-                                      </p:to>
-                                    </p:set>
-                                  </p:childTnLst>
-                                </p:cTn>
-                              </p:par>
-                            </p:childTnLst>
-                          </p:cTn>
-                        </p:par>
-                      </p:childTnLst>
-                    </p:cTn>
-                  </p:par>
-                </p:childTnLst>
-              </p:cTn>
-              <p:prevCondLst>
-                <p:cond evt="onPrev" delay="0">
-                  <p:tgtEl>
-                    <p:sldTgt/>
-                  </p:tgtEl>
-                </p:cond>
-              </p:prevCondLst>
-              <p:nextCondLst>
-                <p:cond evt="onNext" delay="0">
-                  <p:tgtEl>
-                    <p:sldTgt/>
-                  </p:tgtEl>
-                </p:cond>
-              </p:nextCondLst>
-            </p:seq>
-          </p:childTnLst>
-        </p:cTn>
-      </p:par>
-    </p:tnLst>
   </p:timing>
 </p:sld>
 </file>
@@ -26260,6 +26551,270 @@
           <a:chExt cx="0" cy="0"/>
         </a:xfrm>
       </p:grpSpPr>
+      <p:sp>
+        <p:nvSpPr>
+          <p:cNvPr id="2" name="Slide Number Placeholder 1">
+            <a:extLst>
+              <a:ext uri="{FF2B5EF4-FFF2-40B4-BE49-F238E27FC236}">
+                <a16:creationId xmlns:a16="http://schemas.microsoft.com/office/drawing/2014/main" id="{17B9613A-E959-7D44-F55D-E718F1D48461}"/>
+              </a:ext>
+            </a:extLst>
+          </p:cNvPr>
+          <p:cNvSpPr>
+            <a:spLocks noGrp="1"/>
+          </p:cNvSpPr>
+          <p:nvPr>
+            <p:ph type="sldNum" sz="quarter" idx="5"/>
+          </p:nvPr>
+        </p:nvSpPr>
+        <p:spPr/>
+        <p:txBody>
+          <a:bodyPr/>
+          <a:lstStyle/>
+          <a:p>
+            <a:fld id="{2BF067CD-8E6B-4360-9AA8-C5DF2A48A6D1}" type="slidenum">
+              <a:rPr lang="en-US" noProof="0" smtClean="0"/>
+              <a:pPr/>
+              <a:t>40</a:t>
+            </a:fld>
+            <a:endParaRPr lang="en-US" noProof="0" dirty="0"/>
+          </a:p>
+        </p:txBody>
+      </p:sp>
+      <p:sp>
+        <p:nvSpPr>
+          <p:cNvPr id="4" name="Title 3">
+            <a:extLst>
+              <a:ext uri="{FF2B5EF4-FFF2-40B4-BE49-F238E27FC236}">
+                <a16:creationId xmlns:a16="http://schemas.microsoft.com/office/drawing/2014/main" id="{086E11B0-7981-D3D5-9F61-B7C5904532DE}"/>
+              </a:ext>
+            </a:extLst>
+          </p:cNvPr>
+          <p:cNvSpPr>
+            <a:spLocks noGrp="1"/>
+          </p:cNvSpPr>
+          <p:nvPr>
+            <p:ph type="title"/>
+          </p:nvPr>
+        </p:nvSpPr>
+        <p:spPr/>
+        <p:txBody>
+          <a:bodyPr/>
+          <a:lstStyle/>
+          <a:p>
+            <a:r>
+              <a:rPr lang="bg-BG" dirty="0"/>
+              <a:t>Резултат</a:t>
+            </a:r>
+            <a:r>
+              <a:rPr lang="en-US" dirty="0"/>
+              <a:t> - </a:t>
+            </a:r>
+            <a:r>
+              <a:rPr lang="bg-BG" dirty="0"/>
+              <a:t>филтриране и сортиране</a:t>
+            </a:r>
+            <a:endParaRPr lang="en-BG" dirty="0"/>
+          </a:p>
+        </p:txBody>
+      </p:sp>
+      <p:pic>
+        <p:nvPicPr>
+          <p:cNvPr id="8" name="Picture 7">
+            <a:extLst>
+              <a:ext uri="{FF2B5EF4-FFF2-40B4-BE49-F238E27FC236}">
+                <a16:creationId xmlns:a16="http://schemas.microsoft.com/office/drawing/2014/main" id="{0083D3EF-605D-20AC-C61C-FB543CADE414}"/>
+              </a:ext>
+            </a:extLst>
+          </p:cNvPr>
+          <p:cNvPicPr>
+            <a:picLocks noChangeAspect="1"/>
+          </p:cNvPicPr>
+          <p:nvPr/>
+        </p:nvPicPr>
+        <p:blipFill>
+          <a:blip r:embed="rId3">
+            <a:extLst>
+              <a:ext uri="{28A0092B-C50C-407E-A947-70E740481C1C}">
+                <a14:useLocalDpi xmlns:a14="http://schemas.microsoft.com/office/drawing/2010/main" val="0"/>
+              </a:ext>
+            </a:extLst>
+          </a:blip>
+          <a:srcRect/>
+          <a:stretch/>
+        </p:blipFill>
+        <p:spPr>
+          <a:xfrm>
+            <a:off x="418636" y="2009508"/>
+            <a:ext cx="5490000" cy="3494576"/>
+          </a:xfrm>
+          <a:prstGeom prst="rect">
+            <a:avLst/>
+          </a:prstGeom>
+          <a:ln>
+            <a:solidFill>
+              <a:schemeClr val="bg2">
+                <a:lumMod val="75000"/>
+              </a:schemeClr>
+            </a:solidFill>
+          </a:ln>
+        </p:spPr>
+      </p:pic>
+      <p:pic>
+        <p:nvPicPr>
+          <p:cNvPr id="10" name="Picture 9">
+            <a:extLst>
+              <a:ext uri="{FF2B5EF4-FFF2-40B4-BE49-F238E27FC236}">
+                <a16:creationId xmlns:a16="http://schemas.microsoft.com/office/drawing/2014/main" id="{125B66B2-E620-111F-25B1-16569238596B}"/>
+              </a:ext>
+            </a:extLst>
+          </p:cNvPr>
+          <p:cNvPicPr>
+            <a:picLocks noChangeAspect="1"/>
+          </p:cNvPicPr>
+          <p:nvPr/>
+        </p:nvPicPr>
+        <p:blipFill>
+          <a:blip r:embed="rId4">
+            <a:extLst>
+              <a:ext uri="{28A0092B-C50C-407E-A947-70E740481C1C}">
+                <a14:useLocalDpi xmlns:a14="http://schemas.microsoft.com/office/drawing/2010/main" val="0"/>
+              </a:ext>
+            </a:extLst>
+          </a:blip>
+          <a:srcRect/>
+          <a:stretch/>
+        </p:blipFill>
+        <p:spPr>
+          <a:xfrm>
+            <a:off x="6283365" y="1997476"/>
+            <a:ext cx="5490002" cy="3494577"/>
+          </a:xfrm>
+          <a:prstGeom prst="rect">
+            <a:avLst/>
+          </a:prstGeom>
+          <a:ln>
+            <a:solidFill>
+              <a:schemeClr val="bg2">
+                <a:lumMod val="75000"/>
+              </a:schemeClr>
+            </a:solidFill>
+          </a:ln>
+        </p:spPr>
+      </p:pic>
+    </p:spTree>
+    <p:extLst>
+      <p:ext uri="{BB962C8B-B14F-4D97-AF65-F5344CB8AC3E}">
+        <p14:creationId xmlns:p14="http://schemas.microsoft.com/office/powerpoint/2010/main" val="3838473834"/>
+      </p:ext>
+    </p:extLst>
+  </p:cSld>
+  <p:clrMapOvr>
+    <a:masterClrMapping/>
+  </p:clrMapOvr>
+  <mc:AlternateContent xmlns:mc="http://schemas.openxmlformats.org/markup-compatibility/2006" xmlns:p14="http://schemas.microsoft.com/office/powerpoint/2010/main">
+    <mc:Choice Requires="p14">
+      <p:transition spd="slow" p14:dur="2000" advClick="0" advTm="5000"/>
+    </mc:Choice>
+    <mc:Fallback xmlns="">
+      <p:transition spd="slow" advClick="0" advTm="5000"/>
+    </mc:Fallback>
+  </mc:AlternateContent>
+  <p:timing>
+    <p:tnLst>
+      <p:par>
+        <p:cTn id="1" dur="indefinite" restart="never" nodeType="tmRoot">
+          <p:childTnLst>
+            <p:seq concurrent="1" nextAc="seek">
+              <p:cTn id="2" dur="indefinite" nodeType="mainSeq">
+                <p:childTnLst>
+                  <p:par>
+                    <p:cTn id="3" fill="hold">
+                      <p:stCondLst>
+                        <p:cond delay="indefinite"/>
+                      </p:stCondLst>
+                      <p:childTnLst>
+                        <p:par>
+                          <p:cTn id="4" fill="hold">
+                            <p:stCondLst>
+                              <p:cond delay="0"/>
+                            </p:stCondLst>
+                            <p:childTnLst>
+                              <p:par>
+                                <p:cTn id="5" presetID="1" presetClass="entr" presetSubtype="0" fill="hold" nodeType="clickEffect">
+                                  <p:stCondLst>
+                                    <p:cond delay="0"/>
+                                  </p:stCondLst>
+                                  <p:childTnLst>
+                                    <p:set>
+                                      <p:cBhvr>
+                                        <p:cTn id="6" dur="1" fill="hold">
+                                          <p:stCondLst>
+                                            <p:cond delay="0"/>
+                                          </p:stCondLst>
+                                        </p:cTn>
+                                        <p:tgtEl>
+                                          <p:spTgt spid="10"/>
+                                        </p:tgtEl>
+                                        <p:attrNameLst>
+                                          <p:attrName>style.visibility</p:attrName>
+                                        </p:attrNameLst>
+                                      </p:cBhvr>
+                                      <p:to>
+                                        <p:strVal val="visible"/>
+                                      </p:to>
+                                    </p:set>
+                                  </p:childTnLst>
+                                </p:cTn>
+                              </p:par>
+                            </p:childTnLst>
+                          </p:cTn>
+                        </p:par>
+                      </p:childTnLst>
+                    </p:cTn>
+                  </p:par>
+                </p:childTnLst>
+              </p:cTn>
+              <p:prevCondLst>
+                <p:cond evt="onPrev" delay="0">
+                  <p:tgtEl>
+                    <p:sldTgt/>
+                  </p:tgtEl>
+                </p:cond>
+              </p:prevCondLst>
+              <p:nextCondLst>
+                <p:cond evt="onNext" delay="0">
+                  <p:tgtEl>
+                    <p:sldTgt/>
+                  </p:tgtEl>
+                </p:cond>
+              </p:nextCondLst>
+            </p:seq>
+          </p:childTnLst>
+        </p:cTn>
+      </p:par>
+    </p:tnLst>
+  </p:timing>
+</p:sld>
+</file>
+
+<file path=ppt/slides/slide41.xml><?xml version="1.0" encoding="utf-8"?>
+<p:sld xmlns:a="http://schemas.openxmlformats.org/drawingml/2006/main" xmlns:r="http://schemas.openxmlformats.org/officeDocument/2006/relationships" xmlns:p="http://schemas.openxmlformats.org/presentationml/2006/main">
+  <p:cSld>
+    <p:spTree>
+      <p:nvGrpSpPr>
+        <p:cNvPr id="1" name=""/>
+        <p:cNvGrpSpPr/>
+        <p:nvPr/>
+      </p:nvGrpSpPr>
+      <p:grpSpPr>
+        <a:xfrm>
+          <a:off x="0" y="0"/>
+          <a:ext cx="0" cy="0"/>
+          <a:chOff x="0" y="0"/>
+          <a:chExt cx="0" cy="0"/>
+        </a:xfrm>
+      </p:grpSpPr>
       <p:grpSp>
         <p:nvGrpSpPr>
           <p:cNvPr id="3" name="Summary Box Group">
@@ -26796,7 +27351,7 @@
             <a:fld id="{2BF067CD-8E6B-4360-9AA8-C5DF2A48A6D1}" type="slidenum">
               <a:rPr lang="en-US" noProof="0" smtClean="0"/>
               <a:pPr/>
-              <a:t>40</a:t>
+              <a:t>41</a:t>
             </a:fld>
             <a:endParaRPr lang="en-US" noProof="0" dirty="0"/>
           </a:p>
@@ -27098,7 +27653,7 @@
 </p:sld>
 </file>
 
-<file path=ppt/slides/slide41.xml><?xml version="1.0" encoding="utf-8"?>
+<file path=ppt/slides/slide42.xml><?xml version="1.0" encoding="utf-8"?>
 <p:sld xmlns:a="http://schemas.openxmlformats.org/drawingml/2006/main" xmlns:r="http://schemas.openxmlformats.org/officeDocument/2006/relationships" xmlns:p="http://schemas.openxmlformats.org/presentationml/2006/main">
   <p:cSld>
     <p:spTree>
@@ -27288,7 +27843,7 @@
 </p:sld>
 </file>
 
-<file path=ppt/slides/slide42.xml><?xml version="1.0" encoding="utf-8"?>
+<file path=ppt/slides/slide43.xml><?xml version="1.0" encoding="utf-8"?>
 <p:sld xmlns:a="http://schemas.openxmlformats.org/drawingml/2006/main" xmlns:r="http://schemas.openxmlformats.org/officeDocument/2006/relationships" xmlns:p="http://schemas.openxmlformats.org/presentationml/2006/main" show="0">
   <p:cSld>
     <p:spTree>
@@ -27341,7 +27896,7 @@
             <a:fld id="{2BF067CD-8E6B-4360-9AA8-C5DF2A48A6D1}" type="slidenum">
               <a:rPr lang="en-US" smtClean="0"/>
               <a:pPr/>
-              <a:t>42</a:t>
+              <a:t>43</a:t>
             </a:fld>
             <a:endParaRPr lang="en-US" dirty="0"/>
           </a:p>
